--- a/intern/Sem2-diagram.pptx
+++ b/intern/Sem2-diagram.pptx
@@ -4,15 +4,27 @@
   <p:sldMasterIdLst>
     <p:sldMasterId id="2147483648" r:id="rId1"/>
   </p:sldMasterIdLst>
+  <p:notesMasterIdLst>
+    <p:notesMasterId r:id="rId19"/>
+  </p:notesMasterIdLst>
   <p:sldIdLst>
     <p:sldId id="257" r:id="rId2"/>
     <p:sldId id="256" r:id="rId3"/>
     <p:sldId id="258" r:id="rId4"/>
     <p:sldId id="259" r:id="rId5"/>
-    <p:sldId id="261" r:id="rId6"/>
-    <p:sldId id="262" r:id="rId7"/>
-    <p:sldId id="263" r:id="rId8"/>
-    <p:sldId id="264" r:id="rId9"/>
+    <p:sldId id="269" r:id="rId6"/>
+    <p:sldId id="261" r:id="rId7"/>
+    <p:sldId id="265" r:id="rId8"/>
+    <p:sldId id="270" r:id="rId9"/>
+    <p:sldId id="262" r:id="rId10"/>
+    <p:sldId id="266" r:id="rId11"/>
+    <p:sldId id="271" r:id="rId12"/>
+    <p:sldId id="263" r:id="rId13"/>
+    <p:sldId id="267" r:id="rId14"/>
+    <p:sldId id="272" r:id="rId15"/>
+    <p:sldId id="264" r:id="rId16"/>
+    <p:sldId id="268" r:id="rId17"/>
+    <p:sldId id="273" r:id="rId18"/>
   </p:sldIdLst>
   <p:sldSz cx="12192000" cy="6858000"/>
   <p:notesSz cx="6858000" cy="9144000"/>
@@ -124,26 +136,35 @@
           <p14:sldIdLst>
             <p14:sldId id="258"/>
             <p14:sldId id="259"/>
+            <p14:sldId id="269"/>
           </p14:sldIdLst>
         </p14:section>
         <p14:section name="ADF" id="{3D77032E-D701-48B1-A011-9021217B6A56}">
           <p14:sldIdLst>
             <p14:sldId id="261"/>
+            <p14:sldId id="265"/>
+            <p14:sldId id="270"/>
           </p14:sldIdLst>
         </p14:section>
         <p14:section name="D365" id="{B8745F2E-8D66-495A-9194-96AF885089DB}">
           <p14:sldIdLst>
             <p14:sldId id="262"/>
+            <p14:sldId id="266"/>
+            <p14:sldId id="271"/>
           </p14:sldIdLst>
         </p14:section>
         <p14:section name="Database/StoredProc" id="{BCC1AE1E-EC5B-4F0C-A639-D47B465D5250}">
           <p14:sldIdLst>
             <p14:sldId id="263"/>
+            <p14:sldId id="267"/>
+            <p14:sldId id="272"/>
           </p14:sldIdLst>
         </p14:section>
         <p14:section name="PowerBI" id="{950A64E5-0210-46DD-B002-1312437B488E}">
           <p14:sldIdLst>
             <p14:sldId id="264"/>
+            <p14:sldId id="268"/>
+            <p14:sldId id="273"/>
           </p14:sldIdLst>
         </p14:section>
       </p14:sectionLst>
@@ -153,6 +174,443 @@
     </p:ext>
   </p:extLst>
 </p:presentation>
+</file>
+
+<file path=ppt/notesMasters/notesMaster1.xml><?xml version="1.0" encoding="utf-8"?>
+<p:notesMaster xmlns:a="http://schemas.openxmlformats.org/drawingml/2006/main" xmlns:r="http://schemas.openxmlformats.org/officeDocument/2006/relationships" xmlns:p="http://schemas.openxmlformats.org/presentationml/2006/main">
+  <p:cSld>
+    <p:bg>
+      <p:bgRef idx="1001">
+        <a:schemeClr val="bg1"/>
+      </p:bgRef>
+    </p:bg>
+    <p:spTree>
+      <p:nvGrpSpPr>
+        <p:cNvPr id="1" name=""/>
+        <p:cNvGrpSpPr/>
+        <p:nvPr/>
+      </p:nvGrpSpPr>
+      <p:grpSpPr>
+        <a:xfrm>
+          <a:off x="0" y="0"/>
+          <a:ext cx="0" cy="0"/>
+          <a:chOff x="0" y="0"/>
+          <a:chExt cx="0" cy="0"/>
+        </a:xfrm>
+      </p:grpSpPr>
+      <p:sp>
+        <p:nvSpPr>
+          <p:cNvPr id="2" name="Header Placeholder 1"/>
+          <p:cNvSpPr>
+            <a:spLocks noGrp="1"/>
+          </p:cNvSpPr>
+          <p:nvPr>
+            <p:ph type="hdr" sz="quarter"/>
+          </p:nvPr>
+        </p:nvSpPr>
+        <p:spPr>
+          <a:xfrm>
+            <a:off x="0" y="0"/>
+            <a:ext cx="2971800" cy="458788"/>
+          </a:xfrm>
+          <a:prstGeom prst="rect">
+            <a:avLst/>
+          </a:prstGeom>
+        </p:spPr>
+        <p:txBody>
+          <a:bodyPr vert="horz" lIns="91440" tIns="45720" rIns="91440" bIns="45720" rtlCol="0"/>
+          <a:lstStyle>
+            <a:lvl1pPr algn="l">
+              <a:defRPr sz="1200"/>
+            </a:lvl1pPr>
+          </a:lstStyle>
+          <a:p>
+            <a:endParaRPr lang="en-GB"/>
+          </a:p>
+        </p:txBody>
+      </p:sp>
+      <p:sp>
+        <p:nvSpPr>
+          <p:cNvPr id="3" name="Date Placeholder 2"/>
+          <p:cNvSpPr>
+            <a:spLocks noGrp="1"/>
+          </p:cNvSpPr>
+          <p:nvPr>
+            <p:ph type="dt" idx="1"/>
+          </p:nvPr>
+        </p:nvSpPr>
+        <p:spPr>
+          <a:xfrm>
+            <a:off x="3884613" y="0"/>
+            <a:ext cx="2971800" cy="458788"/>
+          </a:xfrm>
+          <a:prstGeom prst="rect">
+            <a:avLst/>
+          </a:prstGeom>
+        </p:spPr>
+        <p:txBody>
+          <a:bodyPr vert="horz" lIns="91440" tIns="45720" rIns="91440" bIns="45720" rtlCol="0"/>
+          <a:lstStyle>
+            <a:lvl1pPr algn="r">
+              <a:defRPr sz="1200"/>
+            </a:lvl1pPr>
+          </a:lstStyle>
+          <a:p>
+            <a:fld id="{68F8681A-4848-43FF-8BA6-988670E17D5C}" type="datetimeFigureOut">
+              <a:rPr lang="en-GB" smtClean="0"/>
+              <a:t>07/01/2025</a:t>
+            </a:fld>
+            <a:endParaRPr lang="en-GB"/>
+          </a:p>
+        </p:txBody>
+      </p:sp>
+      <p:sp>
+        <p:nvSpPr>
+          <p:cNvPr id="4" name="Slide Image Placeholder 3"/>
+          <p:cNvSpPr>
+            <a:spLocks noGrp="1" noRot="1" noChangeAspect="1"/>
+          </p:cNvSpPr>
+          <p:nvPr>
+            <p:ph type="sldImg" idx="2"/>
+          </p:nvPr>
+        </p:nvSpPr>
+        <p:spPr>
+          <a:xfrm>
+            <a:off x="685800" y="1143000"/>
+            <a:ext cx="5486400" cy="3086100"/>
+          </a:xfrm>
+          <a:prstGeom prst="rect">
+            <a:avLst/>
+          </a:prstGeom>
+          <a:noFill/>
+          <a:ln w="12700">
+            <a:solidFill>
+              <a:prstClr val="black"/>
+            </a:solidFill>
+          </a:ln>
+        </p:spPr>
+        <p:txBody>
+          <a:bodyPr vert="horz" lIns="91440" tIns="45720" rIns="91440" bIns="45720" rtlCol="0" anchor="ctr"/>
+          <a:lstStyle/>
+          <a:p>
+            <a:endParaRPr lang="en-GB"/>
+          </a:p>
+        </p:txBody>
+      </p:sp>
+      <p:sp>
+        <p:nvSpPr>
+          <p:cNvPr id="5" name="Notes Placeholder 4"/>
+          <p:cNvSpPr>
+            <a:spLocks noGrp="1"/>
+          </p:cNvSpPr>
+          <p:nvPr>
+            <p:ph type="body" sz="quarter" idx="3"/>
+          </p:nvPr>
+        </p:nvSpPr>
+        <p:spPr>
+          <a:xfrm>
+            <a:off x="685800" y="4400550"/>
+            <a:ext cx="5486400" cy="3600450"/>
+          </a:xfrm>
+          <a:prstGeom prst="rect">
+            <a:avLst/>
+          </a:prstGeom>
+        </p:spPr>
+        <p:txBody>
+          <a:bodyPr vert="horz" lIns="91440" tIns="45720" rIns="91440" bIns="45720" rtlCol="0"/>
+          <a:lstStyle/>
+          <a:p>
+            <a:pPr lvl="0"/>
+            <a:r>
+              <a:rPr lang="en-US"/>
+              <a:t>Click to edit Master text styles</a:t>
+            </a:r>
+          </a:p>
+          <a:p>
+            <a:pPr lvl="1"/>
+            <a:r>
+              <a:rPr lang="en-US"/>
+              <a:t>Second level</a:t>
+            </a:r>
+          </a:p>
+          <a:p>
+            <a:pPr lvl="2"/>
+            <a:r>
+              <a:rPr lang="en-US"/>
+              <a:t>Third level</a:t>
+            </a:r>
+          </a:p>
+          <a:p>
+            <a:pPr lvl="3"/>
+            <a:r>
+              <a:rPr lang="en-US"/>
+              <a:t>Fourth level</a:t>
+            </a:r>
+          </a:p>
+          <a:p>
+            <a:pPr lvl="4"/>
+            <a:r>
+              <a:rPr lang="en-US"/>
+              <a:t>Fifth level</a:t>
+            </a:r>
+            <a:endParaRPr lang="en-GB"/>
+          </a:p>
+        </p:txBody>
+      </p:sp>
+      <p:sp>
+        <p:nvSpPr>
+          <p:cNvPr id="6" name="Footer Placeholder 5"/>
+          <p:cNvSpPr>
+            <a:spLocks noGrp="1"/>
+          </p:cNvSpPr>
+          <p:nvPr>
+            <p:ph type="ftr" sz="quarter" idx="4"/>
+          </p:nvPr>
+        </p:nvSpPr>
+        <p:spPr>
+          <a:xfrm>
+            <a:off x="0" y="8685213"/>
+            <a:ext cx="2971800" cy="458787"/>
+          </a:xfrm>
+          <a:prstGeom prst="rect">
+            <a:avLst/>
+          </a:prstGeom>
+        </p:spPr>
+        <p:txBody>
+          <a:bodyPr vert="horz" lIns="91440" tIns="45720" rIns="91440" bIns="45720" rtlCol="0" anchor="b"/>
+          <a:lstStyle>
+            <a:lvl1pPr algn="l">
+              <a:defRPr sz="1200"/>
+            </a:lvl1pPr>
+          </a:lstStyle>
+          <a:p>
+            <a:endParaRPr lang="en-GB"/>
+          </a:p>
+        </p:txBody>
+      </p:sp>
+      <p:sp>
+        <p:nvSpPr>
+          <p:cNvPr id="7" name="Slide Number Placeholder 6"/>
+          <p:cNvSpPr>
+            <a:spLocks noGrp="1"/>
+          </p:cNvSpPr>
+          <p:nvPr>
+            <p:ph type="sldNum" sz="quarter" idx="5"/>
+          </p:nvPr>
+        </p:nvSpPr>
+        <p:spPr>
+          <a:xfrm>
+            <a:off x="3884613" y="8685213"/>
+            <a:ext cx="2971800" cy="458787"/>
+          </a:xfrm>
+          <a:prstGeom prst="rect">
+            <a:avLst/>
+          </a:prstGeom>
+        </p:spPr>
+        <p:txBody>
+          <a:bodyPr vert="horz" lIns="91440" tIns="45720" rIns="91440" bIns="45720" rtlCol="0" anchor="b"/>
+          <a:lstStyle>
+            <a:lvl1pPr algn="r">
+              <a:defRPr sz="1200"/>
+            </a:lvl1pPr>
+          </a:lstStyle>
+          <a:p>
+            <a:fld id="{007860DE-AC52-42CF-B86C-7F003A875CE5}" type="slidenum">
+              <a:rPr lang="en-GB" smtClean="0"/>
+              <a:t>‹#›</a:t>
+            </a:fld>
+            <a:endParaRPr lang="en-GB"/>
+          </a:p>
+        </p:txBody>
+      </p:sp>
+    </p:spTree>
+    <p:extLst>
+      <p:ext uri="{BB962C8B-B14F-4D97-AF65-F5344CB8AC3E}">
+        <p14:creationId xmlns:p14="http://schemas.microsoft.com/office/powerpoint/2010/main" val="3903558558"/>
+      </p:ext>
+    </p:extLst>
+  </p:cSld>
+  <p:clrMap bg1="lt1" tx1="dk1" bg2="lt2" tx2="dk2" accent1="accent1" accent2="accent2" accent3="accent3" accent4="accent4" accent5="accent5" accent6="accent6" hlink="hlink" folHlink="folHlink"/>
+  <p:notesStyle>
+    <a:lvl1pPr marL="0" algn="l" defTabSz="914400" rtl="0" eaLnBrk="1" latinLnBrk="0" hangingPunct="1">
+      <a:defRPr sz="1200" kern="1200">
+        <a:solidFill>
+          <a:schemeClr val="tx1"/>
+        </a:solidFill>
+        <a:latin typeface="+mn-lt"/>
+        <a:ea typeface="+mn-ea"/>
+        <a:cs typeface="+mn-cs"/>
+      </a:defRPr>
+    </a:lvl1pPr>
+    <a:lvl2pPr marL="457200" algn="l" defTabSz="914400" rtl="0" eaLnBrk="1" latinLnBrk="0" hangingPunct="1">
+      <a:defRPr sz="1200" kern="1200">
+        <a:solidFill>
+          <a:schemeClr val="tx1"/>
+        </a:solidFill>
+        <a:latin typeface="+mn-lt"/>
+        <a:ea typeface="+mn-ea"/>
+        <a:cs typeface="+mn-cs"/>
+      </a:defRPr>
+    </a:lvl2pPr>
+    <a:lvl3pPr marL="914400" algn="l" defTabSz="914400" rtl="0" eaLnBrk="1" latinLnBrk="0" hangingPunct="1">
+      <a:defRPr sz="1200" kern="1200">
+        <a:solidFill>
+          <a:schemeClr val="tx1"/>
+        </a:solidFill>
+        <a:latin typeface="+mn-lt"/>
+        <a:ea typeface="+mn-ea"/>
+        <a:cs typeface="+mn-cs"/>
+      </a:defRPr>
+    </a:lvl3pPr>
+    <a:lvl4pPr marL="1371600" algn="l" defTabSz="914400" rtl="0" eaLnBrk="1" latinLnBrk="0" hangingPunct="1">
+      <a:defRPr sz="1200" kern="1200">
+        <a:solidFill>
+          <a:schemeClr val="tx1"/>
+        </a:solidFill>
+        <a:latin typeface="+mn-lt"/>
+        <a:ea typeface="+mn-ea"/>
+        <a:cs typeface="+mn-cs"/>
+      </a:defRPr>
+    </a:lvl4pPr>
+    <a:lvl5pPr marL="1828800" algn="l" defTabSz="914400" rtl="0" eaLnBrk="1" latinLnBrk="0" hangingPunct="1">
+      <a:defRPr sz="1200" kern="1200">
+        <a:solidFill>
+          <a:schemeClr val="tx1"/>
+        </a:solidFill>
+        <a:latin typeface="+mn-lt"/>
+        <a:ea typeface="+mn-ea"/>
+        <a:cs typeface="+mn-cs"/>
+      </a:defRPr>
+    </a:lvl5pPr>
+    <a:lvl6pPr marL="2286000" algn="l" defTabSz="914400" rtl="0" eaLnBrk="1" latinLnBrk="0" hangingPunct="1">
+      <a:defRPr sz="1200" kern="1200">
+        <a:solidFill>
+          <a:schemeClr val="tx1"/>
+        </a:solidFill>
+        <a:latin typeface="+mn-lt"/>
+        <a:ea typeface="+mn-ea"/>
+        <a:cs typeface="+mn-cs"/>
+      </a:defRPr>
+    </a:lvl6pPr>
+    <a:lvl7pPr marL="2743200" algn="l" defTabSz="914400" rtl="0" eaLnBrk="1" latinLnBrk="0" hangingPunct="1">
+      <a:defRPr sz="1200" kern="1200">
+        <a:solidFill>
+          <a:schemeClr val="tx1"/>
+        </a:solidFill>
+        <a:latin typeface="+mn-lt"/>
+        <a:ea typeface="+mn-ea"/>
+        <a:cs typeface="+mn-cs"/>
+      </a:defRPr>
+    </a:lvl7pPr>
+    <a:lvl8pPr marL="3200400" algn="l" defTabSz="914400" rtl="0" eaLnBrk="1" latinLnBrk="0" hangingPunct="1">
+      <a:defRPr sz="1200" kern="1200">
+        <a:solidFill>
+          <a:schemeClr val="tx1"/>
+        </a:solidFill>
+        <a:latin typeface="+mn-lt"/>
+        <a:ea typeface="+mn-ea"/>
+        <a:cs typeface="+mn-cs"/>
+      </a:defRPr>
+    </a:lvl8pPr>
+    <a:lvl9pPr marL="3657600" algn="l" defTabSz="914400" rtl="0" eaLnBrk="1" latinLnBrk="0" hangingPunct="1">
+      <a:defRPr sz="1200" kern="1200">
+        <a:solidFill>
+          <a:schemeClr val="tx1"/>
+        </a:solidFill>
+        <a:latin typeface="+mn-lt"/>
+        <a:ea typeface="+mn-ea"/>
+        <a:cs typeface="+mn-cs"/>
+      </a:defRPr>
+    </a:lvl9pPr>
+  </p:notesStyle>
+</p:notesMaster>
+</file>
+
+<file path=ppt/notesSlides/notesSlide1.xml><?xml version="1.0" encoding="utf-8"?>
+<p:notes xmlns:a="http://schemas.openxmlformats.org/drawingml/2006/main" xmlns:r="http://schemas.openxmlformats.org/officeDocument/2006/relationships" xmlns:p="http://schemas.openxmlformats.org/presentationml/2006/main">
+  <p:cSld>
+    <p:spTree>
+      <p:nvGrpSpPr>
+        <p:cNvPr id="1" name=""/>
+        <p:cNvGrpSpPr/>
+        <p:nvPr/>
+      </p:nvGrpSpPr>
+      <p:grpSpPr>
+        <a:xfrm>
+          <a:off x="0" y="0"/>
+          <a:ext cx="0" cy="0"/>
+          <a:chOff x="0" y="0"/>
+          <a:chExt cx="0" cy="0"/>
+        </a:xfrm>
+      </p:grpSpPr>
+      <p:sp>
+        <p:nvSpPr>
+          <p:cNvPr id="2" name="Slide Image Placeholder 1"/>
+          <p:cNvSpPr>
+            <a:spLocks noGrp="1" noRot="1" noChangeAspect="1"/>
+          </p:cNvSpPr>
+          <p:nvPr>
+            <p:ph type="sldImg"/>
+          </p:nvPr>
+        </p:nvSpPr>
+        <p:spPr/>
+      </p:sp>
+      <p:sp>
+        <p:nvSpPr>
+          <p:cNvPr id="3" name="Notes Placeholder 2"/>
+          <p:cNvSpPr>
+            <a:spLocks noGrp="1"/>
+          </p:cNvSpPr>
+          <p:nvPr>
+            <p:ph type="body" idx="1"/>
+          </p:nvPr>
+        </p:nvSpPr>
+        <p:spPr/>
+        <p:txBody>
+          <a:bodyPr/>
+          <a:lstStyle/>
+          <a:p>
+            <a:r>
+              <a:rPr lang="en-GB" dirty="0"/>
+              <a:t>https://learn.microsoft.com/en-us/azure/data-factory/continuous-integration-delivery-improvements#:~:text=with%20older%20versions.-,Current%20CI/CD%20flow,-Each%20user%20makes</a:t>
+            </a:r>
+          </a:p>
+        </p:txBody>
+      </p:sp>
+      <p:sp>
+        <p:nvSpPr>
+          <p:cNvPr id="4" name="Slide Number Placeholder 3"/>
+          <p:cNvSpPr>
+            <a:spLocks noGrp="1"/>
+          </p:cNvSpPr>
+          <p:nvPr>
+            <p:ph type="sldNum" sz="quarter" idx="5"/>
+          </p:nvPr>
+        </p:nvSpPr>
+        <p:spPr/>
+        <p:txBody>
+          <a:bodyPr/>
+          <a:lstStyle/>
+          <a:p>
+            <a:fld id="{007860DE-AC52-42CF-B86C-7F003A875CE5}" type="slidenum">
+              <a:rPr lang="en-GB" smtClean="0"/>
+              <a:t>6</a:t>
+            </a:fld>
+            <a:endParaRPr lang="en-GB"/>
+          </a:p>
+        </p:txBody>
+      </p:sp>
+    </p:spTree>
+    <p:extLst>
+      <p:ext uri="{BB962C8B-B14F-4D97-AF65-F5344CB8AC3E}">
+        <p14:creationId xmlns:p14="http://schemas.microsoft.com/office/powerpoint/2010/main" val="1069331856"/>
+      </p:ext>
+    </p:extLst>
+  </p:cSld>
+  <p:clrMapOvr>
+    <a:masterClrMapping/>
+  </p:clrMapOvr>
+</p:notes>
 </file>
 
 <file path=ppt/slideLayouts/slideLayout1.xml><?xml version="1.0" encoding="utf-8"?>
@@ -304,7 +762,7 @@
           <a:p>
             <a:fld id="{0D63A1D7-0770-4E80-8B00-54E3DB405855}" type="datetimeFigureOut">
               <a:rPr lang="en-GB" smtClean="0"/>
-              <a:t>06/01/2025</a:t>
+              <a:t>07/01/2025</a:t>
             </a:fld>
             <a:endParaRPr lang="en-GB"/>
           </a:p>
@@ -504,7 +962,7 @@
           <a:p>
             <a:fld id="{0D63A1D7-0770-4E80-8B00-54E3DB405855}" type="datetimeFigureOut">
               <a:rPr lang="en-GB" smtClean="0"/>
-              <a:t>06/01/2025</a:t>
+              <a:t>07/01/2025</a:t>
             </a:fld>
             <a:endParaRPr lang="en-GB"/>
           </a:p>
@@ -714,7 +1172,7 @@
           <a:p>
             <a:fld id="{0D63A1D7-0770-4E80-8B00-54E3DB405855}" type="datetimeFigureOut">
               <a:rPr lang="en-GB" smtClean="0"/>
-              <a:t>06/01/2025</a:t>
+              <a:t>07/01/2025</a:t>
             </a:fld>
             <a:endParaRPr lang="en-GB"/>
           </a:p>
@@ -914,7 +1372,7 @@
           <a:p>
             <a:fld id="{0D63A1D7-0770-4E80-8B00-54E3DB405855}" type="datetimeFigureOut">
               <a:rPr lang="en-GB" smtClean="0"/>
-              <a:t>06/01/2025</a:t>
+              <a:t>07/01/2025</a:t>
             </a:fld>
             <a:endParaRPr lang="en-GB"/>
           </a:p>
@@ -1190,7 +1648,7 @@
           <a:p>
             <a:fld id="{0D63A1D7-0770-4E80-8B00-54E3DB405855}" type="datetimeFigureOut">
               <a:rPr lang="en-GB" smtClean="0"/>
-              <a:t>06/01/2025</a:t>
+              <a:t>07/01/2025</a:t>
             </a:fld>
             <a:endParaRPr lang="en-GB"/>
           </a:p>
@@ -1458,7 +1916,7 @@
           <a:p>
             <a:fld id="{0D63A1D7-0770-4E80-8B00-54E3DB405855}" type="datetimeFigureOut">
               <a:rPr lang="en-GB" smtClean="0"/>
-              <a:t>06/01/2025</a:t>
+              <a:t>07/01/2025</a:t>
             </a:fld>
             <a:endParaRPr lang="en-GB"/>
           </a:p>
@@ -1873,7 +2331,7 @@
           <a:p>
             <a:fld id="{0D63A1D7-0770-4E80-8B00-54E3DB405855}" type="datetimeFigureOut">
               <a:rPr lang="en-GB" smtClean="0"/>
-              <a:t>06/01/2025</a:t>
+              <a:t>07/01/2025</a:t>
             </a:fld>
             <a:endParaRPr lang="en-GB"/>
           </a:p>
@@ -2015,7 +2473,7 @@
           <a:p>
             <a:fld id="{0D63A1D7-0770-4E80-8B00-54E3DB405855}" type="datetimeFigureOut">
               <a:rPr lang="en-GB" smtClean="0"/>
-              <a:t>06/01/2025</a:t>
+              <a:t>07/01/2025</a:t>
             </a:fld>
             <a:endParaRPr lang="en-GB"/>
           </a:p>
@@ -2128,7 +2586,7 @@
           <a:p>
             <a:fld id="{0D63A1D7-0770-4E80-8B00-54E3DB405855}" type="datetimeFigureOut">
               <a:rPr lang="en-GB" smtClean="0"/>
-              <a:t>06/01/2025</a:t>
+              <a:t>07/01/2025</a:t>
             </a:fld>
             <a:endParaRPr lang="en-GB"/>
           </a:p>
@@ -2441,7 +2899,7 @@
           <a:p>
             <a:fld id="{0D63A1D7-0770-4E80-8B00-54E3DB405855}" type="datetimeFigureOut">
               <a:rPr lang="en-GB" smtClean="0"/>
-              <a:t>06/01/2025</a:t>
+              <a:t>07/01/2025</a:t>
             </a:fld>
             <a:endParaRPr lang="en-GB"/>
           </a:p>
@@ -2730,7 +3188,7 @@
           <a:p>
             <a:fld id="{0D63A1D7-0770-4E80-8B00-54E3DB405855}" type="datetimeFigureOut">
               <a:rPr lang="en-GB" smtClean="0"/>
-              <a:t>06/01/2025</a:t>
+              <a:t>07/01/2025</a:t>
             </a:fld>
             <a:endParaRPr lang="en-GB"/>
           </a:p>
@@ -2973,7 +3431,7 @@
           <a:p>
             <a:fld id="{0D63A1D7-0770-4E80-8B00-54E3DB405855}" type="datetimeFigureOut">
               <a:rPr lang="en-GB" smtClean="0"/>
-              <a:t>06/01/2025</a:t>
+              <a:t>07/01/2025</a:t>
             </a:fld>
             <a:endParaRPr lang="en-GB"/>
           </a:p>
@@ -3727,6 +4185,2329 @@
 </p:sld>
 </file>
 
+<file path=ppt/slides/slide10.xml><?xml version="1.0" encoding="utf-8"?>
+<p:sld xmlns:a="http://schemas.openxmlformats.org/drawingml/2006/main" xmlns:r="http://schemas.openxmlformats.org/officeDocument/2006/relationships" xmlns:p="http://schemas.openxmlformats.org/presentationml/2006/main">
+  <p:cSld>
+    <p:spTree>
+      <p:nvGrpSpPr>
+        <p:cNvPr id="1" name=""/>
+        <p:cNvGrpSpPr/>
+        <p:nvPr/>
+      </p:nvGrpSpPr>
+      <p:grpSpPr>
+        <a:xfrm>
+          <a:off x="0" y="0"/>
+          <a:ext cx="0" cy="0"/>
+          <a:chOff x="0" y="0"/>
+          <a:chExt cx="0" cy="0"/>
+        </a:xfrm>
+      </p:grpSpPr>
+      <p:sp>
+        <p:nvSpPr>
+          <p:cNvPr id="6" name="TextBox 5">
+            <a:extLst>
+              <a:ext uri="{FF2B5EF4-FFF2-40B4-BE49-F238E27FC236}">
+                <a16:creationId xmlns:a16="http://schemas.microsoft.com/office/drawing/2014/main" id="{D8540CE0-4136-D6FF-CDD9-AC09A5743E21}"/>
+              </a:ext>
+            </a:extLst>
+          </p:cNvPr>
+          <p:cNvSpPr txBox="1"/>
+          <p:nvPr/>
+        </p:nvSpPr>
+        <p:spPr>
+          <a:xfrm>
+            <a:off x="326571" y="204107"/>
+            <a:ext cx="997389" cy="369332"/>
+          </a:xfrm>
+          <a:prstGeom prst="rect">
+            <a:avLst/>
+          </a:prstGeom>
+          <a:noFill/>
+        </p:spPr>
+        <p:txBody>
+          <a:bodyPr wrap="none" rtlCol="0">
+            <a:spAutoFit/>
+          </a:bodyPr>
+          <a:lstStyle/>
+          <a:p>
+            <a:r>
+              <a:rPr lang="en-SG" dirty="0"/>
+              <a:t>D365 CD</a:t>
+            </a:r>
+            <a:endParaRPr lang="en-GB" dirty="0"/>
+          </a:p>
+        </p:txBody>
+      </p:sp>
+      <p:sp>
+        <p:nvSpPr>
+          <p:cNvPr id="12" name="TextBox 11">
+            <a:extLst>
+              <a:ext uri="{FF2B5EF4-FFF2-40B4-BE49-F238E27FC236}">
+                <a16:creationId xmlns:a16="http://schemas.microsoft.com/office/drawing/2014/main" id="{6EF530AE-F1DF-F90B-4722-7E86A9C1FAD6}"/>
+              </a:ext>
+            </a:extLst>
+          </p:cNvPr>
+          <p:cNvSpPr txBox="1"/>
+          <p:nvPr/>
+        </p:nvSpPr>
+        <p:spPr>
+          <a:xfrm>
+            <a:off x="2424793" y="2959640"/>
+            <a:ext cx="4474030" cy="938719"/>
+          </a:xfrm>
+          <a:prstGeom prst="rect">
+            <a:avLst/>
+          </a:prstGeom>
+          <a:noFill/>
+        </p:spPr>
+        <p:txBody>
+          <a:bodyPr wrap="square" rtlCol="0">
+            <a:spAutoFit/>
+          </a:bodyPr>
+          <a:lstStyle/>
+          <a:p>
+            <a:r>
+              <a:rPr lang="en-SG" sz="1100" dirty="0"/>
+              <a:t>App will do the deployment to the different type of app services. The general flow is:</a:t>
+            </a:r>
+            <a:br>
+              <a:rPr lang="en-SG" sz="1100" dirty="0"/>
+            </a:br>
+            <a:r>
+              <a:rPr lang="en-SG" sz="1100" dirty="0"/>
+              <a:t>1) Validate the Artifact (Taken from App-Ci pipeline build id</a:t>
+            </a:r>
+            <a:br>
+              <a:rPr lang="en-SG" sz="1100" dirty="0"/>
+            </a:br>
+            <a:r>
+              <a:rPr lang="en-SG" sz="1100" dirty="0"/>
+              <a:t>2) Before deployment to different Env, ask for approval (App Leads)</a:t>
+            </a:r>
+            <a:br>
+              <a:rPr lang="en-SG" sz="1100" dirty="0"/>
+            </a:br>
+            <a:r>
+              <a:rPr lang="en-SG" sz="1100" dirty="0"/>
+              <a:t>3) Does Pre-check, deployment and post-deployment checks</a:t>
+            </a:r>
+            <a:endParaRPr lang="en-GB" sz="1100" dirty="0"/>
+          </a:p>
+        </p:txBody>
+      </p:sp>
+      <p:sp>
+        <p:nvSpPr>
+          <p:cNvPr id="3" name="Rectangle 2">
+            <a:extLst>
+              <a:ext uri="{FF2B5EF4-FFF2-40B4-BE49-F238E27FC236}">
+                <a16:creationId xmlns:a16="http://schemas.microsoft.com/office/drawing/2014/main" id="{30981915-FEF8-31CD-65C7-C6985BB99598}"/>
+              </a:ext>
+            </a:extLst>
+          </p:cNvPr>
+          <p:cNvSpPr/>
+          <p:nvPr/>
+        </p:nvSpPr>
+        <p:spPr>
+          <a:xfrm>
+            <a:off x="326571" y="709127"/>
+            <a:ext cx="1492898" cy="634481"/>
+          </a:xfrm>
+          <a:prstGeom prst="rect">
+            <a:avLst/>
+          </a:prstGeom>
+        </p:spPr>
+        <p:style>
+          <a:lnRef idx="2">
+            <a:schemeClr val="accent1">
+              <a:shade val="50000"/>
+            </a:schemeClr>
+          </a:lnRef>
+          <a:fillRef idx="1">
+            <a:schemeClr val="accent1"/>
+          </a:fillRef>
+          <a:effectRef idx="0">
+            <a:schemeClr val="accent1"/>
+          </a:effectRef>
+          <a:fontRef idx="minor">
+            <a:schemeClr val="lt1"/>
+          </a:fontRef>
+        </p:style>
+        <p:txBody>
+          <a:bodyPr rtlCol="0" anchor="ctr"/>
+          <a:lstStyle/>
+          <a:p>
+            <a:pPr algn="ctr"/>
+            <a:r>
+              <a:rPr lang="en-SG" sz="1400" dirty="0"/>
+              <a:t>1) Initialise</a:t>
+            </a:r>
+            <a:endParaRPr lang="en-GB" sz="1400" dirty="0"/>
+          </a:p>
+        </p:txBody>
+      </p:sp>
+      <p:sp>
+        <p:nvSpPr>
+          <p:cNvPr id="4" name="Rectangle 3">
+            <a:extLst>
+              <a:ext uri="{FF2B5EF4-FFF2-40B4-BE49-F238E27FC236}">
+                <a16:creationId xmlns:a16="http://schemas.microsoft.com/office/drawing/2014/main" id="{92D786E4-7108-D93E-C7F0-D747AAE78547}"/>
+              </a:ext>
+            </a:extLst>
+          </p:cNvPr>
+          <p:cNvSpPr/>
+          <p:nvPr/>
+        </p:nvSpPr>
+        <p:spPr>
+          <a:xfrm>
+            <a:off x="2424793" y="709127"/>
+            <a:ext cx="1492898" cy="634481"/>
+          </a:xfrm>
+          <a:prstGeom prst="rect">
+            <a:avLst/>
+          </a:prstGeom>
+        </p:spPr>
+        <p:style>
+          <a:lnRef idx="2">
+            <a:schemeClr val="accent1">
+              <a:shade val="50000"/>
+            </a:schemeClr>
+          </a:lnRef>
+          <a:fillRef idx="1">
+            <a:schemeClr val="accent1"/>
+          </a:fillRef>
+          <a:effectRef idx="0">
+            <a:schemeClr val="accent1"/>
+          </a:effectRef>
+          <a:fontRef idx="minor">
+            <a:schemeClr val="lt1"/>
+          </a:fontRef>
+        </p:style>
+        <p:txBody>
+          <a:bodyPr rtlCol="0" anchor="ctr"/>
+          <a:lstStyle/>
+          <a:p>
+            <a:pPr algn="ctr"/>
+            <a:r>
+              <a:rPr lang="en-SG" sz="1400" dirty="0"/>
+              <a:t>2) UAT/ORT</a:t>
+            </a:r>
+            <a:endParaRPr lang="en-GB" sz="1400" dirty="0"/>
+          </a:p>
+        </p:txBody>
+      </p:sp>
+      <p:sp>
+        <p:nvSpPr>
+          <p:cNvPr id="5" name="Rectangle 4">
+            <a:extLst>
+              <a:ext uri="{FF2B5EF4-FFF2-40B4-BE49-F238E27FC236}">
+                <a16:creationId xmlns:a16="http://schemas.microsoft.com/office/drawing/2014/main" id="{3E0061B7-2E3C-C24C-4488-17AF0A629AD9}"/>
+              </a:ext>
+            </a:extLst>
+          </p:cNvPr>
+          <p:cNvSpPr/>
+          <p:nvPr/>
+        </p:nvSpPr>
+        <p:spPr>
+          <a:xfrm>
+            <a:off x="4653054" y="544904"/>
+            <a:ext cx="1156219" cy="323279"/>
+          </a:xfrm>
+          <a:prstGeom prst="rect">
+            <a:avLst/>
+          </a:prstGeom>
+          <a:solidFill>
+            <a:schemeClr val="accent6">
+              <a:lumMod val="75000"/>
+            </a:schemeClr>
+          </a:solidFill>
+        </p:spPr>
+        <p:style>
+          <a:lnRef idx="2">
+            <a:schemeClr val="accent1">
+              <a:shade val="50000"/>
+            </a:schemeClr>
+          </a:lnRef>
+          <a:fillRef idx="1">
+            <a:schemeClr val="accent1"/>
+          </a:fillRef>
+          <a:effectRef idx="0">
+            <a:schemeClr val="accent1"/>
+          </a:effectRef>
+          <a:fontRef idx="minor">
+            <a:schemeClr val="lt1"/>
+          </a:fontRef>
+        </p:style>
+        <p:txBody>
+          <a:bodyPr rtlCol="0" anchor="ctr"/>
+          <a:lstStyle/>
+          <a:p>
+            <a:pPr algn="ctr"/>
+            <a:r>
+              <a:rPr lang="en-SG" sz="1000" dirty="0"/>
+              <a:t>2.1) Pre-deployment</a:t>
+            </a:r>
+            <a:endParaRPr lang="en-GB" sz="1000" dirty="0"/>
+          </a:p>
+        </p:txBody>
+      </p:sp>
+      <p:sp>
+        <p:nvSpPr>
+          <p:cNvPr id="7" name="Rectangle 6">
+            <a:extLst>
+              <a:ext uri="{FF2B5EF4-FFF2-40B4-BE49-F238E27FC236}">
+                <a16:creationId xmlns:a16="http://schemas.microsoft.com/office/drawing/2014/main" id="{52132298-E5DC-FCC7-E6BE-69FD2C6F2A63}"/>
+              </a:ext>
+            </a:extLst>
+          </p:cNvPr>
+          <p:cNvSpPr/>
+          <p:nvPr/>
+        </p:nvSpPr>
+        <p:spPr>
+          <a:xfrm>
+            <a:off x="4653054" y="864849"/>
+            <a:ext cx="1156219" cy="317241"/>
+          </a:xfrm>
+          <a:prstGeom prst="rect">
+            <a:avLst/>
+          </a:prstGeom>
+          <a:solidFill>
+            <a:schemeClr val="accent6">
+              <a:lumMod val="75000"/>
+            </a:schemeClr>
+          </a:solidFill>
+        </p:spPr>
+        <p:style>
+          <a:lnRef idx="2">
+            <a:schemeClr val="accent1">
+              <a:shade val="50000"/>
+            </a:schemeClr>
+          </a:lnRef>
+          <a:fillRef idx="1">
+            <a:schemeClr val="accent1"/>
+          </a:fillRef>
+          <a:effectRef idx="0">
+            <a:schemeClr val="accent1"/>
+          </a:effectRef>
+          <a:fontRef idx="minor">
+            <a:schemeClr val="lt1"/>
+          </a:fontRef>
+        </p:style>
+        <p:txBody>
+          <a:bodyPr rtlCol="0" anchor="ctr"/>
+          <a:lstStyle/>
+          <a:p>
+            <a:pPr algn="ctr"/>
+            <a:r>
+              <a:rPr lang="en-SG" sz="1000" dirty="0"/>
+              <a:t>2.2) Deployment</a:t>
+            </a:r>
+            <a:endParaRPr lang="en-GB" sz="1000" dirty="0"/>
+          </a:p>
+        </p:txBody>
+      </p:sp>
+      <p:sp>
+        <p:nvSpPr>
+          <p:cNvPr id="8" name="Rectangle 7">
+            <a:extLst>
+              <a:ext uri="{FF2B5EF4-FFF2-40B4-BE49-F238E27FC236}">
+                <a16:creationId xmlns:a16="http://schemas.microsoft.com/office/drawing/2014/main" id="{A3513D55-7C8A-132B-157A-A77AC205CD31}"/>
+              </a:ext>
+            </a:extLst>
+          </p:cNvPr>
+          <p:cNvSpPr/>
+          <p:nvPr/>
+        </p:nvSpPr>
+        <p:spPr>
+          <a:xfrm>
+            <a:off x="4653055" y="1181461"/>
+            <a:ext cx="1156218" cy="329316"/>
+          </a:xfrm>
+          <a:prstGeom prst="rect">
+            <a:avLst/>
+          </a:prstGeom>
+          <a:solidFill>
+            <a:schemeClr val="accent6">
+              <a:lumMod val="75000"/>
+            </a:schemeClr>
+          </a:solidFill>
+        </p:spPr>
+        <p:style>
+          <a:lnRef idx="2">
+            <a:schemeClr val="accent1">
+              <a:shade val="50000"/>
+            </a:schemeClr>
+          </a:lnRef>
+          <a:fillRef idx="1">
+            <a:schemeClr val="accent1"/>
+          </a:fillRef>
+          <a:effectRef idx="0">
+            <a:schemeClr val="accent1"/>
+          </a:effectRef>
+          <a:fontRef idx="minor">
+            <a:schemeClr val="lt1"/>
+          </a:fontRef>
+        </p:style>
+        <p:txBody>
+          <a:bodyPr rtlCol="0" anchor="ctr"/>
+          <a:lstStyle/>
+          <a:p>
+            <a:pPr algn="ctr"/>
+            <a:r>
+              <a:rPr lang="en-SG" sz="1000" dirty="0"/>
+              <a:t>2.3) Post Deployment</a:t>
+            </a:r>
+            <a:endParaRPr lang="en-GB" sz="1000" dirty="0"/>
+          </a:p>
+        </p:txBody>
+      </p:sp>
+      <p:cxnSp>
+        <p:nvCxnSpPr>
+          <p:cNvPr id="9" name="Straight Connector 8">
+            <a:extLst>
+              <a:ext uri="{FF2B5EF4-FFF2-40B4-BE49-F238E27FC236}">
+                <a16:creationId xmlns:a16="http://schemas.microsoft.com/office/drawing/2014/main" id="{81E3D235-9424-1B7C-C0E9-567EBDEFE4BE}"/>
+              </a:ext>
+            </a:extLst>
+          </p:cNvPr>
+          <p:cNvCxnSpPr>
+            <a:cxnSpLocks/>
+          </p:cNvCxnSpPr>
+          <p:nvPr/>
+        </p:nvCxnSpPr>
+        <p:spPr>
+          <a:xfrm flipV="1">
+            <a:off x="3917691" y="544904"/>
+            <a:ext cx="735363" cy="164223"/>
+          </a:xfrm>
+          <a:prstGeom prst="line">
+            <a:avLst/>
+          </a:prstGeom>
+          <a:ln>
+            <a:solidFill>
+              <a:schemeClr val="accent6">
+                <a:lumMod val="75000"/>
+              </a:schemeClr>
+            </a:solidFill>
+          </a:ln>
+        </p:spPr>
+        <p:style>
+          <a:lnRef idx="1">
+            <a:schemeClr val="accent1"/>
+          </a:lnRef>
+          <a:fillRef idx="0">
+            <a:schemeClr val="accent1"/>
+          </a:fillRef>
+          <a:effectRef idx="0">
+            <a:schemeClr val="accent1"/>
+          </a:effectRef>
+          <a:fontRef idx="minor">
+            <a:schemeClr val="tx1"/>
+          </a:fontRef>
+        </p:style>
+      </p:cxnSp>
+      <p:cxnSp>
+        <p:nvCxnSpPr>
+          <p:cNvPr id="10" name="Straight Connector 9">
+            <a:extLst>
+              <a:ext uri="{FF2B5EF4-FFF2-40B4-BE49-F238E27FC236}">
+                <a16:creationId xmlns:a16="http://schemas.microsoft.com/office/drawing/2014/main" id="{CE724C3D-DCA7-ABE4-08EC-8F27018AAD53}"/>
+              </a:ext>
+            </a:extLst>
+          </p:cNvPr>
+          <p:cNvCxnSpPr>
+            <a:cxnSpLocks/>
+          </p:cNvCxnSpPr>
+          <p:nvPr/>
+        </p:nvCxnSpPr>
+        <p:spPr>
+          <a:xfrm>
+            <a:off x="3917691" y="1343608"/>
+            <a:ext cx="735363" cy="167169"/>
+          </a:xfrm>
+          <a:prstGeom prst="line">
+            <a:avLst/>
+          </a:prstGeom>
+          <a:ln>
+            <a:solidFill>
+              <a:schemeClr val="accent6">
+                <a:lumMod val="75000"/>
+              </a:schemeClr>
+            </a:solidFill>
+          </a:ln>
+        </p:spPr>
+        <p:style>
+          <a:lnRef idx="1">
+            <a:schemeClr val="accent1"/>
+          </a:lnRef>
+          <a:fillRef idx="0">
+            <a:schemeClr val="accent1"/>
+          </a:fillRef>
+          <a:effectRef idx="0">
+            <a:schemeClr val="accent1"/>
+          </a:effectRef>
+          <a:fontRef idx="minor">
+            <a:schemeClr val="tx1"/>
+          </a:fontRef>
+        </p:style>
+      </p:cxnSp>
+    </p:spTree>
+    <p:extLst>
+      <p:ext uri="{BB962C8B-B14F-4D97-AF65-F5344CB8AC3E}">
+        <p14:creationId xmlns:p14="http://schemas.microsoft.com/office/powerpoint/2010/main" val="272828717"/>
+      </p:ext>
+    </p:extLst>
+  </p:cSld>
+  <p:clrMapOvr>
+    <a:masterClrMapping/>
+  </p:clrMapOvr>
+</p:sld>
+</file>
+
+<file path=ppt/slides/slide11.xml><?xml version="1.0" encoding="utf-8"?>
+<p:sld xmlns:a="http://schemas.openxmlformats.org/drawingml/2006/main" xmlns:r="http://schemas.openxmlformats.org/officeDocument/2006/relationships" xmlns:p="http://schemas.openxmlformats.org/presentationml/2006/main">
+  <p:cSld>
+    <p:spTree>
+      <p:nvGrpSpPr>
+        <p:cNvPr id="1" name=""/>
+        <p:cNvGrpSpPr/>
+        <p:nvPr/>
+      </p:nvGrpSpPr>
+      <p:grpSpPr>
+        <a:xfrm>
+          <a:off x="0" y="0"/>
+          <a:ext cx="0" cy="0"/>
+          <a:chOff x="0" y="0"/>
+          <a:chExt cx="0" cy="0"/>
+        </a:xfrm>
+      </p:grpSpPr>
+      <p:sp>
+        <p:nvSpPr>
+          <p:cNvPr id="6" name="TextBox 5">
+            <a:extLst>
+              <a:ext uri="{FF2B5EF4-FFF2-40B4-BE49-F238E27FC236}">
+                <a16:creationId xmlns:a16="http://schemas.microsoft.com/office/drawing/2014/main" id="{D8540CE0-4136-D6FF-CDD9-AC09A5743E21}"/>
+              </a:ext>
+            </a:extLst>
+          </p:cNvPr>
+          <p:cNvSpPr txBox="1"/>
+          <p:nvPr/>
+        </p:nvSpPr>
+        <p:spPr>
+          <a:xfrm>
+            <a:off x="326571" y="204107"/>
+            <a:ext cx="2261132" cy="369332"/>
+          </a:xfrm>
+          <a:prstGeom prst="rect">
+            <a:avLst/>
+          </a:prstGeom>
+          <a:noFill/>
+        </p:spPr>
+        <p:txBody>
+          <a:bodyPr wrap="none" rtlCol="0">
+            <a:spAutoFit/>
+          </a:bodyPr>
+          <a:lstStyle/>
+          <a:p>
+            <a:r>
+              <a:rPr lang="en-SG" dirty="0"/>
+              <a:t>Network Architecture </a:t>
+            </a:r>
+            <a:endParaRPr lang="en-GB" dirty="0"/>
+          </a:p>
+        </p:txBody>
+      </p:sp>
+      <p:sp>
+        <p:nvSpPr>
+          <p:cNvPr id="12" name="TextBox 11">
+            <a:extLst>
+              <a:ext uri="{FF2B5EF4-FFF2-40B4-BE49-F238E27FC236}">
+                <a16:creationId xmlns:a16="http://schemas.microsoft.com/office/drawing/2014/main" id="{6EF530AE-F1DF-F90B-4722-7E86A9C1FAD6}"/>
+              </a:ext>
+            </a:extLst>
+          </p:cNvPr>
+          <p:cNvSpPr txBox="1"/>
+          <p:nvPr/>
+        </p:nvSpPr>
+        <p:spPr>
+          <a:xfrm>
+            <a:off x="2424793" y="2959640"/>
+            <a:ext cx="4474030" cy="938719"/>
+          </a:xfrm>
+          <a:prstGeom prst="rect">
+            <a:avLst/>
+          </a:prstGeom>
+          <a:noFill/>
+        </p:spPr>
+        <p:txBody>
+          <a:bodyPr wrap="square" rtlCol="0">
+            <a:spAutoFit/>
+          </a:bodyPr>
+          <a:lstStyle/>
+          <a:p>
+            <a:r>
+              <a:rPr lang="en-SG" sz="1100" dirty="0"/>
+              <a:t>App will do the deployment to the different type of app services. The general flow is:</a:t>
+            </a:r>
+            <a:br>
+              <a:rPr lang="en-SG" sz="1100" dirty="0"/>
+            </a:br>
+            <a:r>
+              <a:rPr lang="en-SG" sz="1100" dirty="0"/>
+              <a:t>1) Validate the Artifact (Taken from App-Ci pipeline build id</a:t>
+            </a:r>
+            <a:br>
+              <a:rPr lang="en-SG" sz="1100" dirty="0"/>
+            </a:br>
+            <a:r>
+              <a:rPr lang="en-SG" sz="1100" dirty="0"/>
+              <a:t>2) Before deployment to different Env, ask for approval (App Leads)</a:t>
+            </a:r>
+            <a:br>
+              <a:rPr lang="en-SG" sz="1100" dirty="0"/>
+            </a:br>
+            <a:r>
+              <a:rPr lang="en-SG" sz="1100" dirty="0"/>
+              <a:t>3) Does Pre-check, deployment and post-deployment checks</a:t>
+            </a:r>
+            <a:endParaRPr lang="en-GB" sz="1100" dirty="0"/>
+          </a:p>
+        </p:txBody>
+      </p:sp>
+      <p:sp>
+        <p:nvSpPr>
+          <p:cNvPr id="2" name="Rectangle 1">
+            <a:extLst>
+              <a:ext uri="{FF2B5EF4-FFF2-40B4-BE49-F238E27FC236}">
+                <a16:creationId xmlns:a16="http://schemas.microsoft.com/office/drawing/2014/main" id="{375C3FBE-BA61-F9CB-DC03-947EF7CAAC14}"/>
+              </a:ext>
+            </a:extLst>
+          </p:cNvPr>
+          <p:cNvSpPr/>
+          <p:nvPr/>
+        </p:nvSpPr>
+        <p:spPr>
+          <a:xfrm>
+            <a:off x="326571" y="709127"/>
+            <a:ext cx="1492898" cy="634481"/>
+          </a:xfrm>
+          <a:prstGeom prst="rect">
+            <a:avLst/>
+          </a:prstGeom>
+        </p:spPr>
+        <p:style>
+          <a:lnRef idx="2">
+            <a:schemeClr val="accent1">
+              <a:shade val="50000"/>
+            </a:schemeClr>
+          </a:lnRef>
+          <a:fillRef idx="1">
+            <a:schemeClr val="accent1"/>
+          </a:fillRef>
+          <a:effectRef idx="0">
+            <a:schemeClr val="accent1"/>
+          </a:effectRef>
+          <a:fontRef idx="minor">
+            <a:schemeClr val="lt1"/>
+          </a:fontRef>
+        </p:style>
+        <p:txBody>
+          <a:bodyPr rtlCol="0" anchor="ctr"/>
+          <a:lstStyle/>
+          <a:p>
+            <a:pPr algn="ctr"/>
+            <a:r>
+              <a:rPr lang="en-SG" dirty="0"/>
+              <a:t>Initialise</a:t>
+            </a:r>
+            <a:endParaRPr lang="en-GB" dirty="0"/>
+          </a:p>
+        </p:txBody>
+      </p:sp>
+    </p:spTree>
+    <p:extLst>
+      <p:ext uri="{BB962C8B-B14F-4D97-AF65-F5344CB8AC3E}">
+        <p14:creationId xmlns:p14="http://schemas.microsoft.com/office/powerpoint/2010/main" val="1239804159"/>
+      </p:ext>
+    </p:extLst>
+  </p:cSld>
+  <p:clrMapOvr>
+    <a:masterClrMapping/>
+  </p:clrMapOvr>
+</p:sld>
+</file>
+
+<file path=ppt/slides/slide12.xml><?xml version="1.0" encoding="utf-8"?>
+<p:sld xmlns:a="http://schemas.openxmlformats.org/drawingml/2006/main" xmlns:r="http://schemas.openxmlformats.org/officeDocument/2006/relationships" xmlns:p="http://schemas.openxmlformats.org/presentationml/2006/main">
+  <p:cSld>
+    <p:spTree>
+      <p:nvGrpSpPr>
+        <p:cNvPr id="1" name=""/>
+        <p:cNvGrpSpPr/>
+        <p:nvPr/>
+      </p:nvGrpSpPr>
+      <p:grpSpPr>
+        <a:xfrm>
+          <a:off x="0" y="0"/>
+          <a:ext cx="0" cy="0"/>
+          <a:chOff x="0" y="0"/>
+          <a:chExt cx="0" cy="0"/>
+        </a:xfrm>
+      </p:grpSpPr>
+      <p:sp>
+        <p:nvSpPr>
+          <p:cNvPr id="6" name="TextBox 5">
+            <a:extLst>
+              <a:ext uri="{FF2B5EF4-FFF2-40B4-BE49-F238E27FC236}">
+                <a16:creationId xmlns:a16="http://schemas.microsoft.com/office/drawing/2014/main" id="{D8540CE0-4136-D6FF-CDD9-AC09A5743E21}"/>
+              </a:ext>
+            </a:extLst>
+          </p:cNvPr>
+          <p:cNvSpPr txBox="1"/>
+          <p:nvPr/>
+        </p:nvSpPr>
+        <p:spPr>
+          <a:xfrm>
+            <a:off x="326571" y="204107"/>
+            <a:ext cx="2291525" cy="369332"/>
+          </a:xfrm>
+          <a:prstGeom prst="rect">
+            <a:avLst/>
+          </a:prstGeom>
+          <a:noFill/>
+        </p:spPr>
+        <p:txBody>
+          <a:bodyPr wrap="none" rtlCol="0">
+            <a:spAutoFit/>
+          </a:bodyPr>
+          <a:lstStyle/>
+          <a:p>
+            <a:r>
+              <a:rPr lang="en-SG" dirty="0"/>
+              <a:t>Database/</a:t>
+            </a:r>
+            <a:r>
+              <a:rPr lang="en-SG" dirty="0" err="1"/>
+              <a:t>StoreProc</a:t>
+            </a:r>
+            <a:r>
+              <a:rPr lang="en-SG" dirty="0"/>
+              <a:t> CI</a:t>
+            </a:r>
+            <a:endParaRPr lang="en-GB" dirty="0"/>
+          </a:p>
+        </p:txBody>
+      </p:sp>
+      <p:sp>
+        <p:nvSpPr>
+          <p:cNvPr id="12" name="TextBox 11">
+            <a:extLst>
+              <a:ext uri="{FF2B5EF4-FFF2-40B4-BE49-F238E27FC236}">
+                <a16:creationId xmlns:a16="http://schemas.microsoft.com/office/drawing/2014/main" id="{6EF530AE-F1DF-F90B-4722-7E86A9C1FAD6}"/>
+              </a:ext>
+            </a:extLst>
+          </p:cNvPr>
+          <p:cNvSpPr txBox="1"/>
+          <p:nvPr/>
+        </p:nvSpPr>
+        <p:spPr>
+          <a:xfrm>
+            <a:off x="2424793" y="2959640"/>
+            <a:ext cx="4474030" cy="938719"/>
+          </a:xfrm>
+          <a:prstGeom prst="rect">
+            <a:avLst/>
+          </a:prstGeom>
+          <a:noFill/>
+        </p:spPr>
+        <p:txBody>
+          <a:bodyPr wrap="square" rtlCol="0">
+            <a:spAutoFit/>
+          </a:bodyPr>
+          <a:lstStyle/>
+          <a:p>
+            <a:r>
+              <a:rPr lang="en-SG" sz="1100" dirty="0"/>
+              <a:t>App will do the deployment to the different type of app services. The general flow is:</a:t>
+            </a:r>
+            <a:br>
+              <a:rPr lang="en-SG" sz="1100" dirty="0"/>
+            </a:br>
+            <a:r>
+              <a:rPr lang="en-SG" sz="1100" dirty="0"/>
+              <a:t>1) Validate the Artifact (Taken from App-Ci pipeline build id</a:t>
+            </a:r>
+            <a:br>
+              <a:rPr lang="en-SG" sz="1100" dirty="0"/>
+            </a:br>
+            <a:r>
+              <a:rPr lang="en-SG" sz="1100" dirty="0"/>
+              <a:t>2) Before deployment to different Env, ask for approval (App Leads)</a:t>
+            </a:r>
+            <a:br>
+              <a:rPr lang="en-SG" sz="1100" dirty="0"/>
+            </a:br>
+            <a:r>
+              <a:rPr lang="en-SG" sz="1100" dirty="0"/>
+              <a:t>3) Does Pre-check, deployment and post-deployment checks</a:t>
+            </a:r>
+            <a:endParaRPr lang="en-GB" sz="1100" dirty="0"/>
+          </a:p>
+        </p:txBody>
+      </p:sp>
+      <p:sp>
+        <p:nvSpPr>
+          <p:cNvPr id="2" name="Rectangle 1">
+            <a:extLst>
+              <a:ext uri="{FF2B5EF4-FFF2-40B4-BE49-F238E27FC236}">
+                <a16:creationId xmlns:a16="http://schemas.microsoft.com/office/drawing/2014/main" id="{375C3FBE-BA61-F9CB-DC03-947EF7CAAC14}"/>
+              </a:ext>
+            </a:extLst>
+          </p:cNvPr>
+          <p:cNvSpPr/>
+          <p:nvPr/>
+        </p:nvSpPr>
+        <p:spPr>
+          <a:xfrm>
+            <a:off x="326571" y="709127"/>
+            <a:ext cx="1492898" cy="634481"/>
+          </a:xfrm>
+          <a:prstGeom prst="rect">
+            <a:avLst/>
+          </a:prstGeom>
+        </p:spPr>
+        <p:style>
+          <a:lnRef idx="2">
+            <a:schemeClr val="accent1">
+              <a:shade val="50000"/>
+            </a:schemeClr>
+          </a:lnRef>
+          <a:fillRef idx="1">
+            <a:schemeClr val="accent1"/>
+          </a:fillRef>
+          <a:effectRef idx="0">
+            <a:schemeClr val="accent1"/>
+          </a:effectRef>
+          <a:fontRef idx="minor">
+            <a:schemeClr val="lt1"/>
+          </a:fontRef>
+        </p:style>
+        <p:txBody>
+          <a:bodyPr rtlCol="0" anchor="ctr"/>
+          <a:lstStyle/>
+          <a:p>
+            <a:pPr algn="ctr"/>
+            <a:r>
+              <a:rPr lang="en-SG" dirty="0"/>
+              <a:t>App Repo</a:t>
+            </a:r>
+            <a:endParaRPr lang="en-GB" dirty="0"/>
+          </a:p>
+        </p:txBody>
+      </p:sp>
+    </p:spTree>
+    <p:extLst>
+      <p:ext uri="{BB962C8B-B14F-4D97-AF65-F5344CB8AC3E}">
+        <p14:creationId xmlns:p14="http://schemas.microsoft.com/office/powerpoint/2010/main" val="4148560760"/>
+      </p:ext>
+    </p:extLst>
+  </p:cSld>
+  <p:clrMapOvr>
+    <a:masterClrMapping/>
+  </p:clrMapOvr>
+</p:sld>
+</file>
+
+<file path=ppt/slides/slide13.xml><?xml version="1.0" encoding="utf-8"?>
+<p:sld xmlns:a="http://schemas.openxmlformats.org/drawingml/2006/main" xmlns:r="http://schemas.openxmlformats.org/officeDocument/2006/relationships" xmlns:p="http://schemas.openxmlformats.org/presentationml/2006/main">
+  <p:cSld>
+    <p:spTree>
+      <p:nvGrpSpPr>
+        <p:cNvPr id="1" name=""/>
+        <p:cNvGrpSpPr/>
+        <p:nvPr/>
+      </p:nvGrpSpPr>
+      <p:grpSpPr>
+        <a:xfrm>
+          <a:off x="0" y="0"/>
+          <a:ext cx="0" cy="0"/>
+          <a:chOff x="0" y="0"/>
+          <a:chExt cx="0" cy="0"/>
+        </a:xfrm>
+      </p:grpSpPr>
+      <p:sp>
+        <p:nvSpPr>
+          <p:cNvPr id="6" name="TextBox 5">
+            <a:extLst>
+              <a:ext uri="{FF2B5EF4-FFF2-40B4-BE49-F238E27FC236}">
+                <a16:creationId xmlns:a16="http://schemas.microsoft.com/office/drawing/2014/main" id="{D8540CE0-4136-D6FF-CDD9-AC09A5743E21}"/>
+              </a:ext>
+            </a:extLst>
+          </p:cNvPr>
+          <p:cNvSpPr txBox="1"/>
+          <p:nvPr/>
+        </p:nvSpPr>
+        <p:spPr>
+          <a:xfrm>
+            <a:off x="326571" y="204107"/>
+            <a:ext cx="2376484" cy="369332"/>
+          </a:xfrm>
+          <a:prstGeom prst="rect">
+            <a:avLst/>
+          </a:prstGeom>
+          <a:noFill/>
+        </p:spPr>
+        <p:txBody>
+          <a:bodyPr wrap="none" rtlCol="0">
+            <a:spAutoFit/>
+          </a:bodyPr>
+          <a:lstStyle/>
+          <a:p>
+            <a:r>
+              <a:rPr lang="en-SG" dirty="0"/>
+              <a:t>Database/</a:t>
+            </a:r>
+            <a:r>
+              <a:rPr lang="en-SG" dirty="0" err="1"/>
+              <a:t>StoreProc</a:t>
+            </a:r>
+            <a:r>
+              <a:rPr lang="en-SG" dirty="0"/>
+              <a:t> CD</a:t>
+            </a:r>
+            <a:endParaRPr lang="en-GB" dirty="0"/>
+          </a:p>
+        </p:txBody>
+      </p:sp>
+      <p:sp>
+        <p:nvSpPr>
+          <p:cNvPr id="12" name="TextBox 11">
+            <a:extLst>
+              <a:ext uri="{FF2B5EF4-FFF2-40B4-BE49-F238E27FC236}">
+                <a16:creationId xmlns:a16="http://schemas.microsoft.com/office/drawing/2014/main" id="{6EF530AE-F1DF-F90B-4722-7E86A9C1FAD6}"/>
+              </a:ext>
+            </a:extLst>
+          </p:cNvPr>
+          <p:cNvSpPr txBox="1"/>
+          <p:nvPr/>
+        </p:nvSpPr>
+        <p:spPr>
+          <a:xfrm>
+            <a:off x="2424793" y="2959640"/>
+            <a:ext cx="4474030" cy="938719"/>
+          </a:xfrm>
+          <a:prstGeom prst="rect">
+            <a:avLst/>
+          </a:prstGeom>
+          <a:noFill/>
+        </p:spPr>
+        <p:txBody>
+          <a:bodyPr wrap="square" rtlCol="0">
+            <a:spAutoFit/>
+          </a:bodyPr>
+          <a:lstStyle/>
+          <a:p>
+            <a:r>
+              <a:rPr lang="en-SG" sz="1100" dirty="0"/>
+              <a:t>App will do the deployment to the different type of app services. The general flow is:</a:t>
+            </a:r>
+            <a:br>
+              <a:rPr lang="en-SG" sz="1100" dirty="0"/>
+            </a:br>
+            <a:r>
+              <a:rPr lang="en-SG" sz="1100" dirty="0"/>
+              <a:t>1) Validate the Artifact (Taken from App-Ci pipeline build id</a:t>
+            </a:r>
+            <a:br>
+              <a:rPr lang="en-SG" sz="1100" dirty="0"/>
+            </a:br>
+            <a:r>
+              <a:rPr lang="en-SG" sz="1100" dirty="0"/>
+              <a:t>2) Before deployment to different Env, ask for approval (App Leads)</a:t>
+            </a:r>
+            <a:br>
+              <a:rPr lang="en-SG" sz="1100" dirty="0"/>
+            </a:br>
+            <a:r>
+              <a:rPr lang="en-SG" sz="1100" dirty="0"/>
+              <a:t>3) Does Pre-check, deployment and post-deployment checks</a:t>
+            </a:r>
+            <a:endParaRPr lang="en-GB" sz="1100" dirty="0"/>
+          </a:p>
+        </p:txBody>
+      </p:sp>
+      <p:sp>
+        <p:nvSpPr>
+          <p:cNvPr id="3" name="Rectangle 2">
+            <a:extLst>
+              <a:ext uri="{FF2B5EF4-FFF2-40B4-BE49-F238E27FC236}">
+                <a16:creationId xmlns:a16="http://schemas.microsoft.com/office/drawing/2014/main" id="{16EFFF0F-8AAD-8307-C642-59A1316CE467}"/>
+              </a:ext>
+            </a:extLst>
+          </p:cNvPr>
+          <p:cNvSpPr/>
+          <p:nvPr/>
+        </p:nvSpPr>
+        <p:spPr>
+          <a:xfrm>
+            <a:off x="326571" y="709127"/>
+            <a:ext cx="1492898" cy="634481"/>
+          </a:xfrm>
+          <a:prstGeom prst="rect">
+            <a:avLst/>
+          </a:prstGeom>
+        </p:spPr>
+        <p:style>
+          <a:lnRef idx="2">
+            <a:schemeClr val="accent1">
+              <a:shade val="50000"/>
+            </a:schemeClr>
+          </a:lnRef>
+          <a:fillRef idx="1">
+            <a:schemeClr val="accent1"/>
+          </a:fillRef>
+          <a:effectRef idx="0">
+            <a:schemeClr val="accent1"/>
+          </a:effectRef>
+          <a:fontRef idx="minor">
+            <a:schemeClr val="lt1"/>
+          </a:fontRef>
+        </p:style>
+        <p:txBody>
+          <a:bodyPr rtlCol="0" anchor="ctr"/>
+          <a:lstStyle/>
+          <a:p>
+            <a:pPr algn="ctr"/>
+            <a:r>
+              <a:rPr lang="en-SG" sz="1400" dirty="0"/>
+              <a:t>1) Initialise</a:t>
+            </a:r>
+            <a:endParaRPr lang="en-GB" sz="1400" dirty="0"/>
+          </a:p>
+        </p:txBody>
+      </p:sp>
+      <p:sp>
+        <p:nvSpPr>
+          <p:cNvPr id="4" name="Rectangle 3">
+            <a:extLst>
+              <a:ext uri="{FF2B5EF4-FFF2-40B4-BE49-F238E27FC236}">
+                <a16:creationId xmlns:a16="http://schemas.microsoft.com/office/drawing/2014/main" id="{F362A753-7465-EACE-2610-A79FE096028E}"/>
+              </a:ext>
+            </a:extLst>
+          </p:cNvPr>
+          <p:cNvSpPr/>
+          <p:nvPr/>
+        </p:nvSpPr>
+        <p:spPr>
+          <a:xfrm>
+            <a:off x="2424793" y="709127"/>
+            <a:ext cx="1492898" cy="634481"/>
+          </a:xfrm>
+          <a:prstGeom prst="rect">
+            <a:avLst/>
+          </a:prstGeom>
+        </p:spPr>
+        <p:style>
+          <a:lnRef idx="2">
+            <a:schemeClr val="accent1">
+              <a:shade val="50000"/>
+            </a:schemeClr>
+          </a:lnRef>
+          <a:fillRef idx="1">
+            <a:schemeClr val="accent1"/>
+          </a:fillRef>
+          <a:effectRef idx="0">
+            <a:schemeClr val="accent1"/>
+          </a:effectRef>
+          <a:fontRef idx="minor">
+            <a:schemeClr val="lt1"/>
+          </a:fontRef>
+        </p:style>
+        <p:txBody>
+          <a:bodyPr rtlCol="0" anchor="ctr"/>
+          <a:lstStyle/>
+          <a:p>
+            <a:pPr algn="ctr"/>
+            <a:r>
+              <a:rPr lang="en-SG" sz="1400" dirty="0"/>
+              <a:t>2) DEV/SIT/UAT/ORT</a:t>
+            </a:r>
+            <a:endParaRPr lang="en-GB" sz="1400" dirty="0"/>
+          </a:p>
+        </p:txBody>
+      </p:sp>
+      <p:sp>
+        <p:nvSpPr>
+          <p:cNvPr id="5" name="Rectangle 4">
+            <a:extLst>
+              <a:ext uri="{FF2B5EF4-FFF2-40B4-BE49-F238E27FC236}">
+                <a16:creationId xmlns:a16="http://schemas.microsoft.com/office/drawing/2014/main" id="{F06202C6-E4FA-4377-1E6F-BA6F9186C758}"/>
+              </a:ext>
+            </a:extLst>
+          </p:cNvPr>
+          <p:cNvSpPr/>
+          <p:nvPr/>
+        </p:nvSpPr>
+        <p:spPr>
+          <a:xfrm>
+            <a:off x="4653054" y="544904"/>
+            <a:ext cx="1156219" cy="323279"/>
+          </a:xfrm>
+          <a:prstGeom prst="rect">
+            <a:avLst/>
+          </a:prstGeom>
+          <a:solidFill>
+            <a:schemeClr val="accent6">
+              <a:lumMod val="75000"/>
+            </a:schemeClr>
+          </a:solidFill>
+        </p:spPr>
+        <p:style>
+          <a:lnRef idx="2">
+            <a:schemeClr val="accent1">
+              <a:shade val="50000"/>
+            </a:schemeClr>
+          </a:lnRef>
+          <a:fillRef idx="1">
+            <a:schemeClr val="accent1"/>
+          </a:fillRef>
+          <a:effectRef idx="0">
+            <a:schemeClr val="accent1"/>
+          </a:effectRef>
+          <a:fontRef idx="minor">
+            <a:schemeClr val="lt1"/>
+          </a:fontRef>
+        </p:style>
+        <p:txBody>
+          <a:bodyPr rtlCol="0" anchor="ctr"/>
+          <a:lstStyle/>
+          <a:p>
+            <a:pPr algn="ctr"/>
+            <a:r>
+              <a:rPr lang="en-SG" sz="1000" dirty="0"/>
+              <a:t>2.1) Pre-deployment</a:t>
+            </a:r>
+            <a:endParaRPr lang="en-GB" sz="1000" dirty="0"/>
+          </a:p>
+        </p:txBody>
+      </p:sp>
+      <p:sp>
+        <p:nvSpPr>
+          <p:cNvPr id="7" name="Rectangle 6">
+            <a:extLst>
+              <a:ext uri="{FF2B5EF4-FFF2-40B4-BE49-F238E27FC236}">
+                <a16:creationId xmlns:a16="http://schemas.microsoft.com/office/drawing/2014/main" id="{AAEF0A7C-C095-63F7-2B7C-69C73254ECFB}"/>
+              </a:ext>
+            </a:extLst>
+          </p:cNvPr>
+          <p:cNvSpPr/>
+          <p:nvPr/>
+        </p:nvSpPr>
+        <p:spPr>
+          <a:xfrm>
+            <a:off x="4653054" y="864849"/>
+            <a:ext cx="1156219" cy="317241"/>
+          </a:xfrm>
+          <a:prstGeom prst="rect">
+            <a:avLst/>
+          </a:prstGeom>
+          <a:solidFill>
+            <a:schemeClr val="accent6">
+              <a:lumMod val="75000"/>
+            </a:schemeClr>
+          </a:solidFill>
+        </p:spPr>
+        <p:style>
+          <a:lnRef idx="2">
+            <a:schemeClr val="accent1">
+              <a:shade val="50000"/>
+            </a:schemeClr>
+          </a:lnRef>
+          <a:fillRef idx="1">
+            <a:schemeClr val="accent1"/>
+          </a:fillRef>
+          <a:effectRef idx="0">
+            <a:schemeClr val="accent1"/>
+          </a:effectRef>
+          <a:fontRef idx="minor">
+            <a:schemeClr val="lt1"/>
+          </a:fontRef>
+        </p:style>
+        <p:txBody>
+          <a:bodyPr rtlCol="0" anchor="ctr"/>
+          <a:lstStyle/>
+          <a:p>
+            <a:pPr algn="ctr"/>
+            <a:r>
+              <a:rPr lang="en-SG" sz="1000" dirty="0"/>
+              <a:t>2.2) Deployment</a:t>
+            </a:r>
+            <a:endParaRPr lang="en-GB" sz="1000" dirty="0"/>
+          </a:p>
+        </p:txBody>
+      </p:sp>
+      <p:sp>
+        <p:nvSpPr>
+          <p:cNvPr id="8" name="Rectangle 7">
+            <a:extLst>
+              <a:ext uri="{FF2B5EF4-FFF2-40B4-BE49-F238E27FC236}">
+                <a16:creationId xmlns:a16="http://schemas.microsoft.com/office/drawing/2014/main" id="{1969AAF1-0F98-EB0E-13F4-C40DF8028657}"/>
+              </a:ext>
+            </a:extLst>
+          </p:cNvPr>
+          <p:cNvSpPr/>
+          <p:nvPr/>
+        </p:nvSpPr>
+        <p:spPr>
+          <a:xfrm>
+            <a:off x="4653055" y="1181461"/>
+            <a:ext cx="1156218" cy="329316"/>
+          </a:xfrm>
+          <a:prstGeom prst="rect">
+            <a:avLst/>
+          </a:prstGeom>
+          <a:solidFill>
+            <a:schemeClr val="accent6">
+              <a:lumMod val="75000"/>
+            </a:schemeClr>
+          </a:solidFill>
+        </p:spPr>
+        <p:style>
+          <a:lnRef idx="2">
+            <a:schemeClr val="accent1">
+              <a:shade val="50000"/>
+            </a:schemeClr>
+          </a:lnRef>
+          <a:fillRef idx="1">
+            <a:schemeClr val="accent1"/>
+          </a:fillRef>
+          <a:effectRef idx="0">
+            <a:schemeClr val="accent1"/>
+          </a:effectRef>
+          <a:fontRef idx="minor">
+            <a:schemeClr val="lt1"/>
+          </a:fontRef>
+        </p:style>
+        <p:txBody>
+          <a:bodyPr rtlCol="0" anchor="ctr"/>
+          <a:lstStyle/>
+          <a:p>
+            <a:pPr algn="ctr"/>
+            <a:r>
+              <a:rPr lang="en-SG" sz="1000" dirty="0"/>
+              <a:t>2.3) Post Deployment</a:t>
+            </a:r>
+            <a:endParaRPr lang="en-GB" sz="1000" dirty="0"/>
+          </a:p>
+        </p:txBody>
+      </p:sp>
+      <p:cxnSp>
+        <p:nvCxnSpPr>
+          <p:cNvPr id="9" name="Straight Connector 8">
+            <a:extLst>
+              <a:ext uri="{FF2B5EF4-FFF2-40B4-BE49-F238E27FC236}">
+                <a16:creationId xmlns:a16="http://schemas.microsoft.com/office/drawing/2014/main" id="{51F690FD-E95A-BCC4-D6D5-A4F6C6F08F1B}"/>
+              </a:ext>
+            </a:extLst>
+          </p:cNvPr>
+          <p:cNvCxnSpPr>
+            <a:cxnSpLocks/>
+          </p:cNvCxnSpPr>
+          <p:nvPr/>
+        </p:nvCxnSpPr>
+        <p:spPr>
+          <a:xfrm flipV="1">
+            <a:off x="3917691" y="544904"/>
+            <a:ext cx="735363" cy="164223"/>
+          </a:xfrm>
+          <a:prstGeom prst="line">
+            <a:avLst/>
+          </a:prstGeom>
+          <a:ln>
+            <a:solidFill>
+              <a:schemeClr val="accent6">
+                <a:lumMod val="75000"/>
+              </a:schemeClr>
+            </a:solidFill>
+          </a:ln>
+        </p:spPr>
+        <p:style>
+          <a:lnRef idx="1">
+            <a:schemeClr val="accent1"/>
+          </a:lnRef>
+          <a:fillRef idx="0">
+            <a:schemeClr val="accent1"/>
+          </a:fillRef>
+          <a:effectRef idx="0">
+            <a:schemeClr val="accent1"/>
+          </a:effectRef>
+          <a:fontRef idx="minor">
+            <a:schemeClr val="tx1"/>
+          </a:fontRef>
+        </p:style>
+      </p:cxnSp>
+      <p:cxnSp>
+        <p:nvCxnSpPr>
+          <p:cNvPr id="10" name="Straight Connector 9">
+            <a:extLst>
+              <a:ext uri="{FF2B5EF4-FFF2-40B4-BE49-F238E27FC236}">
+                <a16:creationId xmlns:a16="http://schemas.microsoft.com/office/drawing/2014/main" id="{4533C744-1C8A-6E94-7EE1-E3D2CB548117}"/>
+              </a:ext>
+            </a:extLst>
+          </p:cNvPr>
+          <p:cNvCxnSpPr>
+            <a:cxnSpLocks/>
+          </p:cNvCxnSpPr>
+          <p:nvPr/>
+        </p:nvCxnSpPr>
+        <p:spPr>
+          <a:xfrm>
+            <a:off x="3917691" y="1343608"/>
+            <a:ext cx="735363" cy="167169"/>
+          </a:xfrm>
+          <a:prstGeom prst="line">
+            <a:avLst/>
+          </a:prstGeom>
+          <a:ln>
+            <a:solidFill>
+              <a:schemeClr val="accent6">
+                <a:lumMod val="75000"/>
+              </a:schemeClr>
+            </a:solidFill>
+          </a:ln>
+        </p:spPr>
+        <p:style>
+          <a:lnRef idx="1">
+            <a:schemeClr val="accent1"/>
+          </a:lnRef>
+          <a:fillRef idx="0">
+            <a:schemeClr val="accent1"/>
+          </a:fillRef>
+          <a:effectRef idx="0">
+            <a:schemeClr val="accent1"/>
+          </a:effectRef>
+          <a:fontRef idx="minor">
+            <a:schemeClr val="tx1"/>
+          </a:fontRef>
+        </p:style>
+      </p:cxnSp>
+    </p:spTree>
+    <p:extLst>
+      <p:ext uri="{BB962C8B-B14F-4D97-AF65-F5344CB8AC3E}">
+        <p14:creationId xmlns:p14="http://schemas.microsoft.com/office/powerpoint/2010/main" val="3465473033"/>
+      </p:ext>
+    </p:extLst>
+  </p:cSld>
+  <p:clrMapOvr>
+    <a:masterClrMapping/>
+  </p:clrMapOvr>
+</p:sld>
+</file>
+
+<file path=ppt/slides/slide14.xml><?xml version="1.0" encoding="utf-8"?>
+<p:sld xmlns:a="http://schemas.openxmlformats.org/drawingml/2006/main" xmlns:r="http://schemas.openxmlformats.org/officeDocument/2006/relationships" xmlns:p="http://schemas.openxmlformats.org/presentationml/2006/main">
+  <p:cSld>
+    <p:spTree>
+      <p:nvGrpSpPr>
+        <p:cNvPr id="1" name=""/>
+        <p:cNvGrpSpPr/>
+        <p:nvPr/>
+      </p:nvGrpSpPr>
+      <p:grpSpPr>
+        <a:xfrm>
+          <a:off x="0" y="0"/>
+          <a:ext cx="0" cy="0"/>
+          <a:chOff x="0" y="0"/>
+          <a:chExt cx="0" cy="0"/>
+        </a:xfrm>
+      </p:grpSpPr>
+      <p:sp>
+        <p:nvSpPr>
+          <p:cNvPr id="6" name="TextBox 5">
+            <a:extLst>
+              <a:ext uri="{FF2B5EF4-FFF2-40B4-BE49-F238E27FC236}">
+                <a16:creationId xmlns:a16="http://schemas.microsoft.com/office/drawing/2014/main" id="{D8540CE0-4136-D6FF-CDD9-AC09A5743E21}"/>
+              </a:ext>
+            </a:extLst>
+          </p:cNvPr>
+          <p:cNvSpPr txBox="1"/>
+          <p:nvPr/>
+        </p:nvSpPr>
+        <p:spPr>
+          <a:xfrm>
+            <a:off x="326571" y="204107"/>
+            <a:ext cx="2261132" cy="369332"/>
+          </a:xfrm>
+          <a:prstGeom prst="rect">
+            <a:avLst/>
+          </a:prstGeom>
+          <a:noFill/>
+        </p:spPr>
+        <p:txBody>
+          <a:bodyPr wrap="none" rtlCol="0">
+            <a:spAutoFit/>
+          </a:bodyPr>
+          <a:lstStyle/>
+          <a:p>
+            <a:r>
+              <a:rPr lang="en-SG" dirty="0"/>
+              <a:t>Network Architecture </a:t>
+            </a:r>
+            <a:endParaRPr lang="en-GB" dirty="0"/>
+          </a:p>
+        </p:txBody>
+      </p:sp>
+      <p:sp>
+        <p:nvSpPr>
+          <p:cNvPr id="12" name="TextBox 11">
+            <a:extLst>
+              <a:ext uri="{FF2B5EF4-FFF2-40B4-BE49-F238E27FC236}">
+                <a16:creationId xmlns:a16="http://schemas.microsoft.com/office/drawing/2014/main" id="{6EF530AE-F1DF-F90B-4722-7E86A9C1FAD6}"/>
+              </a:ext>
+            </a:extLst>
+          </p:cNvPr>
+          <p:cNvSpPr txBox="1"/>
+          <p:nvPr/>
+        </p:nvSpPr>
+        <p:spPr>
+          <a:xfrm>
+            <a:off x="2424793" y="2959640"/>
+            <a:ext cx="4474030" cy="938719"/>
+          </a:xfrm>
+          <a:prstGeom prst="rect">
+            <a:avLst/>
+          </a:prstGeom>
+          <a:noFill/>
+        </p:spPr>
+        <p:txBody>
+          <a:bodyPr wrap="square" rtlCol="0">
+            <a:spAutoFit/>
+          </a:bodyPr>
+          <a:lstStyle/>
+          <a:p>
+            <a:r>
+              <a:rPr lang="en-SG" sz="1100" dirty="0"/>
+              <a:t>App will do the deployment to the different type of app services. The general flow is:</a:t>
+            </a:r>
+            <a:br>
+              <a:rPr lang="en-SG" sz="1100" dirty="0"/>
+            </a:br>
+            <a:r>
+              <a:rPr lang="en-SG" sz="1100" dirty="0"/>
+              <a:t>1) Validate the Artifact (Taken from App-Ci pipeline build id</a:t>
+            </a:r>
+            <a:br>
+              <a:rPr lang="en-SG" sz="1100" dirty="0"/>
+            </a:br>
+            <a:r>
+              <a:rPr lang="en-SG" sz="1100" dirty="0"/>
+              <a:t>2) Before deployment to different Env, ask for approval (App Leads)</a:t>
+            </a:r>
+            <a:br>
+              <a:rPr lang="en-SG" sz="1100" dirty="0"/>
+            </a:br>
+            <a:r>
+              <a:rPr lang="en-SG" sz="1100" dirty="0"/>
+              <a:t>3) Does Pre-check, deployment and post-deployment checks</a:t>
+            </a:r>
+            <a:endParaRPr lang="en-GB" sz="1100" dirty="0"/>
+          </a:p>
+        </p:txBody>
+      </p:sp>
+      <p:sp>
+        <p:nvSpPr>
+          <p:cNvPr id="2" name="Rectangle 1">
+            <a:extLst>
+              <a:ext uri="{FF2B5EF4-FFF2-40B4-BE49-F238E27FC236}">
+                <a16:creationId xmlns:a16="http://schemas.microsoft.com/office/drawing/2014/main" id="{375C3FBE-BA61-F9CB-DC03-947EF7CAAC14}"/>
+              </a:ext>
+            </a:extLst>
+          </p:cNvPr>
+          <p:cNvSpPr/>
+          <p:nvPr/>
+        </p:nvSpPr>
+        <p:spPr>
+          <a:xfrm>
+            <a:off x="326571" y="709127"/>
+            <a:ext cx="1492898" cy="634481"/>
+          </a:xfrm>
+          <a:prstGeom prst="rect">
+            <a:avLst/>
+          </a:prstGeom>
+        </p:spPr>
+        <p:style>
+          <a:lnRef idx="2">
+            <a:schemeClr val="accent1">
+              <a:shade val="50000"/>
+            </a:schemeClr>
+          </a:lnRef>
+          <a:fillRef idx="1">
+            <a:schemeClr val="accent1"/>
+          </a:fillRef>
+          <a:effectRef idx="0">
+            <a:schemeClr val="accent1"/>
+          </a:effectRef>
+          <a:fontRef idx="minor">
+            <a:schemeClr val="lt1"/>
+          </a:fontRef>
+        </p:style>
+        <p:txBody>
+          <a:bodyPr rtlCol="0" anchor="ctr"/>
+          <a:lstStyle/>
+          <a:p>
+            <a:pPr algn="ctr"/>
+            <a:r>
+              <a:rPr lang="en-SG" dirty="0"/>
+              <a:t>Initialise</a:t>
+            </a:r>
+            <a:endParaRPr lang="en-GB" dirty="0"/>
+          </a:p>
+        </p:txBody>
+      </p:sp>
+    </p:spTree>
+    <p:extLst>
+      <p:ext uri="{BB962C8B-B14F-4D97-AF65-F5344CB8AC3E}">
+        <p14:creationId xmlns:p14="http://schemas.microsoft.com/office/powerpoint/2010/main" val="918869835"/>
+      </p:ext>
+    </p:extLst>
+  </p:cSld>
+  <p:clrMapOvr>
+    <a:masterClrMapping/>
+  </p:clrMapOvr>
+</p:sld>
+</file>
+
+<file path=ppt/slides/slide15.xml><?xml version="1.0" encoding="utf-8"?>
+<p:sld xmlns:a="http://schemas.openxmlformats.org/drawingml/2006/main" xmlns:r="http://schemas.openxmlformats.org/officeDocument/2006/relationships" xmlns:p="http://schemas.openxmlformats.org/presentationml/2006/main">
+  <p:cSld>
+    <p:spTree>
+      <p:nvGrpSpPr>
+        <p:cNvPr id="1" name=""/>
+        <p:cNvGrpSpPr/>
+        <p:nvPr/>
+      </p:nvGrpSpPr>
+      <p:grpSpPr>
+        <a:xfrm>
+          <a:off x="0" y="0"/>
+          <a:ext cx="0" cy="0"/>
+          <a:chOff x="0" y="0"/>
+          <a:chExt cx="0" cy="0"/>
+        </a:xfrm>
+      </p:grpSpPr>
+      <p:sp>
+        <p:nvSpPr>
+          <p:cNvPr id="6" name="TextBox 5">
+            <a:extLst>
+              <a:ext uri="{FF2B5EF4-FFF2-40B4-BE49-F238E27FC236}">
+                <a16:creationId xmlns:a16="http://schemas.microsoft.com/office/drawing/2014/main" id="{D8540CE0-4136-D6FF-CDD9-AC09A5743E21}"/>
+              </a:ext>
+            </a:extLst>
+          </p:cNvPr>
+          <p:cNvSpPr txBox="1"/>
+          <p:nvPr/>
+        </p:nvSpPr>
+        <p:spPr>
+          <a:xfrm>
+            <a:off x="326571" y="204107"/>
+            <a:ext cx="1195007" cy="369332"/>
+          </a:xfrm>
+          <a:prstGeom prst="rect">
+            <a:avLst/>
+          </a:prstGeom>
+          <a:noFill/>
+        </p:spPr>
+        <p:txBody>
+          <a:bodyPr wrap="none" rtlCol="0">
+            <a:spAutoFit/>
+          </a:bodyPr>
+          <a:lstStyle/>
+          <a:p>
+            <a:r>
+              <a:rPr lang="en-SG" dirty="0" err="1"/>
+              <a:t>PowerBI</a:t>
+            </a:r>
+            <a:r>
+              <a:rPr lang="en-SG" dirty="0"/>
+              <a:t> CI</a:t>
+            </a:r>
+            <a:endParaRPr lang="en-GB" dirty="0"/>
+          </a:p>
+        </p:txBody>
+      </p:sp>
+      <p:sp>
+        <p:nvSpPr>
+          <p:cNvPr id="12" name="TextBox 11">
+            <a:extLst>
+              <a:ext uri="{FF2B5EF4-FFF2-40B4-BE49-F238E27FC236}">
+                <a16:creationId xmlns:a16="http://schemas.microsoft.com/office/drawing/2014/main" id="{6EF530AE-F1DF-F90B-4722-7E86A9C1FAD6}"/>
+              </a:ext>
+            </a:extLst>
+          </p:cNvPr>
+          <p:cNvSpPr txBox="1"/>
+          <p:nvPr/>
+        </p:nvSpPr>
+        <p:spPr>
+          <a:xfrm>
+            <a:off x="2424793" y="2959640"/>
+            <a:ext cx="4474030" cy="938719"/>
+          </a:xfrm>
+          <a:prstGeom prst="rect">
+            <a:avLst/>
+          </a:prstGeom>
+          <a:noFill/>
+        </p:spPr>
+        <p:txBody>
+          <a:bodyPr wrap="square" rtlCol="0">
+            <a:spAutoFit/>
+          </a:bodyPr>
+          <a:lstStyle/>
+          <a:p>
+            <a:r>
+              <a:rPr lang="en-SG" sz="1100" dirty="0"/>
+              <a:t>App will do the deployment to the different type of app services. The general flow is:</a:t>
+            </a:r>
+            <a:br>
+              <a:rPr lang="en-SG" sz="1100" dirty="0"/>
+            </a:br>
+            <a:r>
+              <a:rPr lang="en-SG" sz="1100" dirty="0"/>
+              <a:t>1) Validate the Artifact (Taken from App-Ci pipeline build id</a:t>
+            </a:r>
+            <a:br>
+              <a:rPr lang="en-SG" sz="1100" dirty="0"/>
+            </a:br>
+            <a:r>
+              <a:rPr lang="en-SG" sz="1100" dirty="0"/>
+              <a:t>2) Before deployment to different Env, ask for approval (App Leads)</a:t>
+            </a:r>
+            <a:br>
+              <a:rPr lang="en-SG" sz="1100" dirty="0"/>
+            </a:br>
+            <a:r>
+              <a:rPr lang="en-SG" sz="1100" dirty="0"/>
+              <a:t>3) Does Pre-check, deployment and post-deployment checks</a:t>
+            </a:r>
+            <a:endParaRPr lang="en-GB" sz="1100" dirty="0"/>
+          </a:p>
+        </p:txBody>
+      </p:sp>
+      <p:sp>
+        <p:nvSpPr>
+          <p:cNvPr id="2" name="Rectangle 1">
+            <a:extLst>
+              <a:ext uri="{FF2B5EF4-FFF2-40B4-BE49-F238E27FC236}">
+                <a16:creationId xmlns:a16="http://schemas.microsoft.com/office/drawing/2014/main" id="{375C3FBE-BA61-F9CB-DC03-947EF7CAAC14}"/>
+              </a:ext>
+            </a:extLst>
+          </p:cNvPr>
+          <p:cNvSpPr/>
+          <p:nvPr/>
+        </p:nvSpPr>
+        <p:spPr>
+          <a:xfrm>
+            <a:off x="326571" y="709127"/>
+            <a:ext cx="1492898" cy="634481"/>
+          </a:xfrm>
+          <a:prstGeom prst="rect">
+            <a:avLst/>
+          </a:prstGeom>
+        </p:spPr>
+        <p:style>
+          <a:lnRef idx="2">
+            <a:schemeClr val="accent1">
+              <a:shade val="50000"/>
+            </a:schemeClr>
+          </a:lnRef>
+          <a:fillRef idx="1">
+            <a:schemeClr val="accent1"/>
+          </a:fillRef>
+          <a:effectRef idx="0">
+            <a:schemeClr val="accent1"/>
+          </a:effectRef>
+          <a:fontRef idx="minor">
+            <a:schemeClr val="lt1"/>
+          </a:fontRef>
+        </p:style>
+        <p:txBody>
+          <a:bodyPr rtlCol="0" anchor="ctr"/>
+          <a:lstStyle/>
+          <a:p>
+            <a:pPr algn="ctr"/>
+            <a:r>
+              <a:rPr lang="en-SG" dirty="0"/>
+              <a:t>App Repo</a:t>
+            </a:r>
+            <a:endParaRPr lang="en-GB" dirty="0"/>
+          </a:p>
+        </p:txBody>
+      </p:sp>
+    </p:spTree>
+    <p:extLst>
+      <p:ext uri="{BB962C8B-B14F-4D97-AF65-F5344CB8AC3E}">
+        <p14:creationId xmlns:p14="http://schemas.microsoft.com/office/powerpoint/2010/main" val="3794584062"/>
+      </p:ext>
+    </p:extLst>
+  </p:cSld>
+  <p:clrMapOvr>
+    <a:masterClrMapping/>
+  </p:clrMapOvr>
+</p:sld>
+</file>
+
+<file path=ppt/slides/slide16.xml><?xml version="1.0" encoding="utf-8"?>
+<p:sld xmlns:a="http://schemas.openxmlformats.org/drawingml/2006/main" xmlns:r="http://schemas.openxmlformats.org/officeDocument/2006/relationships" xmlns:p="http://schemas.openxmlformats.org/presentationml/2006/main">
+  <p:cSld>
+    <p:spTree>
+      <p:nvGrpSpPr>
+        <p:cNvPr id="1" name=""/>
+        <p:cNvGrpSpPr/>
+        <p:nvPr/>
+      </p:nvGrpSpPr>
+      <p:grpSpPr>
+        <a:xfrm>
+          <a:off x="0" y="0"/>
+          <a:ext cx="0" cy="0"/>
+          <a:chOff x="0" y="0"/>
+          <a:chExt cx="0" cy="0"/>
+        </a:xfrm>
+      </p:grpSpPr>
+      <p:sp>
+        <p:nvSpPr>
+          <p:cNvPr id="6" name="TextBox 5">
+            <a:extLst>
+              <a:ext uri="{FF2B5EF4-FFF2-40B4-BE49-F238E27FC236}">
+                <a16:creationId xmlns:a16="http://schemas.microsoft.com/office/drawing/2014/main" id="{D8540CE0-4136-D6FF-CDD9-AC09A5743E21}"/>
+              </a:ext>
+            </a:extLst>
+          </p:cNvPr>
+          <p:cNvSpPr txBox="1"/>
+          <p:nvPr/>
+        </p:nvSpPr>
+        <p:spPr>
+          <a:xfrm>
+            <a:off x="326571" y="204107"/>
+            <a:ext cx="1279966" cy="369332"/>
+          </a:xfrm>
+          <a:prstGeom prst="rect">
+            <a:avLst/>
+          </a:prstGeom>
+          <a:noFill/>
+        </p:spPr>
+        <p:txBody>
+          <a:bodyPr wrap="none" rtlCol="0">
+            <a:spAutoFit/>
+          </a:bodyPr>
+          <a:lstStyle/>
+          <a:p>
+            <a:r>
+              <a:rPr lang="en-SG" dirty="0" err="1"/>
+              <a:t>PowerBI</a:t>
+            </a:r>
+            <a:r>
+              <a:rPr lang="en-SG" dirty="0"/>
+              <a:t> CD</a:t>
+            </a:r>
+            <a:endParaRPr lang="en-GB" dirty="0"/>
+          </a:p>
+        </p:txBody>
+      </p:sp>
+      <p:sp>
+        <p:nvSpPr>
+          <p:cNvPr id="12" name="TextBox 11">
+            <a:extLst>
+              <a:ext uri="{FF2B5EF4-FFF2-40B4-BE49-F238E27FC236}">
+                <a16:creationId xmlns:a16="http://schemas.microsoft.com/office/drawing/2014/main" id="{6EF530AE-F1DF-F90B-4722-7E86A9C1FAD6}"/>
+              </a:ext>
+            </a:extLst>
+          </p:cNvPr>
+          <p:cNvSpPr txBox="1"/>
+          <p:nvPr/>
+        </p:nvSpPr>
+        <p:spPr>
+          <a:xfrm>
+            <a:off x="2424793" y="2959640"/>
+            <a:ext cx="4474030" cy="938719"/>
+          </a:xfrm>
+          <a:prstGeom prst="rect">
+            <a:avLst/>
+          </a:prstGeom>
+          <a:noFill/>
+        </p:spPr>
+        <p:txBody>
+          <a:bodyPr wrap="square" rtlCol="0">
+            <a:spAutoFit/>
+          </a:bodyPr>
+          <a:lstStyle/>
+          <a:p>
+            <a:r>
+              <a:rPr lang="en-SG" sz="1100" dirty="0"/>
+              <a:t>App will do the deployment to the different type of app services. The general flow is:</a:t>
+            </a:r>
+            <a:br>
+              <a:rPr lang="en-SG" sz="1100" dirty="0"/>
+            </a:br>
+            <a:r>
+              <a:rPr lang="en-SG" sz="1100" dirty="0"/>
+              <a:t>1) Validate the Artifact (Taken from App-Ci pipeline build id</a:t>
+            </a:r>
+            <a:br>
+              <a:rPr lang="en-SG" sz="1100" dirty="0"/>
+            </a:br>
+            <a:r>
+              <a:rPr lang="en-SG" sz="1100" dirty="0"/>
+              <a:t>2) Before deployment to different Env, ask for approval (App Leads)</a:t>
+            </a:r>
+            <a:br>
+              <a:rPr lang="en-SG" sz="1100" dirty="0"/>
+            </a:br>
+            <a:r>
+              <a:rPr lang="en-SG" sz="1100" dirty="0"/>
+              <a:t>3) Does Pre-check, deployment and post-deployment checks</a:t>
+            </a:r>
+            <a:endParaRPr lang="en-GB" sz="1100" dirty="0"/>
+          </a:p>
+        </p:txBody>
+      </p:sp>
+      <p:sp>
+        <p:nvSpPr>
+          <p:cNvPr id="3" name="Rectangle 2">
+            <a:extLst>
+              <a:ext uri="{FF2B5EF4-FFF2-40B4-BE49-F238E27FC236}">
+                <a16:creationId xmlns:a16="http://schemas.microsoft.com/office/drawing/2014/main" id="{5D4864BC-DB44-F84E-9265-1DAF532F6235}"/>
+              </a:ext>
+            </a:extLst>
+          </p:cNvPr>
+          <p:cNvSpPr/>
+          <p:nvPr/>
+        </p:nvSpPr>
+        <p:spPr>
+          <a:xfrm>
+            <a:off x="326571" y="709127"/>
+            <a:ext cx="1492898" cy="634481"/>
+          </a:xfrm>
+          <a:prstGeom prst="rect">
+            <a:avLst/>
+          </a:prstGeom>
+        </p:spPr>
+        <p:style>
+          <a:lnRef idx="2">
+            <a:schemeClr val="accent1">
+              <a:shade val="50000"/>
+            </a:schemeClr>
+          </a:lnRef>
+          <a:fillRef idx="1">
+            <a:schemeClr val="accent1"/>
+          </a:fillRef>
+          <a:effectRef idx="0">
+            <a:schemeClr val="accent1"/>
+          </a:effectRef>
+          <a:fontRef idx="minor">
+            <a:schemeClr val="lt1"/>
+          </a:fontRef>
+        </p:style>
+        <p:txBody>
+          <a:bodyPr rtlCol="0" anchor="ctr"/>
+          <a:lstStyle/>
+          <a:p>
+            <a:pPr algn="ctr"/>
+            <a:r>
+              <a:rPr lang="en-SG" sz="1400" dirty="0"/>
+              <a:t>1) Initialise</a:t>
+            </a:r>
+            <a:endParaRPr lang="en-GB" sz="1400" dirty="0"/>
+          </a:p>
+        </p:txBody>
+      </p:sp>
+      <p:sp>
+        <p:nvSpPr>
+          <p:cNvPr id="4" name="Rectangle 3">
+            <a:extLst>
+              <a:ext uri="{FF2B5EF4-FFF2-40B4-BE49-F238E27FC236}">
+                <a16:creationId xmlns:a16="http://schemas.microsoft.com/office/drawing/2014/main" id="{1B3A7FD3-99DC-A474-F620-7A421FDAAFA4}"/>
+              </a:ext>
+            </a:extLst>
+          </p:cNvPr>
+          <p:cNvSpPr/>
+          <p:nvPr/>
+        </p:nvSpPr>
+        <p:spPr>
+          <a:xfrm>
+            <a:off x="2424793" y="709127"/>
+            <a:ext cx="1492898" cy="634481"/>
+          </a:xfrm>
+          <a:prstGeom prst="rect">
+            <a:avLst/>
+          </a:prstGeom>
+        </p:spPr>
+        <p:style>
+          <a:lnRef idx="2">
+            <a:schemeClr val="accent1">
+              <a:shade val="50000"/>
+            </a:schemeClr>
+          </a:lnRef>
+          <a:fillRef idx="1">
+            <a:schemeClr val="accent1"/>
+          </a:fillRef>
+          <a:effectRef idx="0">
+            <a:schemeClr val="accent1"/>
+          </a:effectRef>
+          <a:fontRef idx="minor">
+            <a:schemeClr val="lt1"/>
+          </a:fontRef>
+        </p:style>
+        <p:txBody>
+          <a:bodyPr rtlCol="0" anchor="ctr"/>
+          <a:lstStyle/>
+          <a:p>
+            <a:pPr algn="ctr"/>
+            <a:r>
+              <a:rPr lang="en-SG" sz="1400" dirty="0"/>
+              <a:t>2) DEV/SIT/UAT/ORT</a:t>
+            </a:r>
+            <a:endParaRPr lang="en-GB" sz="1400" dirty="0"/>
+          </a:p>
+        </p:txBody>
+      </p:sp>
+      <p:sp>
+        <p:nvSpPr>
+          <p:cNvPr id="5" name="Rectangle 4">
+            <a:extLst>
+              <a:ext uri="{FF2B5EF4-FFF2-40B4-BE49-F238E27FC236}">
+                <a16:creationId xmlns:a16="http://schemas.microsoft.com/office/drawing/2014/main" id="{22855605-905A-728F-D513-17929EC5FBB1}"/>
+              </a:ext>
+            </a:extLst>
+          </p:cNvPr>
+          <p:cNvSpPr/>
+          <p:nvPr/>
+        </p:nvSpPr>
+        <p:spPr>
+          <a:xfrm>
+            <a:off x="4653054" y="544904"/>
+            <a:ext cx="1156219" cy="323279"/>
+          </a:xfrm>
+          <a:prstGeom prst="rect">
+            <a:avLst/>
+          </a:prstGeom>
+          <a:solidFill>
+            <a:schemeClr val="accent6">
+              <a:lumMod val="75000"/>
+            </a:schemeClr>
+          </a:solidFill>
+        </p:spPr>
+        <p:style>
+          <a:lnRef idx="2">
+            <a:schemeClr val="accent1">
+              <a:shade val="50000"/>
+            </a:schemeClr>
+          </a:lnRef>
+          <a:fillRef idx="1">
+            <a:schemeClr val="accent1"/>
+          </a:fillRef>
+          <a:effectRef idx="0">
+            <a:schemeClr val="accent1"/>
+          </a:effectRef>
+          <a:fontRef idx="minor">
+            <a:schemeClr val="lt1"/>
+          </a:fontRef>
+        </p:style>
+        <p:txBody>
+          <a:bodyPr rtlCol="0" anchor="ctr"/>
+          <a:lstStyle/>
+          <a:p>
+            <a:pPr algn="ctr"/>
+            <a:r>
+              <a:rPr lang="en-SG" sz="1000" dirty="0"/>
+              <a:t>2.1) Pre-deployment</a:t>
+            </a:r>
+            <a:endParaRPr lang="en-GB" sz="1000" dirty="0"/>
+          </a:p>
+        </p:txBody>
+      </p:sp>
+      <p:sp>
+        <p:nvSpPr>
+          <p:cNvPr id="7" name="Rectangle 6">
+            <a:extLst>
+              <a:ext uri="{FF2B5EF4-FFF2-40B4-BE49-F238E27FC236}">
+                <a16:creationId xmlns:a16="http://schemas.microsoft.com/office/drawing/2014/main" id="{AFAE6F17-7CAB-B2FE-E0B2-8AA5952A1422}"/>
+              </a:ext>
+            </a:extLst>
+          </p:cNvPr>
+          <p:cNvSpPr/>
+          <p:nvPr/>
+        </p:nvSpPr>
+        <p:spPr>
+          <a:xfrm>
+            <a:off x="4653054" y="864849"/>
+            <a:ext cx="1156219" cy="317241"/>
+          </a:xfrm>
+          <a:prstGeom prst="rect">
+            <a:avLst/>
+          </a:prstGeom>
+          <a:solidFill>
+            <a:schemeClr val="accent6">
+              <a:lumMod val="75000"/>
+            </a:schemeClr>
+          </a:solidFill>
+        </p:spPr>
+        <p:style>
+          <a:lnRef idx="2">
+            <a:schemeClr val="accent1">
+              <a:shade val="50000"/>
+            </a:schemeClr>
+          </a:lnRef>
+          <a:fillRef idx="1">
+            <a:schemeClr val="accent1"/>
+          </a:fillRef>
+          <a:effectRef idx="0">
+            <a:schemeClr val="accent1"/>
+          </a:effectRef>
+          <a:fontRef idx="minor">
+            <a:schemeClr val="lt1"/>
+          </a:fontRef>
+        </p:style>
+        <p:txBody>
+          <a:bodyPr rtlCol="0" anchor="ctr"/>
+          <a:lstStyle/>
+          <a:p>
+            <a:pPr algn="ctr"/>
+            <a:r>
+              <a:rPr lang="en-SG" sz="1000" dirty="0"/>
+              <a:t>2.2) Deployment</a:t>
+            </a:r>
+            <a:endParaRPr lang="en-GB" sz="1000" dirty="0"/>
+          </a:p>
+        </p:txBody>
+      </p:sp>
+      <p:sp>
+        <p:nvSpPr>
+          <p:cNvPr id="8" name="Rectangle 7">
+            <a:extLst>
+              <a:ext uri="{FF2B5EF4-FFF2-40B4-BE49-F238E27FC236}">
+                <a16:creationId xmlns:a16="http://schemas.microsoft.com/office/drawing/2014/main" id="{B27CC324-1F25-3879-67C7-FA12E09F63E5}"/>
+              </a:ext>
+            </a:extLst>
+          </p:cNvPr>
+          <p:cNvSpPr/>
+          <p:nvPr/>
+        </p:nvSpPr>
+        <p:spPr>
+          <a:xfrm>
+            <a:off x="4653055" y="1181461"/>
+            <a:ext cx="1156218" cy="329316"/>
+          </a:xfrm>
+          <a:prstGeom prst="rect">
+            <a:avLst/>
+          </a:prstGeom>
+          <a:solidFill>
+            <a:schemeClr val="accent6">
+              <a:lumMod val="75000"/>
+            </a:schemeClr>
+          </a:solidFill>
+        </p:spPr>
+        <p:style>
+          <a:lnRef idx="2">
+            <a:schemeClr val="accent1">
+              <a:shade val="50000"/>
+            </a:schemeClr>
+          </a:lnRef>
+          <a:fillRef idx="1">
+            <a:schemeClr val="accent1"/>
+          </a:fillRef>
+          <a:effectRef idx="0">
+            <a:schemeClr val="accent1"/>
+          </a:effectRef>
+          <a:fontRef idx="minor">
+            <a:schemeClr val="lt1"/>
+          </a:fontRef>
+        </p:style>
+        <p:txBody>
+          <a:bodyPr rtlCol="0" anchor="ctr"/>
+          <a:lstStyle/>
+          <a:p>
+            <a:pPr algn="ctr"/>
+            <a:r>
+              <a:rPr lang="en-SG" sz="1000" dirty="0"/>
+              <a:t>2.3) Post Deployment</a:t>
+            </a:r>
+            <a:endParaRPr lang="en-GB" sz="1000" dirty="0"/>
+          </a:p>
+        </p:txBody>
+      </p:sp>
+      <p:cxnSp>
+        <p:nvCxnSpPr>
+          <p:cNvPr id="9" name="Straight Connector 8">
+            <a:extLst>
+              <a:ext uri="{FF2B5EF4-FFF2-40B4-BE49-F238E27FC236}">
+                <a16:creationId xmlns:a16="http://schemas.microsoft.com/office/drawing/2014/main" id="{9F8508A1-F307-8182-7DEC-D4FCA2FBEE91}"/>
+              </a:ext>
+            </a:extLst>
+          </p:cNvPr>
+          <p:cNvCxnSpPr>
+            <a:cxnSpLocks/>
+          </p:cNvCxnSpPr>
+          <p:nvPr/>
+        </p:nvCxnSpPr>
+        <p:spPr>
+          <a:xfrm flipV="1">
+            <a:off x="3917691" y="544904"/>
+            <a:ext cx="735363" cy="164223"/>
+          </a:xfrm>
+          <a:prstGeom prst="line">
+            <a:avLst/>
+          </a:prstGeom>
+          <a:ln>
+            <a:solidFill>
+              <a:schemeClr val="accent6">
+                <a:lumMod val="75000"/>
+              </a:schemeClr>
+            </a:solidFill>
+          </a:ln>
+        </p:spPr>
+        <p:style>
+          <a:lnRef idx="1">
+            <a:schemeClr val="accent1"/>
+          </a:lnRef>
+          <a:fillRef idx="0">
+            <a:schemeClr val="accent1"/>
+          </a:fillRef>
+          <a:effectRef idx="0">
+            <a:schemeClr val="accent1"/>
+          </a:effectRef>
+          <a:fontRef idx="minor">
+            <a:schemeClr val="tx1"/>
+          </a:fontRef>
+        </p:style>
+      </p:cxnSp>
+      <p:cxnSp>
+        <p:nvCxnSpPr>
+          <p:cNvPr id="10" name="Straight Connector 9">
+            <a:extLst>
+              <a:ext uri="{FF2B5EF4-FFF2-40B4-BE49-F238E27FC236}">
+                <a16:creationId xmlns:a16="http://schemas.microsoft.com/office/drawing/2014/main" id="{9ECB83CD-E1E3-2412-B92C-5545EB60097F}"/>
+              </a:ext>
+            </a:extLst>
+          </p:cNvPr>
+          <p:cNvCxnSpPr>
+            <a:cxnSpLocks/>
+          </p:cNvCxnSpPr>
+          <p:nvPr/>
+        </p:nvCxnSpPr>
+        <p:spPr>
+          <a:xfrm>
+            <a:off x="3917691" y="1343608"/>
+            <a:ext cx="735363" cy="167169"/>
+          </a:xfrm>
+          <a:prstGeom prst="line">
+            <a:avLst/>
+          </a:prstGeom>
+          <a:ln>
+            <a:solidFill>
+              <a:schemeClr val="accent6">
+                <a:lumMod val="75000"/>
+              </a:schemeClr>
+            </a:solidFill>
+          </a:ln>
+        </p:spPr>
+        <p:style>
+          <a:lnRef idx="1">
+            <a:schemeClr val="accent1"/>
+          </a:lnRef>
+          <a:fillRef idx="0">
+            <a:schemeClr val="accent1"/>
+          </a:fillRef>
+          <a:effectRef idx="0">
+            <a:schemeClr val="accent1"/>
+          </a:effectRef>
+          <a:fontRef idx="minor">
+            <a:schemeClr val="tx1"/>
+          </a:fontRef>
+        </p:style>
+      </p:cxnSp>
+    </p:spTree>
+    <p:extLst>
+      <p:ext uri="{BB962C8B-B14F-4D97-AF65-F5344CB8AC3E}">
+        <p14:creationId xmlns:p14="http://schemas.microsoft.com/office/powerpoint/2010/main" val="2806469954"/>
+      </p:ext>
+    </p:extLst>
+  </p:cSld>
+  <p:clrMapOvr>
+    <a:masterClrMapping/>
+  </p:clrMapOvr>
+</p:sld>
+</file>
+
+<file path=ppt/slides/slide17.xml><?xml version="1.0" encoding="utf-8"?>
+<p:sld xmlns:a="http://schemas.openxmlformats.org/drawingml/2006/main" xmlns:r="http://schemas.openxmlformats.org/officeDocument/2006/relationships" xmlns:p="http://schemas.openxmlformats.org/presentationml/2006/main">
+  <p:cSld>
+    <p:spTree>
+      <p:nvGrpSpPr>
+        <p:cNvPr id="1" name=""/>
+        <p:cNvGrpSpPr/>
+        <p:nvPr/>
+      </p:nvGrpSpPr>
+      <p:grpSpPr>
+        <a:xfrm>
+          <a:off x="0" y="0"/>
+          <a:ext cx="0" cy="0"/>
+          <a:chOff x="0" y="0"/>
+          <a:chExt cx="0" cy="0"/>
+        </a:xfrm>
+      </p:grpSpPr>
+      <p:sp>
+        <p:nvSpPr>
+          <p:cNvPr id="6" name="TextBox 5">
+            <a:extLst>
+              <a:ext uri="{FF2B5EF4-FFF2-40B4-BE49-F238E27FC236}">
+                <a16:creationId xmlns:a16="http://schemas.microsoft.com/office/drawing/2014/main" id="{D8540CE0-4136-D6FF-CDD9-AC09A5743E21}"/>
+              </a:ext>
+            </a:extLst>
+          </p:cNvPr>
+          <p:cNvSpPr txBox="1"/>
+          <p:nvPr/>
+        </p:nvSpPr>
+        <p:spPr>
+          <a:xfrm>
+            <a:off x="326571" y="204107"/>
+            <a:ext cx="2261132" cy="369332"/>
+          </a:xfrm>
+          <a:prstGeom prst="rect">
+            <a:avLst/>
+          </a:prstGeom>
+          <a:noFill/>
+        </p:spPr>
+        <p:txBody>
+          <a:bodyPr wrap="none" rtlCol="0">
+            <a:spAutoFit/>
+          </a:bodyPr>
+          <a:lstStyle/>
+          <a:p>
+            <a:r>
+              <a:rPr lang="en-SG" dirty="0"/>
+              <a:t>Network Architecture </a:t>
+            </a:r>
+            <a:endParaRPr lang="en-GB" dirty="0"/>
+          </a:p>
+        </p:txBody>
+      </p:sp>
+      <p:sp>
+        <p:nvSpPr>
+          <p:cNvPr id="12" name="TextBox 11">
+            <a:extLst>
+              <a:ext uri="{FF2B5EF4-FFF2-40B4-BE49-F238E27FC236}">
+                <a16:creationId xmlns:a16="http://schemas.microsoft.com/office/drawing/2014/main" id="{6EF530AE-F1DF-F90B-4722-7E86A9C1FAD6}"/>
+              </a:ext>
+            </a:extLst>
+          </p:cNvPr>
+          <p:cNvSpPr txBox="1"/>
+          <p:nvPr/>
+        </p:nvSpPr>
+        <p:spPr>
+          <a:xfrm>
+            <a:off x="2424793" y="2959640"/>
+            <a:ext cx="4474030" cy="938719"/>
+          </a:xfrm>
+          <a:prstGeom prst="rect">
+            <a:avLst/>
+          </a:prstGeom>
+          <a:noFill/>
+        </p:spPr>
+        <p:txBody>
+          <a:bodyPr wrap="square" rtlCol="0">
+            <a:spAutoFit/>
+          </a:bodyPr>
+          <a:lstStyle/>
+          <a:p>
+            <a:r>
+              <a:rPr lang="en-SG" sz="1100" dirty="0"/>
+              <a:t>App will do the deployment to the different type of app services. The general flow is:</a:t>
+            </a:r>
+            <a:br>
+              <a:rPr lang="en-SG" sz="1100" dirty="0"/>
+            </a:br>
+            <a:r>
+              <a:rPr lang="en-SG" sz="1100" dirty="0"/>
+              <a:t>1) Validate the Artifact (Taken from App-Ci pipeline build id</a:t>
+            </a:r>
+            <a:br>
+              <a:rPr lang="en-SG" sz="1100" dirty="0"/>
+            </a:br>
+            <a:r>
+              <a:rPr lang="en-SG" sz="1100" dirty="0"/>
+              <a:t>2) Before deployment to different Env, ask for approval (App Leads)</a:t>
+            </a:r>
+            <a:br>
+              <a:rPr lang="en-SG" sz="1100" dirty="0"/>
+            </a:br>
+            <a:r>
+              <a:rPr lang="en-SG" sz="1100" dirty="0"/>
+              <a:t>3) Does Pre-check, deployment and post-deployment checks</a:t>
+            </a:r>
+            <a:endParaRPr lang="en-GB" sz="1100" dirty="0"/>
+          </a:p>
+        </p:txBody>
+      </p:sp>
+      <p:sp>
+        <p:nvSpPr>
+          <p:cNvPr id="2" name="Rectangle 1">
+            <a:extLst>
+              <a:ext uri="{FF2B5EF4-FFF2-40B4-BE49-F238E27FC236}">
+                <a16:creationId xmlns:a16="http://schemas.microsoft.com/office/drawing/2014/main" id="{375C3FBE-BA61-F9CB-DC03-947EF7CAAC14}"/>
+              </a:ext>
+            </a:extLst>
+          </p:cNvPr>
+          <p:cNvSpPr/>
+          <p:nvPr/>
+        </p:nvSpPr>
+        <p:spPr>
+          <a:xfrm>
+            <a:off x="326571" y="709127"/>
+            <a:ext cx="1492898" cy="634481"/>
+          </a:xfrm>
+          <a:prstGeom prst="rect">
+            <a:avLst/>
+          </a:prstGeom>
+        </p:spPr>
+        <p:style>
+          <a:lnRef idx="2">
+            <a:schemeClr val="accent1">
+              <a:shade val="50000"/>
+            </a:schemeClr>
+          </a:lnRef>
+          <a:fillRef idx="1">
+            <a:schemeClr val="accent1"/>
+          </a:fillRef>
+          <a:effectRef idx="0">
+            <a:schemeClr val="accent1"/>
+          </a:effectRef>
+          <a:fontRef idx="minor">
+            <a:schemeClr val="lt1"/>
+          </a:fontRef>
+        </p:style>
+        <p:txBody>
+          <a:bodyPr rtlCol="0" anchor="ctr"/>
+          <a:lstStyle/>
+          <a:p>
+            <a:pPr algn="ctr"/>
+            <a:r>
+              <a:rPr lang="en-SG" dirty="0"/>
+              <a:t>Initialise</a:t>
+            </a:r>
+            <a:endParaRPr lang="en-GB" dirty="0"/>
+          </a:p>
+        </p:txBody>
+      </p:sp>
+    </p:spTree>
+    <p:extLst>
+      <p:ext uri="{BB962C8B-B14F-4D97-AF65-F5344CB8AC3E}">
+        <p14:creationId xmlns:p14="http://schemas.microsoft.com/office/powerpoint/2010/main" val="20619879"/>
+      </p:ext>
+    </p:extLst>
+  </p:cSld>
+  <p:clrMapOvr>
+    <a:masterClrMapping/>
+  </p:clrMapOvr>
+</p:sld>
+</file>
+
 <file path=ppt/slides/slide2.xml><?xml version="1.0" encoding="utf-8"?>
 <p:sld xmlns:a="http://schemas.openxmlformats.org/drawingml/2006/main" xmlns:r="http://schemas.openxmlformats.org/officeDocument/2006/relationships" xmlns:p="http://schemas.openxmlformats.org/presentationml/2006/main">
   <p:cSld>
@@ -4233,7 +7014,7 @@
         <p:spPr>
           <a:xfrm>
             <a:off x="326571" y="204107"/>
-            <a:ext cx="721672" cy="369332"/>
+            <a:ext cx="1526380" cy="369332"/>
           </a:xfrm>
           <a:prstGeom prst="rect">
             <a:avLst/>
@@ -4248,7 +7029,7 @@
           <a:p>
             <a:r>
               <a:rPr lang="en-SG" dirty="0"/>
-              <a:t>MS CI</a:t>
+              <a:t>MS CI Pipeline</a:t>
             </a:r>
             <a:endParaRPr lang="en-GB" dirty="0"/>
           </a:p>
@@ -4268,8 +7049,8 @@
         </p:nvSpPr>
         <p:spPr>
           <a:xfrm>
-            <a:off x="2424793" y="2959640"/>
-            <a:ext cx="4474030" cy="938719"/>
+            <a:off x="263979" y="2224854"/>
+            <a:ext cx="4474030" cy="600164"/>
           </a:xfrm>
           <a:prstGeom prst="rect">
             <a:avLst/>
@@ -4284,30 +7065,21 @@
           <a:p>
             <a:r>
               <a:rPr lang="en-SG" sz="1100" dirty="0"/>
-              <a:t>App will do the deployment to the different type of app services. The general flow is:</a:t>
+              <a:t>1) Initialise</a:t>
             </a:r>
             <a:br>
               <a:rPr lang="en-SG" sz="1100" dirty="0"/>
             </a:br>
             <a:r>
               <a:rPr lang="en-SG" sz="1100" dirty="0"/>
-              <a:t>1) Validate the Artifact (Taken from App-Ci pipeline build id</a:t>
-            </a:r>
-            <a:br>
-              <a:rPr lang="en-SG" sz="1100" dirty="0"/>
-            </a:br>
-            <a:r>
-              <a:rPr lang="en-SG" sz="1100" dirty="0"/>
-              <a:t>2) Before deployment to different Env, ask for approval (App Leads)</a:t>
-            </a:r>
-            <a:br>
-              <a:rPr lang="en-SG" sz="1100" dirty="0"/>
-            </a:br>
-            <a:r>
-              <a:rPr lang="en-SG" sz="1100" dirty="0"/>
-              <a:t>3) Does Pre-check, deployment and post-deployment checks</a:t>
-            </a:r>
-            <a:endParaRPr lang="en-GB" sz="1100" dirty="0"/>
+              <a:t>- Initialise the pipeline with different variable groups and other parameters</a:t>
+            </a:r>
+          </a:p>
+          <a:p>
+            <a:r>
+              <a:rPr lang="en-GB" sz="1100" dirty="0"/>
+              <a:t>- Connect to the AKV to retrieve the necessary secret values</a:t>
+            </a:r>
           </a:p>
         </p:txBody>
       </p:sp>
@@ -4325,7 +7097,7 @@
         </p:nvSpPr>
         <p:spPr>
           <a:xfrm>
-            <a:off x="326571" y="709127"/>
+            <a:off x="263979" y="1199895"/>
             <a:ext cx="1492898" cy="634481"/>
           </a:xfrm>
           <a:prstGeom prst="rect">
@@ -4354,10 +7126,538 @@
           <a:p>
             <a:pPr algn="ctr"/>
             <a:r>
-              <a:rPr lang="en-SG" dirty="0"/>
-              <a:t>App Repo</a:t>
-            </a:r>
-            <a:endParaRPr lang="en-GB" dirty="0"/>
+              <a:rPr lang="en-SG" sz="1400" dirty="0"/>
+              <a:t>1) Initialise </a:t>
+            </a:r>
+            <a:endParaRPr lang="en-GB" sz="1400" dirty="0"/>
+          </a:p>
+        </p:txBody>
+      </p:sp>
+      <p:sp>
+        <p:nvSpPr>
+          <p:cNvPr id="3" name="Rectangle 2">
+            <a:extLst>
+              <a:ext uri="{FF2B5EF4-FFF2-40B4-BE49-F238E27FC236}">
+                <a16:creationId xmlns:a16="http://schemas.microsoft.com/office/drawing/2014/main" id="{91FB76B8-FAE7-7CBB-1243-8F18DE25EBFF}"/>
+              </a:ext>
+            </a:extLst>
+          </p:cNvPr>
+          <p:cNvSpPr/>
+          <p:nvPr/>
+        </p:nvSpPr>
+        <p:spPr>
+          <a:xfrm>
+            <a:off x="4280324" y="1199895"/>
+            <a:ext cx="1492898" cy="634481"/>
+          </a:xfrm>
+          <a:prstGeom prst="rect">
+            <a:avLst/>
+          </a:prstGeom>
+        </p:spPr>
+        <p:style>
+          <a:lnRef idx="2">
+            <a:schemeClr val="accent1">
+              <a:shade val="50000"/>
+            </a:schemeClr>
+          </a:lnRef>
+          <a:fillRef idx="1">
+            <a:schemeClr val="accent1"/>
+          </a:fillRef>
+          <a:effectRef idx="0">
+            <a:schemeClr val="accent1"/>
+          </a:effectRef>
+          <a:fontRef idx="minor">
+            <a:schemeClr val="lt1"/>
+          </a:fontRef>
+        </p:style>
+        <p:txBody>
+          <a:bodyPr rtlCol="0" anchor="ctr"/>
+          <a:lstStyle/>
+          <a:p>
+            <a:pPr algn="ctr"/>
+            <a:r>
+              <a:rPr lang="en-SG" sz="1400" dirty="0"/>
+              <a:t>3) Build</a:t>
+            </a:r>
+            <a:endParaRPr lang="en-GB" sz="1400" dirty="0"/>
+          </a:p>
+        </p:txBody>
+      </p:sp>
+      <p:sp>
+        <p:nvSpPr>
+          <p:cNvPr id="4" name="Rectangle 3">
+            <a:extLst>
+              <a:ext uri="{FF2B5EF4-FFF2-40B4-BE49-F238E27FC236}">
+                <a16:creationId xmlns:a16="http://schemas.microsoft.com/office/drawing/2014/main" id="{B8DAA65D-1B5F-61C3-FCB2-E79F8AE68F5E}"/>
+              </a:ext>
+            </a:extLst>
+          </p:cNvPr>
+          <p:cNvSpPr/>
+          <p:nvPr/>
+        </p:nvSpPr>
+        <p:spPr>
+          <a:xfrm>
+            <a:off x="2329347" y="1199895"/>
+            <a:ext cx="1492898" cy="634481"/>
+          </a:xfrm>
+          <a:prstGeom prst="rect">
+            <a:avLst/>
+          </a:prstGeom>
+        </p:spPr>
+        <p:style>
+          <a:lnRef idx="2">
+            <a:schemeClr val="accent1">
+              <a:shade val="50000"/>
+            </a:schemeClr>
+          </a:lnRef>
+          <a:fillRef idx="1">
+            <a:schemeClr val="accent1"/>
+          </a:fillRef>
+          <a:effectRef idx="0">
+            <a:schemeClr val="accent1"/>
+          </a:effectRef>
+          <a:fontRef idx="minor">
+            <a:schemeClr val="lt1"/>
+          </a:fontRef>
+        </p:style>
+        <p:txBody>
+          <a:bodyPr rtlCol="0" anchor="ctr"/>
+          <a:lstStyle/>
+          <a:p>
+            <a:pPr algn="ctr"/>
+            <a:r>
+              <a:rPr lang="en-SG" sz="1400" dirty="0"/>
+              <a:t>2) Validate </a:t>
+            </a:r>
+            <a:endParaRPr lang="en-GB" sz="1400" dirty="0"/>
+          </a:p>
+        </p:txBody>
+      </p:sp>
+      <p:sp>
+        <p:nvSpPr>
+          <p:cNvPr id="5" name="Rectangle 4">
+            <a:extLst>
+              <a:ext uri="{FF2B5EF4-FFF2-40B4-BE49-F238E27FC236}">
+                <a16:creationId xmlns:a16="http://schemas.microsoft.com/office/drawing/2014/main" id="{63399C15-03B9-2BC4-5292-8BF9AD1753BE}"/>
+              </a:ext>
+            </a:extLst>
+          </p:cNvPr>
+          <p:cNvSpPr/>
+          <p:nvPr/>
+        </p:nvSpPr>
+        <p:spPr>
+          <a:xfrm>
+            <a:off x="6231301" y="1199896"/>
+            <a:ext cx="1492898" cy="634481"/>
+          </a:xfrm>
+          <a:prstGeom prst="rect">
+            <a:avLst/>
+          </a:prstGeom>
+        </p:spPr>
+        <p:style>
+          <a:lnRef idx="2">
+            <a:schemeClr val="accent1">
+              <a:shade val="50000"/>
+            </a:schemeClr>
+          </a:lnRef>
+          <a:fillRef idx="1">
+            <a:schemeClr val="accent1"/>
+          </a:fillRef>
+          <a:effectRef idx="0">
+            <a:schemeClr val="accent1"/>
+          </a:effectRef>
+          <a:fontRef idx="minor">
+            <a:schemeClr val="lt1"/>
+          </a:fontRef>
+        </p:style>
+        <p:txBody>
+          <a:bodyPr rtlCol="0" anchor="ctr"/>
+          <a:lstStyle/>
+          <a:p>
+            <a:pPr algn="ctr"/>
+            <a:r>
+              <a:rPr lang="en-SG" sz="1400" dirty="0"/>
+              <a:t>4) Fortify and Mend Scan</a:t>
+            </a:r>
+            <a:endParaRPr lang="en-GB" sz="1400" dirty="0"/>
+          </a:p>
+        </p:txBody>
+      </p:sp>
+      <p:sp>
+        <p:nvSpPr>
+          <p:cNvPr id="7" name="Rectangle 6">
+            <a:extLst>
+              <a:ext uri="{FF2B5EF4-FFF2-40B4-BE49-F238E27FC236}">
+                <a16:creationId xmlns:a16="http://schemas.microsoft.com/office/drawing/2014/main" id="{D12C0BAD-5B16-B18E-37B6-E65283D9DA6C}"/>
+              </a:ext>
+            </a:extLst>
+          </p:cNvPr>
+          <p:cNvSpPr/>
+          <p:nvPr/>
+        </p:nvSpPr>
+        <p:spPr>
+          <a:xfrm>
+            <a:off x="8255455" y="1199897"/>
+            <a:ext cx="1492898" cy="634481"/>
+          </a:xfrm>
+          <a:prstGeom prst="rect">
+            <a:avLst/>
+          </a:prstGeom>
+        </p:spPr>
+        <p:style>
+          <a:lnRef idx="2">
+            <a:schemeClr val="accent1">
+              <a:shade val="50000"/>
+            </a:schemeClr>
+          </a:lnRef>
+          <a:fillRef idx="1">
+            <a:schemeClr val="accent1"/>
+          </a:fillRef>
+          <a:effectRef idx="0">
+            <a:schemeClr val="accent1"/>
+          </a:effectRef>
+          <a:fontRef idx="minor">
+            <a:schemeClr val="lt1"/>
+          </a:fontRef>
+        </p:style>
+        <p:txBody>
+          <a:bodyPr rtlCol="0" anchor="ctr"/>
+          <a:lstStyle/>
+          <a:p>
+            <a:pPr algn="ctr"/>
+            <a:r>
+              <a:rPr lang="en-SG" sz="1400" dirty="0"/>
+              <a:t>5) Container Build</a:t>
+            </a:r>
+            <a:endParaRPr lang="en-GB" sz="1400" dirty="0"/>
+          </a:p>
+        </p:txBody>
+      </p:sp>
+      <p:sp>
+        <p:nvSpPr>
+          <p:cNvPr id="8" name="Rectangle 7">
+            <a:extLst>
+              <a:ext uri="{FF2B5EF4-FFF2-40B4-BE49-F238E27FC236}">
+                <a16:creationId xmlns:a16="http://schemas.microsoft.com/office/drawing/2014/main" id="{328D3C2B-C931-8134-36AC-8D74F3389038}"/>
+              </a:ext>
+            </a:extLst>
+          </p:cNvPr>
+          <p:cNvSpPr/>
+          <p:nvPr/>
+        </p:nvSpPr>
+        <p:spPr>
+          <a:xfrm>
+            <a:off x="10320823" y="1199901"/>
+            <a:ext cx="1492898" cy="634481"/>
+          </a:xfrm>
+          <a:prstGeom prst="rect">
+            <a:avLst/>
+          </a:prstGeom>
+        </p:spPr>
+        <p:style>
+          <a:lnRef idx="2">
+            <a:schemeClr val="accent1">
+              <a:shade val="50000"/>
+            </a:schemeClr>
+          </a:lnRef>
+          <a:fillRef idx="1">
+            <a:schemeClr val="accent1"/>
+          </a:fillRef>
+          <a:effectRef idx="0">
+            <a:schemeClr val="accent1"/>
+          </a:effectRef>
+          <a:fontRef idx="minor">
+            <a:schemeClr val="lt1"/>
+          </a:fontRef>
+        </p:style>
+        <p:txBody>
+          <a:bodyPr rtlCol="0" anchor="ctr"/>
+          <a:lstStyle/>
+          <a:p>
+            <a:pPr algn="ctr"/>
+            <a:r>
+              <a:rPr lang="en-SG" sz="1400" dirty="0"/>
+              <a:t>6) Publish</a:t>
+            </a:r>
+            <a:endParaRPr lang="en-GB" sz="1400" dirty="0"/>
+          </a:p>
+        </p:txBody>
+      </p:sp>
+      <p:sp>
+        <p:nvSpPr>
+          <p:cNvPr id="9" name="TextBox 8">
+            <a:extLst>
+              <a:ext uri="{FF2B5EF4-FFF2-40B4-BE49-F238E27FC236}">
+                <a16:creationId xmlns:a16="http://schemas.microsoft.com/office/drawing/2014/main" id="{A3424B8D-846B-2FA8-20B8-48C4B116A3AB}"/>
+              </a:ext>
+            </a:extLst>
+          </p:cNvPr>
+          <p:cNvSpPr txBox="1"/>
+          <p:nvPr/>
+        </p:nvSpPr>
+        <p:spPr>
+          <a:xfrm>
+            <a:off x="263979" y="2830775"/>
+            <a:ext cx="4474030" cy="769441"/>
+          </a:xfrm>
+          <a:prstGeom prst="rect">
+            <a:avLst/>
+          </a:prstGeom>
+          <a:noFill/>
+        </p:spPr>
+        <p:txBody>
+          <a:bodyPr wrap="square" rtlCol="0">
+            <a:spAutoFit/>
+          </a:bodyPr>
+          <a:lstStyle/>
+          <a:p>
+            <a:r>
+              <a:rPr lang="en-SG" sz="1100" dirty="0"/>
+              <a:t>2) Validate</a:t>
+            </a:r>
+            <a:br>
+              <a:rPr lang="en-SG" sz="1100" dirty="0"/>
+            </a:br>
+            <a:r>
+              <a:rPr lang="en-SG" sz="1100" dirty="0"/>
+              <a:t>- Validate the pipeline that is not deprecated (is using latest branch)</a:t>
+            </a:r>
+          </a:p>
+          <a:p>
+            <a:r>
+              <a:rPr lang="en-SG" sz="1100" dirty="0"/>
+              <a:t>- Ensure that the PR approval has no commit (prevent conflict of interest)  </a:t>
+            </a:r>
+          </a:p>
+          <a:p>
+            <a:endParaRPr lang="en-GB" sz="1100" dirty="0"/>
+          </a:p>
+        </p:txBody>
+      </p:sp>
+      <p:sp>
+        <p:nvSpPr>
+          <p:cNvPr id="10" name="TextBox 9">
+            <a:extLst>
+              <a:ext uri="{FF2B5EF4-FFF2-40B4-BE49-F238E27FC236}">
+                <a16:creationId xmlns:a16="http://schemas.microsoft.com/office/drawing/2014/main" id="{34AA09AF-DAE2-582B-9C23-A0F0011F9343}"/>
+              </a:ext>
+            </a:extLst>
+          </p:cNvPr>
+          <p:cNvSpPr txBox="1"/>
+          <p:nvPr/>
+        </p:nvSpPr>
+        <p:spPr>
+          <a:xfrm>
+            <a:off x="263979" y="3485791"/>
+            <a:ext cx="4474030" cy="769441"/>
+          </a:xfrm>
+          <a:prstGeom prst="rect">
+            <a:avLst/>
+          </a:prstGeom>
+          <a:noFill/>
+        </p:spPr>
+        <p:txBody>
+          <a:bodyPr wrap="square" rtlCol="0">
+            <a:spAutoFit/>
+          </a:bodyPr>
+          <a:lstStyle/>
+          <a:p>
+            <a:r>
+              <a:rPr lang="en-SG" sz="1100" dirty="0"/>
+              <a:t>3) Build</a:t>
+            </a:r>
+            <a:br>
+              <a:rPr lang="en-SG" sz="1100" dirty="0"/>
+            </a:br>
+            <a:r>
+              <a:rPr lang="en-SG" sz="1100" dirty="0"/>
+              <a:t>- Run SonarQube Scan to check for code vulnerabilities</a:t>
+            </a:r>
+          </a:p>
+          <a:p>
+            <a:r>
+              <a:rPr lang="en-SG" sz="1100" dirty="0"/>
+              <a:t>- Up the </a:t>
+            </a:r>
+            <a:r>
+              <a:rPr lang="en-SG" sz="1100" dirty="0" err="1"/>
+              <a:t>SemVer</a:t>
+            </a:r>
+            <a:endParaRPr lang="en-SG" sz="1100" dirty="0"/>
+          </a:p>
+          <a:p>
+            <a:endParaRPr lang="en-GB" sz="1100" dirty="0"/>
+          </a:p>
+        </p:txBody>
+      </p:sp>
+      <p:sp>
+        <p:nvSpPr>
+          <p:cNvPr id="13" name="TextBox 12">
+            <a:extLst>
+              <a:ext uri="{FF2B5EF4-FFF2-40B4-BE49-F238E27FC236}">
+                <a16:creationId xmlns:a16="http://schemas.microsoft.com/office/drawing/2014/main" id="{1F077618-4936-B4AC-9C3E-779A45F6C96A}"/>
+              </a:ext>
+            </a:extLst>
+          </p:cNvPr>
+          <p:cNvSpPr txBox="1"/>
+          <p:nvPr/>
+        </p:nvSpPr>
+        <p:spPr>
+          <a:xfrm>
+            <a:off x="263979" y="4592954"/>
+            <a:ext cx="4474030" cy="769441"/>
+          </a:xfrm>
+          <a:prstGeom prst="rect">
+            <a:avLst/>
+          </a:prstGeom>
+          <a:noFill/>
+        </p:spPr>
+        <p:txBody>
+          <a:bodyPr wrap="square" rtlCol="0">
+            <a:spAutoFit/>
+          </a:bodyPr>
+          <a:lstStyle/>
+          <a:p>
+            <a:r>
+              <a:rPr lang="en-SG" sz="1100" dirty="0"/>
+              <a:t>4) Fortify and Mend</a:t>
+            </a:r>
+            <a:br>
+              <a:rPr lang="en-SG" sz="1100" dirty="0"/>
+            </a:br>
+            <a:r>
+              <a:rPr lang="en-SG" sz="1100" dirty="0"/>
+              <a:t>-Run Fortify SCA to check for vulnerabilities in software code</a:t>
+            </a:r>
+          </a:p>
+          <a:p>
+            <a:r>
+              <a:rPr lang="en-SG" sz="1100" dirty="0"/>
+              <a:t>- Run </a:t>
+            </a:r>
+            <a:r>
+              <a:rPr lang="en-SG" sz="1100" dirty="0" err="1"/>
+              <a:t>WhiteSource</a:t>
+            </a:r>
+            <a:r>
+              <a:rPr lang="en-SG" sz="1100" dirty="0"/>
+              <a:t> Mend Scan for package/library dependencies vulnerabilities </a:t>
+            </a:r>
+            <a:endParaRPr lang="en-GB" sz="1100" dirty="0"/>
+          </a:p>
+        </p:txBody>
+      </p:sp>
+      <p:sp>
+        <p:nvSpPr>
+          <p:cNvPr id="14" name="TextBox 13">
+            <a:extLst>
+              <a:ext uri="{FF2B5EF4-FFF2-40B4-BE49-F238E27FC236}">
+                <a16:creationId xmlns:a16="http://schemas.microsoft.com/office/drawing/2014/main" id="{A33FCD80-18E8-A54A-DD14-4BA1A8917836}"/>
+              </a:ext>
+            </a:extLst>
+          </p:cNvPr>
+          <p:cNvSpPr txBox="1"/>
+          <p:nvPr/>
+        </p:nvSpPr>
+        <p:spPr>
+          <a:xfrm>
+            <a:off x="5026773" y="2224854"/>
+            <a:ext cx="4474030" cy="938719"/>
+          </a:xfrm>
+          <a:prstGeom prst="rect">
+            <a:avLst/>
+          </a:prstGeom>
+          <a:noFill/>
+        </p:spPr>
+        <p:txBody>
+          <a:bodyPr wrap="square" rtlCol="0">
+            <a:spAutoFit/>
+          </a:bodyPr>
+          <a:lstStyle/>
+          <a:p>
+            <a:r>
+              <a:rPr lang="en-SG" sz="1100" dirty="0"/>
+              <a:t>5) Container Build</a:t>
+            </a:r>
+            <a:br>
+              <a:rPr lang="en-SG" sz="1100" dirty="0"/>
+            </a:br>
+            <a:r>
+              <a:rPr lang="en-SG" sz="1100" dirty="0"/>
+              <a:t>- Check that the docker file exist</a:t>
+            </a:r>
+          </a:p>
+          <a:p>
+            <a:r>
+              <a:rPr lang="en-SG" sz="1100" dirty="0"/>
+              <a:t>- Build and run a CWP Scan against the docker file </a:t>
+            </a:r>
+          </a:p>
+          <a:p>
+            <a:r>
+              <a:rPr lang="en-GB" sz="1100" dirty="0"/>
+              <a:t>- Sign the image with the new </a:t>
+            </a:r>
+            <a:r>
+              <a:rPr lang="en-GB" sz="1100" dirty="0" err="1"/>
+              <a:t>SemVer</a:t>
+            </a:r>
+            <a:endParaRPr lang="en-GB" sz="1100" dirty="0"/>
+          </a:p>
+          <a:p>
+            <a:r>
+              <a:rPr lang="en-GB" sz="1100" dirty="0"/>
+              <a:t>- Upload the image to the ACR</a:t>
+            </a:r>
+          </a:p>
+        </p:txBody>
+      </p:sp>
+      <p:sp>
+        <p:nvSpPr>
+          <p:cNvPr id="15" name="TextBox 14">
+            <a:extLst>
+              <a:ext uri="{FF2B5EF4-FFF2-40B4-BE49-F238E27FC236}">
+                <a16:creationId xmlns:a16="http://schemas.microsoft.com/office/drawing/2014/main" id="{C3C2BFB5-B970-8808-B2FB-AB22073004EB}"/>
+              </a:ext>
+            </a:extLst>
+          </p:cNvPr>
+          <p:cNvSpPr txBox="1"/>
+          <p:nvPr/>
+        </p:nvSpPr>
+        <p:spPr>
+          <a:xfrm>
+            <a:off x="5015887" y="3215495"/>
+            <a:ext cx="4474030" cy="769441"/>
+          </a:xfrm>
+          <a:prstGeom prst="rect">
+            <a:avLst/>
+          </a:prstGeom>
+          <a:noFill/>
+        </p:spPr>
+        <p:txBody>
+          <a:bodyPr wrap="square" rtlCol="0">
+            <a:spAutoFit/>
+          </a:bodyPr>
+          <a:lstStyle/>
+          <a:p>
+            <a:r>
+              <a:rPr lang="en-SG" sz="1100" dirty="0"/>
+              <a:t>6) Publish</a:t>
+            </a:r>
+            <a:br>
+              <a:rPr lang="en-SG" sz="1100" dirty="0"/>
+            </a:br>
+            <a:r>
+              <a:rPr lang="en-SG" sz="1100" dirty="0"/>
+              <a:t>- package the pipeline artifact and publish it into the designated artifact feed</a:t>
+            </a:r>
+          </a:p>
+          <a:p>
+            <a:r>
+              <a:rPr lang="en-SG" sz="1100" dirty="0"/>
+              <a:t>- Trigger the CD</a:t>
+            </a:r>
+            <a:endParaRPr lang="en-GB" sz="1100" dirty="0"/>
           </a:p>
         </p:txBody>
       </p:sp>
@@ -4406,7 +7706,7 @@
         <p:spPr>
           <a:xfrm>
             <a:off x="326571" y="204107"/>
-            <a:ext cx="721672" cy="369332"/>
+            <a:ext cx="806631" cy="369332"/>
           </a:xfrm>
           <a:prstGeom prst="rect">
             <a:avLst/>
@@ -4421,7 +7721,7 @@
           <a:p>
             <a:r>
               <a:rPr lang="en-SG" dirty="0"/>
-              <a:t>MS CI</a:t>
+              <a:t>MS CD</a:t>
             </a:r>
             <a:endParaRPr lang="en-GB" dirty="0"/>
           </a:p>
@@ -4441,7 +7741,7 @@
         </p:nvSpPr>
         <p:spPr>
           <a:xfrm>
-            <a:off x="2424793" y="2959640"/>
+            <a:off x="235598" y="1873790"/>
             <a:ext cx="4474030" cy="938719"/>
           </a:xfrm>
           <a:prstGeom prst="rect">
@@ -4457,30 +7757,27 @@
           <a:p>
             <a:r>
               <a:rPr lang="en-SG" sz="1100" dirty="0"/>
-              <a:t>App will do the deployment to the different type of app services. The general flow is:</a:t>
+              <a:t>1) Initialise</a:t>
             </a:r>
             <a:br>
               <a:rPr lang="en-SG" sz="1100" dirty="0"/>
             </a:br>
             <a:r>
               <a:rPr lang="en-SG" sz="1100" dirty="0"/>
-              <a:t>1) Validate the Artifact (Taken from App-Ci pipeline build id</a:t>
-            </a:r>
-            <a:br>
-              <a:rPr lang="en-SG" sz="1100" dirty="0"/>
-            </a:br>
-            <a:r>
-              <a:rPr lang="en-SG" sz="1100" dirty="0"/>
-              <a:t>2) Before deployment to different Env, ask for approval (App Leads)</a:t>
-            </a:r>
-            <a:br>
-              <a:rPr lang="en-SG" sz="1100" dirty="0"/>
-            </a:br>
-            <a:r>
-              <a:rPr lang="en-SG" sz="1100" dirty="0"/>
-              <a:t>3) Does Pre-check, deployment and post-deployment checks</a:t>
-            </a:r>
-            <a:endParaRPr lang="en-GB" sz="1100" dirty="0"/>
+              <a:t>- Initialise the pipeline with different variable groups and other parameters</a:t>
+            </a:r>
+          </a:p>
+          <a:p>
+            <a:r>
+              <a:rPr lang="en-GB" sz="1100" dirty="0"/>
+              <a:t>- Connect to the AKV to retrieve the necessary secret values</a:t>
+            </a:r>
+          </a:p>
+          <a:p>
+            <a:r>
+              <a:rPr lang="en-GB" sz="1100" dirty="0"/>
+              <a:t>- Download Artifact from the Artifact feed using the version. This is specified from the pipeline build ID</a:t>
+            </a:r>
           </a:p>
         </p:txBody>
       </p:sp>
@@ -4527,10 +7824,581 @@
           <a:p>
             <a:pPr algn="ctr"/>
             <a:r>
-              <a:rPr lang="en-SG" dirty="0"/>
-              <a:t>App Repo</a:t>
-            </a:r>
-            <a:endParaRPr lang="en-GB" dirty="0"/>
+              <a:rPr lang="en-SG" sz="1400" dirty="0"/>
+              <a:t>1) Initialise</a:t>
+            </a:r>
+            <a:endParaRPr lang="en-GB" sz="1400" dirty="0"/>
+          </a:p>
+        </p:txBody>
+      </p:sp>
+      <p:sp>
+        <p:nvSpPr>
+          <p:cNvPr id="3" name="Rectangle 2">
+            <a:extLst>
+              <a:ext uri="{FF2B5EF4-FFF2-40B4-BE49-F238E27FC236}">
+                <a16:creationId xmlns:a16="http://schemas.microsoft.com/office/drawing/2014/main" id="{52A0B074-FC34-6CA9-660E-7CDCFAF28292}"/>
+              </a:ext>
+            </a:extLst>
+          </p:cNvPr>
+          <p:cNvSpPr/>
+          <p:nvPr/>
+        </p:nvSpPr>
+        <p:spPr>
+          <a:xfrm>
+            <a:off x="2424793" y="709127"/>
+            <a:ext cx="1492898" cy="634481"/>
+          </a:xfrm>
+          <a:prstGeom prst="rect">
+            <a:avLst/>
+          </a:prstGeom>
+        </p:spPr>
+        <p:style>
+          <a:lnRef idx="2">
+            <a:schemeClr val="accent1">
+              <a:shade val="50000"/>
+            </a:schemeClr>
+          </a:lnRef>
+          <a:fillRef idx="1">
+            <a:schemeClr val="accent1"/>
+          </a:fillRef>
+          <a:effectRef idx="0">
+            <a:schemeClr val="accent1"/>
+          </a:effectRef>
+          <a:fontRef idx="minor">
+            <a:schemeClr val="lt1"/>
+          </a:fontRef>
+        </p:style>
+        <p:txBody>
+          <a:bodyPr rtlCol="0" anchor="ctr"/>
+          <a:lstStyle/>
+          <a:p>
+            <a:pPr algn="ctr"/>
+            <a:r>
+              <a:rPr lang="en-SG" sz="1400" dirty="0"/>
+              <a:t>2) DEV/SIT/UAT/ORT</a:t>
+            </a:r>
+            <a:endParaRPr lang="en-GB" sz="1400" dirty="0"/>
+          </a:p>
+        </p:txBody>
+      </p:sp>
+      <p:sp>
+        <p:nvSpPr>
+          <p:cNvPr id="5" name="TextBox 4">
+            <a:extLst>
+              <a:ext uri="{FF2B5EF4-FFF2-40B4-BE49-F238E27FC236}">
+                <a16:creationId xmlns:a16="http://schemas.microsoft.com/office/drawing/2014/main" id="{055C73DB-83E0-EC96-758E-996068DFF9BF}"/>
+              </a:ext>
+            </a:extLst>
+          </p:cNvPr>
+          <p:cNvSpPr txBox="1"/>
+          <p:nvPr/>
+        </p:nvSpPr>
+        <p:spPr>
+          <a:xfrm>
+            <a:off x="235598" y="2946795"/>
+            <a:ext cx="4474030" cy="261610"/>
+          </a:xfrm>
+          <a:prstGeom prst="rect">
+            <a:avLst/>
+          </a:prstGeom>
+          <a:noFill/>
+        </p:spPr>
+        <p:txBody>
+          <a:bodyPr wrap="square" rtlCol="0">
+            <a:spAutoFit/>
+          </a:bodyPr>
+          <a:lstStyle/>
+          <a:p>
+            <a:r>
+              <a:rPr lang="en-SG" sz="1100" dirty="0"/>
+              <a:t>2) Deployment to the different Environments</a:t>
+            </a:r>
+            <a:endParaRPr lang="en-GB" sz="1100" dirty="0"/>
+          </a:p>
+        </p:txBody>
+      </p:sp>
+      <p:sp>
+        <p:nvSpPr>
+          <p:cNvPr id="8" name="Rectangle 7">
+            <a:extLst>
+              <a:ext uri="{FF2B5EF4-FFF2-40B4-BE49-F238E27FC236}">
+                <a16:creationId xmlns:a16="http://schemas.microsoft.com/office/drawing/2014/main" id="{F9643BBA-1566-6217-BADB-CED8F80FCC7B}"/>
+              </a:ext>
+            </a:extLst>
+          </p:cNvPr>
+          <p:cNvSpPr/>
+          <p:nvPr/>
+        </p:nvSpPr>
+        <p:spPr>
+          <a:xfrm>
+            <a:off x="4653054" y="544904"/>
+            <a:ext cx="1156219" cy="323279"/>
+          </a:xfrm>
+          <a:prstGeom prst="rect">
+            <a:avLst/>
+          </a:prstGeom>
+          <a:solidFill>
+            <a:schemeClr val="accent6">
+              <a:lumMod val="75000"/>
+            </a:schemeClr>
+          </a:solidFill>
+        </p:spPr>
+        <p:style>
+          <a:lnRef idx="2">
+            <a:schemeClr val="accent1">
+              <a:shade val="50000"/>
+            </a:schemeClr>
+          </a:lnRef>
+          <a:fillRef idx="1">
+            <a:schemeClr val="accent1"/>
+          </a:fillRef>
+          <a:effectRef idx="0">
+            <a:schemeClr val="accent1"/>
+          </a:effectRef>
+          <a:fontRef idx="minor">
+            <a:schemeClr val="lt1"/>
+          </a:fontRef>
+        </p:style>
+        <p:txBody>
+          <a:bodyPr rtlCol="0" anchor="ctr"/>
+          <a:lstStyle/>
+          <a:p>
+            <a:pPr algn="ctr"/>
+            <a:r>
+              <a:rPr lang="en-SG" sz="1000" dirty="0"/>
+              <a:t>2.1) Pre-deployment</a:t>
+            </a:r>
+            <a:endParaRPr lang="en-GB" sz="1000" dirty="0"/>
+          </a:p>
+        </p:txBody>
+      </p:sp>
+      <p:sp>
+        <p:nvSpPr>
+          <p:cNvPr id="9" name="Rectangle 8">
+            <a:extLst>
+              <a:ext uri="{FF2B5EF4-FFF2-40B4-BE49-F238E27FC236}">
+                <a16:creationId xmlns:a16="http://schemas.microsoft.com/office/drawing/2014/main" id="{518503C0-AD1E-682C-F72D-D8B64CB6F72B}"/>
+              </a:ext>
+            </a:extLst>
+          </p:cNvPr>
+          <p:cNvSpPr/>
+          <p:nvPr/>
+        </p:nvSpPr>
+        <p:spPr>
+          <a:xfrm>
+            <a:off x="4653054" y="864849"/>
+            <a:ext cx="1156219" cy="317241"/>
+          </a:xfrm>
+          <a:prstGeom prst="rect">
+            <a:avLst/>
+          </a:prstGeom>
+          <a:solidFill>
+            <a:schemeClr val="accent6">
+              <a:lumMod val="75000"/>
+            </a:schemeClr>
+          </a:solidFill>
+        </p:spPr>
+        <p:style>
+          <a:lnRef idx="2">
+            <a:schemeClr val="accent1">
+              <a:shade val="50000"/>
+            </a:schemeClr>
+          </a:lnRef>
+          <a:fillRef idx="1">
+            <a:schemeClr val="accent1"/>
+          </a:fillRef>
+          <a:effectRef idx="0">
+            <a:schemeClr val="accent1"/>
+          </a:effectRef>
+          <a:fontRef idx="minor">
+            <a:schemeClr val="lt1"/>
+          </a:fontRef>
+        </p:style>
+        <p:txBody>
+          <a:bodyPr rtlCol="0" anchor="ctr"/>
+          <a:lstStyle/>
+          <a:p>
+            <a:pPr algn="ctr"/>
+            <a:r>
+              <a:rPr lang="en-SG" sz="1000" dirty="0"/>
+              <a:t>2.2) Deployment</a:t>
+            </a:r>
+            <a:endParaRPr lang="en-GB" sz="1000" dirty="0"/>
+          </a:p>
+        </p:txBody>
+      </p:sp>
+      <p:sp>
+        <p:nvSpPr>
+          <p:cNvPr id="10" name="Rectangle 9">
+            <a:extLst>
+              <a:ext uri="{FF2B5EF4-FFF2-40B4-BE49-F238E27FC236}">
+                <a16:creationId xmlns:a16="http://schemas.microsoft.com/office/drawing/2014/main" id="{BFC1D264-AF02-01FA-D71B-A412DA44E8EE}"/>
+              </a:ext>
+            </a:extLst>
+          </p:cNvPr>
+          <p:cNvSpPr/>
+          <p:nvPr/>
+        </p:nvSpPr>
+        <p:spPr>
+          <a:xfrm>
+            <a:off x="4653055" y="1181461"/>
+            <a:ext cx="1156218" cy="329316"/>
+          </a:xfrm>
+          <a:prstGeom prst="rect">
+            <a:avLst/>
+          </a:prstGeom>
+          <a:solidFill>
+            <a:schemeClr val="accent6">
+              <a:lumMod val="75000"/>
+            </a:schemeClr>
+          </a:solidFill>
+        </p:spPr>
+        <p:style>
+          <a:lnRef idx="2">
+            <a:schemeClr val="accent1">
+              <a:shade val="50000"/>
+            </a:schemeClr>
+          </a:lnRef>
+          <a:fillRef idx="1">
+            <a:schemeClr val="accent1"/>
+          </a:fillRef>
+          <a:effectRef idx="0">
+            <a:schemeClr val="accent1"/>
+          </a:effectRef>
+          <a:fontRef idx="minor">
+            <a:schemeClr val="lt1"/>
+          </a:fontRef>
+        </p:style>
+        <p:txBody>
+          <a:bodyPr rtlCol="0" anchor="ctr"/>
+          <a:lstStyle/>
+          <a:p>
+            <a:pPr algn="ctr"/>
+            <a:r>
+              <a:rPr lang="en-SG" sz="1000" dirty="0"/>
+              <a:t>2.3) Post Deployment</a:t>
+            </a:r>
+            <a:endParaRPr lang="en-GB" sz="1000" dirty="0"/>
+          </a:p>
+        </p:txBody>
+      </p:sp>
+      <p:cxnSp>
+        <p:nvCxnSpPr>
+          <p:cNvPr id="13" name="Straight Connector 12">
+            <a:extLst>
+              <a:ext uri="{FF2B5EF4-FFF2-40B4-BE49-F238E27FC236}">
+                <a16:creationId xmlns:a16="http://schemas.microsoft.com/office/drawing/2014/main" id="{A263E946-CD24-4C58-D542-D28933ABC423}"/>
+              </a:ext>
+            </a:extLst>
+          </p:cNvPr>
+          <p:cNvCxnSpPr>
+            <a:cxnSpLocks/>
+          </p:cNvCxnSpPr>
+          <p:nvPr/>
+        </p:nvCxnSpPr>
+        <p:spPr>
+          <a:xfrm flipV="1">
+            <a:off x="3917691" y="544904"/>
+            <a:ext cx="735363" cy="164223"/>
+          </a:xfrm>
+          <a:prstGeom prst="line">
+            <a:avLst/>
+          </a:prstGeom>
+          <a:ln>
+            <a:solidFill>
+              <a:schemeClr val="accent6">
+                <a:lumMod val="75000"/>
+              </a:schemeClr>
+            </a:solidFill>
+          </a:ln>
+        </p:spPr>
+        <p:style>
+          <a:lnRef idx="1">
+            <a:schemeClr val="accent1"/>
+          </a:lnRef>
+          <a:fillRef idx="0">
+            <a:schemeClr val="accent1"/>
+          </a:fillRef>
+          <a:effectRef idx="0">
+            <a:schemeClr val="accent1"/>
+          </a:effectRef>
+          <a:fontRef idx="minor">
+            <a:schemeClr val="tx1"/>
+          </a:fontRef>
+        </p:style>
+      </p:cxnSp>
+      <p:cxnSp>
+        <p:nvCxnSpPr>
+          <p:cNvPr id="15" name="Straight Connector 14">
+            <a:extLst>
+              <a:ext uri="{FF2B5EF4-FFF2-40B4-BE49-F238E27FC236}">
+                <a16:creationId xmlns:a16="http://schemas.microsoft.com/office/drawing/2014/main" id="{957C2A41-9AE7-3BE6-D3AF-6C25A5997288}"/>
+              </a:ext>
+            </a:extLst>
+          </p:cNvPr>
+          <p:cNvCxnSpPr>
+            <a:cxnSpLocks/>
+          </p:cNvCxnSpPr>
+          <p:nvPr/>
+        </p:nvCxnSpPr>
+        <p:spPr>
+          <a:xfrm>
+            <a:off x="3917691" y="1343608"/>
+            <a:ext cx="735363" cy="167169"/>
+          </a:xfrm>
+          <a:prstGeom prst="line">
+            <a:avLst/>
+          </a:prstGeom>
+          <a:ln>
+            <a:solidFill>
+              <a:schemeClr val="accent6">
+                <a:lumMod val="75000"/>
+              </a:schemeClr>
+            </a:solidFill>
+          </a:ln>
+        </p:spPr>
+        <p:style>
+          <a:lnRef idx="1">
+            <a:schemeClr val="accent1"/>
+          </a:lnRef>
+          <a:fillRef idx="0">
+            <a:schemeClr val="accent1"/>
+          </a:fillRef>
+          <a:effectRef idx="0">
+            <a:schemeClr val="accent1"/>
+          </a:effectRef>
+          <a:fontRef idx="minor">
+            <a:schemeClr val="tx1"/>
+          </a:fontRef>
+        </p:style>
+      </p:cxnSp>
+      <p:sp>
+        <p:nvSpPr>
+          <p:cNvPr id="29" name="TextBox 28">
+            <a:extLst>
+              <a:ext uri="{FF2B5EF4-FFF2-40B4-BE49-F238E27FC236}">
+                <a16:creationId xmlns:a16="http://schemas.microsoft.com/office/drawing/2014/main" id="{F39218D4-D72C-C800-1A0E-3DF116CCA0C3}"/>
+              </a:ext>
+            </a:extLst>
+          </p:cNvPr>
+          <p:cNvSpPr txBox="1"/>
+          <p:nvPr/>
+        </p:nvSpPr>
+        <p:spPr>
+          <a:xfrm>
+            <a:off x="235598" y="3342691"/>
+            <a:ext cx="4474030" cy="938719"/>
+          </a:xfrm>
+          <a:prstGeom prst="rect">
+            <a:avLst/>
+          </a:prstGeom>
+          <a:noFill/>
+        </p:spPr>
+        <p:txBody>
+          <a:bodyPr wrap="square" rtlCol="0">
+            <a:spAutoFit/>
+          </a:bodyPr>
+          <a:lstStyle/>
+          <a:p>
+            <a:r>
+              <a:rPr lang="en-SG" sz="1100" dirty="0"/>
+              <a:t>2.1) Pre-Deployment</a:t>
+            </a:r>
+          </a:p>
+          <a:p>
+            <a:r>
+              <a:rPr lang="en-SG" sz="1100" dirty="0"/>
+              <a:t>- Check AKS Kubernetes and Flux Pods</a:t>
+            </a:r>
+          </a:p>
+          <a:p>
+            <a:r>
+              <a:rPr lang="en-SG" sz="1100" dirty="0"/>
+              <a:t>- Check Swagger and APIM Files if they exist</a:t>
+            </a:r>
+          </a:p>
+          <a:p>
+            <a:r>
+              <a:rPr lang="en-SG" sz="1100" dirty="0"/>
+              <a:t>- Perform CWP Security Scan and verify image signature </a:t>
+            </a:r>
+            <a:br>
+              <a:rPr lang="en-SG" sz="1100" dirty="0"/>
+            </a:br>
+            <a:endParaRPr lang="en-GB" sz="1100" dirty="0"/>
+          </a:p>
+        </p:txBody>
+      </p:sp>
+      <p:sp>
+        <p:nvSpPr>
+          <p:cNvPr id="30" name="TextBox 29">
+            <a:extLst>
+              <a:ext uri="{FF2B5EF4-FFF2-40B4-BE49-F238E27FC236}">
+                <a16:creationId xmlns:a16="http://schemas.microsoft.com/office/drawing/2014/main" id="{BB1D5FD0-D8D2-801C-A179-2F3B92E41EC7}"/>
+              </a:ext>
+            </a:extLst>
+          </p:cNvPr>
+          <p:cNvSpPr txBox="1"/>
+          <p:nvPr/>
+        </p:nvSpPr>
+        <p:spPr>
+          <a:xfrm>
+            <a:off x="235598" y="4308329"/>
+            <a:ext cx="4474030" cy="1785104"/>
+          </a:xfrm>
+          <a:prstGeom prst="rect">
+            <a:avLst/>
+          </a:prstGeom>
+          <a:noFill/>
+        </p:spPr>
+        <p:txBody>
+          <a:bodyPr wrap="square" rtlCol="0">
+            <a:spAutoFit/>
+          </a:bodyPr>
+          <a:lstStyle/>
+          <a:p>
+            <a:r>
+              <a:rPr lang="en-SG" sz="1100" dirty="0"/>
+              <a:t>2.2) Deployment</a:t>
+            </a:r>
+            <a:br>
+              <a:rPr lang="en-SG" sz="1100" dirty="0"/>
+            </a:br>
+            <a:r>
+              <a:rPr lang="en-SG" sz="1100" dirty="0"/>
+              <a:t>AKS:</a:t>
+            </a:r>
+            <a:br>
+              <a:rPr lang="en-SG" sz="1100" dirty="0"/>
+            </a:br>
+            <a:r>
+              <a:rPr lang="en-SG" sz="1100" dirty="0"/>
+              <a:t>- Verify Helm Release File. </a:t>
+            </a:r>
+          </a:p>
+          <a:p>
+            <a:r>
+              <a:rPr lang="en-SG" sz="1100" dirty="0"/>
+              <a:t>- Bake the Helm Release File with the L4-configurations and update the L4 repo .releases/ folder with the new changes</a:t>
+            </a:r>
+          </a:p>
+          <a:p>
+            <a:r>
+              <a:rPr lang="en-GB" sz="1100" dirty="0"/>
+              <a:t>-</a:t>
+            </a:r>
+          </a:p>
+          <a:p>
+            <a:br>
+              <a:rPr lang="en-GB" sz="1100" dirty="0"/>
+            </a:br>
+            <a:r>
+              <a:rPr lang="en-GB" sz="1100" dirty="0"/>
+              <a:t>APIM and Swagger:</a:t>
+            </a:r>
+            <a:br>
+              <a:rPr lang="en-GB" sz="1100" dirty="0"/>
+            </a:br>
+            <a:r>
+              <a:rPr lang="en-GB" sz="1100" dirty="0"/>
+              <a:t>- Deploy the API into the APIM in AZDO</a:t>
+            </a:r>
+          </a:p>
+          <a:p>
+            <a:r>
+              <a:rPr lang="en-GB" sz="1100" dirty="0"/>
+              <a:t>- Deploy the API Policies </a:t>
+            </a:r>
+          </a:p>
+        </p:txBody>
+      </p:sp>
+      <p:sp>
+        <p:nvSpPr>
+          <p:cNvPr id="31" name="TextBox 30">
+            <a:extLst>
+              <a:ext uri="{FF2B5EF4-FFF2-40B4-BE49-F238E27FC236}">
+                <a16:creationId xmlns:a16="http://schemas.microsoft.com/office/drawing/2014/main" id="{A5EA5CF1-6C76-F544-451C-3F7AF59508AB}"/>
+              </a:ext>
+            </a:extLst>
+          </p:cNvPr>
+          <p:cNvSpPr txBox="1"/>
+          <p:nvPr/>
+        </p:nvSpPr>
+        <p:spPr>
+          <a:xfrm>
+            <a:off x="5593044" y="1873790"/>
+            <a:ext cx="4474030" cy="1785104"/>
+          </a:xfrm>
+          <a:prstGeom prst="rect">
+            <a:avLst/>
+          </a:prstGeom>
+          <a:noFill/>
+        </p:spPr>
+        <p:txBody>
+          <a:bodyPr wrap="square" rtlCol="0">
+            <a:spAutoFit/>
+          </a:bodyPr>
+          <a:lstStyle/>
+          <a:p>
+            <a:r>
+              <a:rPr lang="en-SG" sz="1100" dirty="0"/>
+              <a:t>2.3) Post-Deployment</a:t>
+            </a:r>
+            <a:br>
+              <a:rPr lang="en-SG" sz="1100" dirty="0"/>
+            </a:br>
+            <a:r>
+              <a:rPr lang="en-SG" sz="1100" dirty="0"/>
+              <a:t>AKS:</a:t>
+            </a:r>
+          </a:p>
+          <a:p>
+            <a:r>
+              <a:rPr lang="en-SG" sz="1100" dirty="0"/>
+              <a:t>- Check the Source, </a:t>
+            </a:r>
+            <a:r>
+              <a:rPr lang="en-SG" sz="1100" dirty="0" err="1"/>
+              <a:t>Kustomization</a:t>
+            </a:r>
+            <a:r>
+              <a:rPr lang="en-SG" sz="1100" dirty="0"/>
+              <a:t> and controller pod are running</a:t>
+            </a:r>
+            <a:br>
+              <a:rPr lang="en-SG" sz="1100" dirty="0"/>
+            </a:br>
+            <a:r>
+              <a:rPr lang="en-SG" sz="1100" dirty="0"/>
+              <a:t>- Check if the Helm Release deployment is updated</a:t>
+            </a:r>
+          </a:p>
+          <a:p>
+            <a:r>
+              <a:rPr lang="en-SG" sz="1100" dirty="0"/>
+              <a:t>- Check if migration deployment is successful</a:t>
+            </a:r>
+          </a:p>
+          <a:p>
+            <a:r>
+              <a:rPr lang="en-GB" sz="1100" dirty="0"/>
+              <a:t>- Check the status of the different pod type (Webapp, Outbox, PDF Service, Bulk) and output the event and logs </a:t>
+            </a:r>
+          </a:p>
+          <a:p>
+            <a:endParaRPr lang="en-GB" sz="1100" dirty="0"/>
+          </a:p>
+          <a:p>
+            <a:r>
+              <a:rPr lang="en-GB" sz="1100" dirty="0"/>
+              <a:t>APIM: </a:t>
+            </a:r>
+          </a:p>
+          <a:p>
+            <a:r>
+              <a:rPr lang="en-GB" sz="1100" dirty="0"/>
+              <a:t>- Check if the API are deployed in the API Management Service</a:t>
+            </a:r>
           </a:p>
         </p:txBody>
       </p:sp>
@@ -4579,7 +8447,7 @@
         <p:spPr>
           <a:xfrm>
             <a:off x="326571" y="204107"/>
-            <a:ext cx="721672" cy="369332"/>
+            <a:ext cx="2616998" cy="369332"/>
           </a:xfrm>
           <a:prstGeom prst="rect">
             <a:avLst/>
@@ -4594,114 +8462,7 @@
           <a:p>
             <a:r>
               <a:rPr lang="en-SG" dirty="0"/>
-              <a:t>MS CI</a:t>
-            </a:r>
-            <a:endParaRPr lang="en-GB" dirty="0"/>
-          </a:p>
-        </p:txBody>
-      </p:sp>
-      <p:sp>
-        <p:nvSpPr>
-          <p:cNvPr id="12" name="TextBox 11">
-            <a:extLst>
-              <a:ext uri="{FF2B5EF4-FFF2-40B4-BE49-F238E27FC236}">
-                <a16:creationId xmlns:a16="http://schemas.microsoft.com/office/drawing/2014/main" id="{6EF530AE-F1DF-F90B-4722-7E86A9C1FAD6}"/>
-              </a:ext>
-            </a:extLst>
-          </p:cNvPr>
-          <p:cNvSpPr txBox="1"/>
-          <p:nvPr/>
-        </p:nvSpPr>
-        <p:spPr>
-          <a:xfrm>
-            <a:off x="2424793" y="2959640"/>
-            <a:ext cx="4474030" cy="938719"/>
-          </a:xfrm>
-          <a:prstGeom prst="rect">
-            <a:avLst/>
-          </a:prstGeom>
-          <a:noFill/>
-        </p:spPr>
-        <p:txBody>
-          <a:bodyPr wrap="square" rtlCol="0">
-            <a:spAutoFit/>
-          </a:bodyPr>
-          <a:lstStyle/>
-          <a:p>
-            <a:r>
-              <a:rPr lang="en-SG" sz="1100" dirty="0"/>
-              <a:t>App will do the deployment to the different type of app services. The general flow is:</a:t>
-            </a:r>
-            <a:br>
-              <a:rPr lang="en-SG" sz="1100" dirty="0"/>
-            </a:br>
-            <a:r>
-              <a:rPr lang="en-SG" sz="1100" dirty="0"/>
-              <a:t>1) Validate the Artifact (Taken from App-Ci pipeline build id</a:t>
-            </a:r>
-            <a:br>
-              <a:rPr lang="en-SG" sz="1100" dirty="0"/>
-            </a:br>
-            <a:r>
-              <a:rPr lang="en-SG" sz="1100" dirty="0"/>
-              <a:t>2) Before deployment to different Env, ask for approval (App Leads)</a:t>
-            </a:r>
-            <a:br>
-              <a:rPr lang="en-SG" sz="1100" dirty="0"/>
-            </a:br>
-            <a:r>
-              <a:rPr lang="en-SG" sz="1100" dirty="0"/>
-              <a:t>3) Does Pre-check, deployment and post-deployment checks</a:t>
-            </a:r>
-            <a:endParaRPr lang="en-GB" sz="1100" dirty="0"/>
-          </a:p>
-        </p:txBody>
-      </p:sp>
-      <p:sp>
-        <p:nvSpPr>
-          <p:cNvPr id="2" name="Rectangle 1">
-            <a:extLst>
-              <a:ext uri="{FF2B5EF4-FFF2-40B4-BE49-F238E27FC236}">
-                <a16:creationId xmlns:a16="http://schemas.microsoft.com/office/drawing/2014/main" id="{375C3FBE-BA61-F9CB-DC03-947EF7CAAC14}"/>
-              </a:ext>
-            </a:extLst>
-          </p:cNvPr>
-          <p:cNvSpPr/>
-          <p:nvPr/>
-        </p:nvSpPr>
-        <p:spPr>
-          <a:xfrm>
-            <a:off x="326571" y="709127"/>
-            <a:ext cx="1492898" cy="634481"/>
-          </a:xfrm>
-          <a:prstGeom prst="rect">
-            <a:avLst/>
-          </a:prstGeom>
-        </p:spPr>
-        <p:style>
-          <a:lnRef idx="2">
-            <a:schemeClr val="accent1">
-              <a:shade val="50000"/>
-            </a:schemeClr>
-          </a:lnRef>
-          <a:fillRef idx="1">
-            <a:schemeClr val="accent1"/>
-          </a:fillRef>
-          <a:effectRef idx="0">
-            <a:schemeClr val="accent1"/>
-          </a:effectRef>
-          <a:fontRef idx="minor">
-            <a:schemeClr val="lt1"/>
-          </a:fontRef>
-        </p:style>
-        <p:txBody>
-          <a:bodyPr rtlCol="0" anchor="ctr"/>
-          <a:lstStyle/>
-          <a:p>
-            <a:pPr algn="ctr"/>
-            <a:r>
-              <a:rPr lang="en-SG" dirty="0"/>
-              <a:t>App Repo</a:t>
+              <a:t>MS Network Architecture </a:t>
             </a:r>
             <a:endParaRPr lang="en-GB" dirty="0"/>
           </a:p>
@@ -4710,7 +8471,7 @@
     </p:spTree>
     <p:extLst>
       <p:ext uri="{BB962C8B-B14F-4D97-AF65-F5344CB8AC3E}">
-        <p14:creationId xmlns:p14="http://schemas.microsoft.com/office/powerpoint/2010/main" val="2844388761"/>
+        <p14:creationId xmlns:p14="http://schemas.microsoft.com/office/powerpoint/2010/main" val="3131428377"/>
       </p:ext>
     </p:extLst>
   </p:cSld>
@@ -4752,7 +8513,7 @@
         <p:spPr>
           <a:xfrm>
             <a:off x="326571" y="204107"/>
-            <a:ext cx="721672" cy="369332"/>
+            <a:ext cx="800219" cy="369332"/>
           </a:xfrm>
           <a:prstGeom prst="rect">
             <a:avLst/>
@@ -4767,7 +8528,7 @@
           <a:p>
             <a:r>
               <a:rPr lang="en-SG" dirty="0"/>
-              <a:t>MS CI</a:t>
+              <a:t>ADF CI</a:t>
             </a:r>
             <a:endParaRPr lang="en-GB" dirty="0"/>
           </a:p>
@@ -4873,17 +8634,179 @@
           <a:p>
             <a:pPr algn="ctr"/>
             <a:r>
-              <a:rPr lang="en-SG" dirty="0"/>
-              <a:t>App Repo</a:t>
-            </a:r>
-            <a:endParaRPr lang="en-GB" dirty="0"/>
+              <a:rPr lang="en-SG" sz="1400" dirty="0"/>
+              <a:t>1) App Repo Feature Branch</a:t>
+            </a:r>
+            <a:endParaRPr lang="en-GB" sz="1400" dirty="0"/>
+          </a:p>
+        </p:txBody>
+      </p:sp>
+      <p:sp>
+        <p:nvSpPr>
+          <p:cNvPr id="4" name="Rectangle 3">
+            <a:extLst>
+              <a:ext uri="{FF2B5EF4-FFF2-40B4-BE49-F238E27FC236}">
+                <a16:creationId xmlns:a16="http://schemas.microsoft.com/office/drawing/2014/main" id="{E6FCC7D0-DBAB-88D9-3EBA-F636E2860E4B}"/>
+              </a:ext>
+            </a:extLst>
+          </p:cNvPr>
+          <p:cNvSpPr/>
+          <p:nvPr/>
+        </p:nvSpPr>
+        <p:spPr>
+          <a:xfrm>
+            <a:off x="2424793" y="709127"/>
+            <a:ext cx="1492898" cy="634481"/>
+          </a:xfrm>
+          <a:prstGeom prst="rect">
+            <a:avLst/>
+          </a:prstGeom>
+        </p:spPr>
+        <p:style>
+          <a:lnRef idx="2">
+            <a:schemeClr val="accent1">
+              <a:shade val="50000"/>
+            </a:schemeClr>
+          </a:lnRef>
+          <a:fillRef idx="1">
+            <a:schemeClr val="accent1"/>
+          </a:fillRef>
+          <a:effectRef idx="0">
+            <a:schemeClr val="accent1"/>
+          </a:effectRef>
+          <a:fontRef idx="minor">
+            <a:schemeClr val="lt1"/>
+          </a:fontRef>
+        </p:style>
+        <p:txBody>
+          <a:bodyPr rtlCol="0" anchor="ctr"/>
+          <a:lstStyle/>
+          <a:p>
+            <a:pPr algn="ctr"/>
+            <a:r>
+              <a:rPr lang="en-SG" sz="1400" dirty="0"/>
+              <a:t>2) Master</a:t>
+            </a:r>
+            <a:endParaRPr lang="en-GB" sz="1400" dirty="0"/>
+          </a:p>
+        </p:txBody>
+      </p:sp>
+      <p:sp>
+        <p:nvSpPr>
+          <p:cNvPr id="5" name="Rectangle 4">
+            <a:extLst>
+              <a:ext uri="{FF2B5EF4-FFF2-40B4-BE49-F238E27FC236}">
+                <a16:creationId xmlns:a16="http://schemas.microsoft.com/office/drawing/2014/main" id="{24BF9F32-2252-3880-D8F0-3BFC81196D4E}"/>
+              </a:ext>
+            </a:extLst>
+          </p:cNvPr>
+          <p:cNvSpPr/>
+          <p:nvPr/>
+        </p:nvSpPr>
+        <p:spPr>
+          <a:xfrm>
+            <a:off x="6898823" y="697284"/>
+            <a:ext cx="1492898" cy="634481"/>
+          </a:xfrm>
+          <a:prstGeom prst="rect">
+            <a:avLst/>
+          </a:prstGeom>
+        </p:spPr>
+        <p:style>
+          <a:lnRef idx="2">
+            <a:schemeClr val="accent1">
+              <a:shade val="50000"/>
+            </a:schemeClr>
+          </a:lnRef>
+          <a:fillRef idx="1">
+            <a:schemeClr val="accent1"/>
+          </a:fillRef>
+          <a:effectRef idx="0">
+            <a:schemeClr val="accent1"/>
+          </a:effectRef>
+          <a:fontRef idx="minor">
+            <a:schemeClr val="lt1"/>
+          </a:fontRef>
+        </p:style>
+        <p:txBody>
+          <a:bodyPr rtlCol="0" anchor="ctr"/>
+          <a:lstStyle/>
+          <a:p>
+            <a:pPr algn="ctr"/>
+            <a:r>
+              <a:rPr lang="en-SG" sz="1400"/>
+              <a:t>4) App </a:t>
+            </a:r>
+            <a:r>
+              <a:rPr lang="en-SG" sz="1400" dirty="0"/>
+              <a:t>Repo Publish Master Branch</a:t>
+            </a:r>
+            <a:endParaRPr lang="en-GB" sz="1400" dirty="0"/>
+          </a:p>
+        </p:txBody>
+      </p:sp>
+      <p:sp>
+        <p:nvSpPr>
+          <p:cNvPr id="7" name="Rectangle 6">
+            <a:extLst>
+              <a:ext uri="{FF2B5EF4-FFF2-40B4-BE49-F238E27FC236}">
+                <a16:creationId xmlns:a16="http://schemas.microsoft.com/office/drawing/2014/main" id="{4880FE92-5351-979F-2FF3-5C450FAC5901}"/>
+              </a:ext>
+            </a:extLst>
+          </p:cNvPr>
+          <p:cNvSpPr/>
+          <p:nvPr/>
+        </p:nvSpPr>
+        <p:spPr>
+          <a:xfrm>
+            <a:off x="4661808" y="697285"/>
+            <a:ext cx="1492898" cy="634481"/>
+          </a:xfrm>
+          <a:prstGeom prst="rect">
+            <a:avLst/>
+          </a:prstGeom>
+        </p:spPr>
+        <p:style>
+          <a:lnRef idx="2">
+            <a:schemeClr val="accent1">
+              <a:shade val="50000"/>
+            </a:schemeClr>
+          </a:lnRef>
+          <a:fillRef idx="1">
+            <a:schemeClr val="accent1"/>
+          </a:fillRef>
+          <a:effectRef idx="0">
+            <a:schemeClr val="accent1"/>
+          </a:effectRef>
+          <a:fontRef idx="minor">
+            <a:schemeClr val="lt1"/>
+          </a:fontRef>
+        </p:style>
+        <p:txBody>
+          <a:bodyPr rtlCol="0" anchor="ctr"/>
+          <a:lstStyle/>
+          <a:p>
+            <a:pPr algn="ctr"/>
+            <a:r>
+              <a:rPr lang="en-SG" sz="1400" dirty="0"/>
+              <a:t>3) App Repo </a:t>
+            </a:r>
+            <a:r>
+              <a:rPr lang="en-SG" sz="1400" dirty="0" err="1"/>
+              <a:t>ADF_Publish</a:t>
+            </a:r>
+            <a:r>
+              <a:rPr lang="en-SG" sz="1400" dirty="0"/>
+              <a:t> branch</a:t>
+            </a:r>
+            <a:endParaRPr lang="en-GB" sz="1400" dirty="0"/>
           </a:p>
         </p:txBody>
       </p:sp>
     </p:spTree>
     <p:extLst>
       <p:ext uri="{BB962C8B-B14F-4D97-AF65-F5344CB8AC3E}">
-        <p14:creationId xmlns:p14="http://schemas.microsoft.com/office/powerpoint/2010/main" val="3662238742"/>
+        <p14:creationId xmlns:p14="http://schemas.microsoft.com/office/powerpoint/2010/main" val="2844388761"/>
       </p:ext>
     </p:extLst>
   </p:cSld>
@@ -4925,7 +8848,7 @@
         <p:spPr>
           <a:xfrm>
             <a:off x="326571" y="204107"/>
-            <a:ext cx="721672" cy="369332"/>
+            <a:ext cx="885179" cy="369332"/>
           </a:xfrm>
           <a:prstGeom prst="rect">
             <a:avLst/>
@@ -4940,7 +8863,7 @@
           <a:p>
             <a:r>
               <a:rPr lang="en-SG" dirty="0"/>
-              <a:t>MS CI</a:t>
+              <a:t>ADF CD</a:t>
             </a:r>
             <a:endParaRPr lang="en-GB" dirty="0"/>
           </a:p>
@@ -5005,10 +8928,10 @@
       </p:sp>
       <p:sp>
         <p:nvSpPr>
-          <p:cNvPr id="2" name="Rectangle 1">
-            <a:extLst>
-              <a:ext uri="{FF2B5EF4-FFF2-40B4-BE49-F238E27FC236}">
-                <a16:creationId xmlns:a16="http://schemas.microsoft.com/office/drawing/2014/main" id="{375C3FBE-BA61-F9CB-DC03-947EF7CAAC14}"/>
+          <p:cNvPr id="3" name="Rectangle 2">
+            <a:extLst>
+              <a:ext uri="{FF2B5EF4-FFF2-40B4-BE49-F238E27FC236}">
+                <a16:creationId xmlns:a16="http://schemas.microsoft.com/office/drawing/2014/main" id="{B86EB079-F370-79DB-E3A5-161F1E9751E0}"/>
               </a:ext>
             </a:extLst>
           </p:cNvPr>
@@ -5046,17 +8969,322 @@
           <a:p>
             <a:pPr algn="ctr"/>
             <a:r>
-              <a:rPr lang="en-SG" dirty="0"/>
-              <a:t>App Repo</a:t>
-            </a:r>
-            <a:endParaRPr lang="en-GB" dirty="0"/>
-          </a:p>
-        </p:txBody>
-      </p:sp>
+              <a:rPr lang="en-SG" sz="1400" dirty="0"/>
+              <a:t>1) Initialise</a:t>
+            </a:r>
+            <a:endParaRPr lang="en-GB" sz="1400" dirty="0"/>
+          </a:p>
+        </p:txBody>
+      </p:sp>
+      <p:sp>
+        <p:nvSpPr>
+          <p:cNvPr id="4" name="Rectangle 3">
+            <a:extLst>
+              <a:ext uri="{FF2B5EF4-FFF2-40B4-BE49-F238E27FC236}">
+                <a16:creationId xmlns:a16="http://schemas.microsoft.com/office/drawing/2014/main" id="{5C08E07A-2457-904F-0469-8F36AF553A5F}"/>
+              </a:ext>
+            </a:extLst>
+          </p:cNvPr>
+          <p:cNvSpPr/>
+          <p:nvPr/>
+        </p:nvSpPr>
+        <p:spPr>
+          <a:xfrm>
+            <a:off x="2424793" y="709127"/>
+            <a:ext cx="1492898" cy="634481"/>
+          </a:xfrm>
+          <a:prstGeom prst="rect">
+            <a:avLst/>
+          </a:prstGeom>
+        </p:spPr>
+        <p:style>
+          <a:lnRef idx="2">
+            <a:schemeClr val="accent1">
+              <a:shade val="50000"/>
+            </a:schemeClr>
+          </a:lnRef>
+          <a:fillRef idx="1">
+            <a:schemeClr val="accent1"/>
+          </a:fillRef>
+          <a:effectRef idx="0">
+            <a:schemeClr val="accent1"/>
+          </a:effectRef>
+          <a:fontRef idx="minor">
+            <a:schemeClr val="lt1"/>
+          </a:fontRef>
+        </p:style>
+        <p:txBody>
+          <a:bodyPr rtlCol="0" anchor="ctr"/>
+          <a:lstStyle/>
+          <a:p>
+            <a:pPr algn="ctr"/>
+            <a:r>
+              <a:rPr lang="en-SG" sz="1400" dirty="0"/>
+              <a:t>2) DEV/SIT/UAT/ORT</a:t>
+            </a:r>
+            <a:endParaRPr lang="en-GB" sz="1400" dirty="0"/>
+          </a:p>
+        </p:txBody>
+      </p:sp>
+      <p:sp>
+        <p:nvSpPr>
+          <p:cNvPr id="5" name="Rectangle 4">
+            <a:extLst>
+              <a:ext uri="{FF2B5EF4-FFF2-40B4-BE49-F238E27FC236}">
+                <a16:creationId xmlns:a16="http://schemas.microsoft.com/office/drawing/2014/main" id="{AEB031B6-F4DD-7B78-DABA-E9027D803EFF}"/>
+              </a:ext>
+            </a:extLst>
+          </p:cNvPr>
+          <p:cNvSpPr/>
+          <p:nvPr/>
+        </p:nvSpPr>
+        <p:spPr>
+          <a:xfrm>
+            <a:off x="4653054" y="544904"/>
+            <a:ext cx="1156219" cy="323279"/>
+          </a:xfrm>
+          <a:prstGeom prst="rect">
+            <a:avLst/>
+          </a:prstGeom>
+          <a:solidFill>
+            <a:schemeClr val="accent6">
+              <a:lumMod val="75000"/>
+            </a:schemeClr>
+          </a:solidFill>
+        </p:spPr>
+        <p:style>
+          <a:lnRef idx="2">
+            <a:schemeClr val="accent1">
+              <a:shade val="50000"/>
+            </a:schemeClr>
+          </a:lnRef>
+          <a:fillRef idx="1">
+            <a:schemeClr val="accent1"/>
+          </a:fillRef>
+          <a:effectRef idx="0">
+            <a:schemeClr val="accent1"/>
+          </a:effectRef>
+          <a:fontRef idx="minor">
+            <a:schemeClr val="lt1"/>
+          </a:fontRef>
+        </p:style>
+        <p:txBody>
+          <a:bodyPr rtlCol="0" anchor="ctr"/>
+          <a:lstStyle/>
+          <a:p>
+            <a:pPr algn="ctr"/>
+            <a:r>
+              <a:rPr lang="en-SG" sz="1000" dirty="0"/>
+              <a:t>2.1) Pre-deployment</a:t>
+            </a:r>
+            <a:endParaRPr lang="en-GB" sz="1000" dirty="0"/>
+          </a:p>
+        </p:txBody>
+      </p:sp>
+      <p:sp>
+        <p:nvSpPr>
+          <p:cNvPr id="7" name="Rectangle 6">
+            <a:extLst>
+              <a:ext uri="{FF2B5EF4-FFF2-40B4-BE49-F238E27FC236}">
+                <a16:creationId xmlns:a16="http://schemas.microsoft.com/office/drawing/2014/main" id="{EF35638D-117F-F3DF-8CE7-1B6CE23F9BA6}"/>
+              </a:ext>
+            </a:extLst>
+          </p:cNvPr>
+          <p:cNvSpPr/>
+          <p:nvPr/>
+        </p:nvSpPr>
+        <p:spPr>
+          <a:xfrm>
+            <a:off x="4653054" y="864849"/>
+            <a:ext cx="1156219" cy="317241"/>
+          </a:xfrm>
+          <a:prstGeom prst="rect">
+            <a:avLst/>
+          </a:prstGeom>
+          <a:solidFill>
+            <a:schemeClr val="accent6">
+              <a:lumMod val="75000"/>
+            </a:schemeClr>
+          </a:solidFill>
+        </p:spPr>
+        <p:style>
+          <a:lnRef idx="2">
+            <a:schemeClr val="accent1">
+              <a:shade val="50000"/>
+            </a:schemeClr>
+          </a:lnRef>
+          <a:fillRef idx="1">
+            <a:schemeClr val="accent1"/>
+          </a:fillRef>
+          <a:effectRef idx="0">
+            <a:schemeClr val="accent1"/>
+          </a:effectRef>
+          <a:fontRef idx="minor">
+            <a:schemeClr val="lt1"/>
+          </a:fontRef>
+        </p:style>
+        <p:txBody>
+          <a:bodyPr rtlCol="0" anchor="ctr"/>
+          <a:lstStyle/>
+          <a:p>
+            <a:pPr algn="ctr"/>
+            <a:r>
+              <a:rPr lang="en-SG" sz="1000" dirty="0"/>
+              <a:t>2.2) Deployment</a:t>
+            </a:r>
+            <a:endParaRPr lang="en-GB" sz="1000" dirty="0"/>
+          </a:p>
+        </p:txBody>
+      </p:sp>
+      <p:sp>
+        <p:nvSpPr>
+          <p:cNvPr id="8" name="Rectangle 7">
+            <a:extLst>
+              <a:ext uri="{FF2B5EF4-FFF2-40B4-BE49-F238E27FC236}">
+                <a16:creationId xmlns:a16="http://schemas.microsoft.com/office/drawing/2014/main" id="{BFB49F50-65EA-A776-0B8B-1714CD281E9F}"/>
+              </a:ext>
+            </a:extLst>
+          </p:cNvPr>
+          <p:cNvSpPr/>
+          <p:nvPr/>
+        </p:nvSpPr>
+        <p:spPr>
+          <a:xfrm>
+            <a:off x="4653055" y="1181461"/>
+            <a:ext cx="1156218" cy="329316"/>
+          </a:xfrm>
+          <a:prstGeom prst="rect">
+            <a:avLst/>
+          </a:prstGeom>
+          <a:solidFill>
+            <a:schemeClr val="accent6">
+              <a:lumMod val="75000"/>
+            </a:schemeClr>
+          </a:solidFill>
+        </p:spPr>
+        <p:style>
+          <a:lnRef idx="2">
+            <a:schemeClr val="accent1">
+              <a:shade val="50000"/>
+            </a:schemeClr>
+          </a:lnRef>
+          <a:fillRef idx="1">
+            <a:schemeClr val="accent1"/>
+          </a:fillRef>
+          <a:effectRef idx="0">
+            <a:schemeClr val="accent1"/>
+          </a:effectRef>
+          <a:fontRef idx="minor">
+            <a:schemeClr val="lt1"/>
+          </a:fontRef>
+        </p:style>
+        <p:txBody>
+          <a:bodyPr rtlCol="0" anchor="ctr"/>
+          <a:lstStyle/>
+          <a:p>
+            <a:pPr algn="ctr"/>
+            <a:r>
+              <a:rPr lang="en-SG" sz="1000" dirty="0"/>
+              <a:t>2.3) Post Deployment</a:t>
+            </a:r>
+            <a:endParaRPr lang="en-GB" sz="1000" dirty="0"/>
+          </a:p>
+        </p:txBody>
+      </p:sp>
+      <p:cxnSp>
+        <p:nvCxnSpPr>
+          <p:cNvPr id="9" name="Straight Connector 8">
+            <a:extLst>
+              <a:ext uri="{FF2B5EF4-FFF2-40B4-BE49-F238E27FC236}">
+                <a16:creationId xmlns:a16="http://schemas.microsoft.com/office/drawing/2014/main" id="{DE312840-3CCF-6A6A-069F-2A9AADB15F34}"/>
+              </a:ext>
+            </a:extLst>
+          </p:cNvPr>
+          <p:cNvCxnSpPr>
+            <a:cxnSpLocks/>
+          </p:cNvCxnSpPr>
+          <p:nvPr/>
+        </p:nvCxnSpPr>
+        <p:spPr>
+          <a:xfrm flipV="1">
+            <a:off x="3917691" y="544904"/>
+            <a:ext cx="735363" cy="164223"/>
+          </a:xfrm>
+          <a:prstGeom prst="line">
+            <a:avLst/>
+          </a:prstGeom>
+          <a:ln>
+            <a:solidFill>
+              <a:schemeClr val="accent6">
+                <a:lumMod val="75000"/>
+              </a:schemeClr>
+            </a:solidFill>
+          </a:ln>
+        </p:spPr>
+        <p:style>
+          <a:lnRef idx="1">
+            <a:schemeClr val="accent1"/>
+          </a:lnRef>
+          <a:fillRef idx="0">
+            <a:schemeClr val="accent1"/>
+          </a:fillRef>
+          <a:effectRef idx="0">
+            <a:schemeClr val="accent1"/>
+          </a:effectRef>
+          <a:fontRef idx="minor">
+            <a:schemeClr val="tx1"/>
+          </a:fontRef>
+        </p:style>
+      </p:cxnSp>
+      <p:cxnSp>
+        <p:nvCxnSpPr>
+          <p:cNvPr id="10" name="Straight Connector 9">
+            <a:extLst>
+              <a:ext uri="{FF2B5EF4-FFF2-40B4-BE49-F238E27FC236}">
+                <a16:creationId xmlns:a16="http://schemas.microsoft.com/office/drawing/2014/main" id="{B17AF177-4477-72B0-E16F-1CF62EBE53CE}"/>
+              </a:ext>
+            </a:extLst>
+          </p:cNvPr>
+          <p:cNvCxnSpPr>
+            <a:cxnSpLocks/>
+          </p:cNvCxnSpPr>
+          <p:nvPr/>
+        </p:nvCxnSpPr>
+        <p:spPr>
+          <a:xfrm>
+            <a:off x="3917691" y="1343608"/>
+            <a:ext cx="735363" cy="167169"/>
+          </a:xfrm>
+          <a:prstGeom prst="line">
+            <a:avLst/>
+          </a:prstGeom>
+          <a:ln>
+            <a:solidFill>
+              <a:schemeClr val="accent6">
+                <a:lumMod val="75000"/>
+              </a:schemeClr>
+            </a:solidFill>
+          </a:ln>
+        </p:spPr>
+        <p:style>
+          <a:lnRef idx="1">
+            <a:schemeClr val="accent1"/>
+          </a:lnRef>
+          <a:fillRef idx="0">
+            <a:schemeClr val="accent1"/>
+          </a:fillRef>
+          <a:effectRef idx="0">
+            <a:schemeClr val="accent1"/>
+          </a:effectRef>
+          <a:fontRef idx="minor">
+            <a:schemeClr val="tx1"/>
+          </a:fontRef>
+        </p:style>
+      </p:cxnSp>
     </p:spTree>
     <p:extLst>
       <p:ext uri="{BB962C8B-B14F-4D97-AF65-F5344CB8AC3E}">
-        <p14:creationId xmlns:p14="http://schemas.microsoft.com/office/powerpoint/2010/main" val="4148560760"/>
+        <p14:creationId xmlns:p14="http://schemas.microsoft.com/office/powerpoint/2010/main" val="2344879377"/>
       </p:ext>
     </p:extLst>
   </p:cSld>
@@ -5098,7 +9326,7 @@
         <p:spPr>
           <a:xfrm>
             <a:off x="326571" y="204107"/>
-            <a:ext cx="721672" cy="369332"/>
+            <a:ext cx="2261132" cy="369332"/>
           </a:xfrm>
           <a:prstGeom prst="rect">
             <a:avLst/>
@@ -5113,7 +9341,7 @@
           <a:p>
             <a:r>
               <a:rPr lang="en-SG" dirty="0"/>
-              <a:t>MS CI</a:t>
+              <a:t>Network Architecture </a:t>
             </a:r>
             <a:endParaRPr lang="en-GB" dirty="0"/>
           </a:p>
@@ -5220,7 +9448,7 @@
             <a:pPr algn="ctr"/>
             <a:r>
               <a:rPr lang="en-SG" dirty="0"/>
-              <a:t>App Repo</a:t>
+              <a:t>Initialise</a:t>
             </a:r>
             <a:endParaRPr lang="en-GB" dirty="0"/>
           </a:p>
@@ -5229,7 +9457,180 @@
     </p:spTree>
     <p:extLst>
       <p:ext uri="{BB962C8B-B14F-4D97-AF65-F5344CB8AC3E}">
-        <p14:creationId xmlns:p14="http://schemas.microsoft.com/office/powerpoint/2010/main" val="3794584062"/>
+        <p14:creationId xmlns:p14="http://schemas.microsoft.com/office/powerpoint/2010/main" val="2971831377"/>
+      </p:ext>
+    </p:extLst>
+  </p:cSld>
+  <p:clrMapOvr>
+    <a:masterClrMapping/>
+  </p:clrMapOvr>
+</p:sld>
+</file>
+
+<file path=ppt/slides/slide9.xml><?xml version="1.0" encoding="utf-8"?>
+<p:sld xmlns:a="http://schemas.openxmlformats.org/drawingml/2006/main" xmlns:r="http://schemas.openxmlformats.org/officeDocument/2006/relationships" xmlns:p="http://schemas.openxmlformats.org/presentationml/2006/main">
+  <p:cSld>
+    <p:spTree>
+      <p:nvGrpSpPr>
+        <p:cNvPr id="1" name=""/>
+        <p:cNvGrpSpPr/>
+        <p:nvPr/>
+      </p:nvGrpSpPr>
+      <p:grpSpPr>
+        <a:xfrm>
+          <a:off x="0" y="0"/>
+          <a:ext cx="0" cy="0"/>
+          <a:chOff x="0" y="0"/>
+          <a:chExt cx="0" cy="0"/>
+        </a:xfrm>
+      </p:grpSpPr>
+      <p:sp>
+        <p:nvSpPr>
+          <p:cNvPr id="6" name="TextBox 5">
+            <a:extLst>
+              <a:ext uri="{FF2B5EF4-FFF2-40B4-BE49-F238E27FC236}">
+                <a16:creationId xmlns:a16="http://schemas.microsoft.com/office/drawing/2014/main" id="{D8540CE0-4136-D6FF-CDD9-AC09A5743E21}"/>
+              </a:ext>
+            </a:extLst>
+          </p:cNvPr>
+          <p:cNvSpPr txBox="1"/>
+          <p:nvPr/>
+        </p:nvSpPr>
+        <p:spPr>
+          <a:xfrm>
+            <a:off x="326571" y="204107"/>
+            <a:ext cx="912429" cy="369332"/>
+          </a:xfrm>
+          <a:prstGeom prst="rect">
+            <a:avLst/>
+          </a:prstGeom>
+          <a:noFill/>
+        </p:spPr>
+        <p:txBody>
+          <a:bodyPr wrap="none" rtlCol="0">
+            <a:spAutoFit/>
+          </a:bodyPr>
+          <a:lstStyle/>
+          <a:p>
+            <a:r>
+              <a:rPr lang="en-SG" dirty="0"/>
+              <a:t>D365 CI</a:t>
+            </a:r>
+            <a:endParaRPr lang="en-GB" dirty="0"/>
+          </a:p>
+        </p:txBody>
+      </p:sp>
+      <p:sp>
+        <p:nvSpPr>
+          <p:cNvPr id="12" name="TextBox 11">
+            <a:extLst>
+              <a:ext uri="{FF2B5EF4-FFF2-40B4-BE49-F238E27FC236}">
+                <a16:creationId xmlns:a16="http://schemas.microsoft.com/office/drawing/2014/main" id="{6EF530AE-F1DF-F90B-4722-7E86A9C1FAD6}"/>
+              </a:ext>
+            </a:extLst>
+          </p:cNvPr>
+          <p:cNvSpPr txBox="1"/>
+          <p:nvPr/>
+        </p:nvSpPr>
+        <p:spPr>
+          <a:xfrm>
+            <a:off x="2424793" y="2959640"/>
+            <a:ext cx="4474030" cy="938719"/>
+          </a:xfrm>
+          <a:prstGeom prst="rect">
+            <a:avLst/>
+          </a:prstGeom>
+          <a:noFill/>
+        </p:spPr>
+        <p:txBody>
+          <a:bodyPr wrap="square" rtlCol="0">
+            <a:spAutoFit/>
+          </a:bodyPr>
+          <a:lstStyle/>
+          <a:p>
+            <a:r>
+              <a:rPr lang="en-SG" sz="1100" dirty="0"/>
+              <a:t>App will do the deployment to the different type of app services. The general flow is:</a:t>
+            </a:r>
+            <a:br>
+              <a:rPr lang="en-SG" sz="1100" dirty="0"/>
+            </a:br>
+            <a:r>
+              <a:rPr lang="en-SG" sz="1100" dirty="0"/>
+              <a:t>1) Validate the Artifact (Taken from App-Ci pipeline build id</a:t>
+            </a:r>
+            <a:br>
+              <a:rPr lang="en-SG" sz="1100" dirty="0"/>
+            </a:br>
+            <a:r>
+              <a:rPr lang="en-SG" sz="1100" dirty="0"/>
+              <a:t>2) Before deployment to different Env, ask for approval (App Leads)</a:t>
+            </a:r>
+            <a:br>
+              <a:rPr lang="en-SG" sz="1100" dirty="0"/>
+            </a:br>
+            <a:r>
+              <a:rPr lang="en-SG" sz="1100" dirty="0"/>
+              <a:t>3) Does Pre-check, deployment and post-deployment checks</a:t>
+            </a:r>
+            <a:endParaRPr lang="en-GB" sz="1100" dirty="0"/>
+          </a:p>
+        </p:txBody>
+      </p:sp>
+      <p:sp>
+        <p:nvSpPr>
+          <p:cNvPr id="2" name="Rectangle 1">
+            <a:extLst>
+              <a:ext uri="{FF2B5EF4-FFF2-40B4-BE49-F238E27FC236}">
+                <a16:creationId xmlns:a16="http://schemas.microsoft.com/office/drawing/2014/main" id="{375C3FBE-BA61-F9CB-DC03-947EF7CAAC14}"/>
+              </a:ext>
+            </a:extLst>
+          </p:cNvPr>
+          <p:cNvSpPr/>
+          <p:nvPr/>
+        </p:nvSpPr>
+        <p:spPr>
+          <a:xfrm>
+            <a:off x="326571" y="709127"/>
+            <a:ext cx="1492898" cy="634481"/>
+          </a:xfrm>
+          <a:prstGeom prst="rect">
+            <a:avLst/>
+          </a:prstGeom>
+        </p:spPr>
+        <p:style>
+          <a:lnRef idx="2">
+            <a:schemeClr val="accent1">
+              <a:shade val="50000"/>
+            </a:schemeClr>
+          </a:lnRef>
+          <a:fillRef idx="1">
+            <a:schemeClr val="accent1"/>
+          </a:fillRef>
+          <a:effectRef idx="0">
+            <a:schemeClr val="accent1"/>
+          </a:effectRef>
+          <a:fontRef idx="minor">
+            <a:schemeClr val="lt1"/>
+          </a:fontRef>
+        </p:style>
+        <p:txBody>
+          <a:bodyPr rtlCol="0" anchor="ctr"/>
+          <a:lstStyle/>
+          <a:p>
+            <a:pPr algn="ctr"/>
+            <a:r>
+              <a:rPr lang="en-SG" dirty="0"/>
+              <a:t>App Repo</a:t>
+            </a:r>
+            <a:endParaRPr lang="en-GB" dirty="0"/>
+          </a:p>
+        </p:txBody>
+      </p:sp>
+    </p:spTree>
+    <p:extLst>
+      <p:ext uri="{BB962C8B-B14F-4D97-AF65-F5344CB8AC3E}">
+        <p14:creationId xmlns:p14="http://schemas.microsoft.com/office/powerpoint/2010/main" val="3662238742"/>
       </p:ext>
     </p:extLst>
   </p:cSld>
@@ -5532,4 +9933,299 @@
     </a:ext>
   </a:extLst>
 </a:theme>
+</file>
+
+<file path=ppt/theme/theme2.xml><?xml version="1.0" encoding="utf-8"?>
+<a:theme xmlns:a="http://schemas.openxmlformats.org/drawingml/2006/main" name="Office Theme">
+  <a:themeElements>
+    <a:clrScheme name="Office">
+      <a:dk1>
+        <a:sysClr val="windowText" lastClr="000000"/>
+      </a:dk1>
+      <a:lt1>
+        <a:sysClr val="window" lastClr="FFFFFF"/>
+      </a:lt1>
+      <a:dk2>
+        <a:srgbClr val="44546A"/>
+      </a:dk2>
+      <a:lt2>
+        <a:srgbClr val="E7E6E6"/>
+      </a:lt2>
+      <a:accent1>
+        <a:srgbClr val="4472C4"/>
+      </a:accent1>
+      <a:accent2>
+        <a:srgbClr val="ED7D31"/>
+      </a:accent2>
+      <a:accent3>
+        <a:srgbClr val="A5A5A5"/>
+      </a:accent3>
+      <a:accent4>
+        <a:srgbClr val="FFC000"/>
+      </a:accent4>
+      <a:accent5>
+        <a:srgbClr val="5B9BD5"/>
+      </a:accent5>
+      <a:accent6>
+        <a:srgbClr val="70AD47"/>
+      </a:accent6>
+      <a:hlink>
+        <a:srgbClr val="0563C1"/>
+      </a:hlink>
+      <a:folHlink>
+        <a:srgbClr val="954F72"/>
+      </a:folHlink>
+    </a:clrScheme>
+    <a:fontScheme name="Office">
+      <a:majorFont>
+        <a:latin typeface="Calibri Light" panose="020F0302020204030204"/>
+        <a:ea typeface=""/>
+        <a:cs typeface=""/>
+        <a:font script="Jpan" typeface="游ゴシック Light"/>
+        <a:font script="Hang" typeface="맑은 고딕"/>
+        <a:font script="Hans" typeface="等线 Light"/>
+        <a:font script="Hant" typeface="新細明體"/>
+        <a:font script="Arab" typeface="Times New Roman"/>
+        <a:font script="Hebr" typeface="Times New Roman"/>
+        <a:font script="Thai" typeface="Angsana New"/>
+        <a:font script="Ethi" typeface="Nyala"/>
+        <a:font script="Beng" typeface="Vrinda"/>
+        <a:font script="Gujr" typeface="Shruti"/>
+        <a:font script="Khmr" typeface="MoolBoran"/>
+        <a:font script="Knda" typeface="Tunga"/>
+        <a:font script="Guru" typeface="Raavi"/>
+        <a:font script="Cans" typeface="Euphemia"/>
+        <a:font script="Cher" typeface="Plantagenet Cherokee"/>
+        <a:font script="Yiii" typeface="Microsoft Yi Baiti"/>
+        <a:font script="Tibt" typeface="Microsoft Himalaya"/>
+        <a:font script="Thaa" typeface="MV Boli"/>
+        <a:font script="Deva" typeface="Mangal"/>
+        <a:font script="Telu" typeface="Gautami"/>
+        <a:font script="Taml" typeface="Latha"/>
+        <a:font script="Syrc" typeface="Estrangelo Edessa"/>
+        <a:font script="Orya" typeface="Kalinga"/>
+        <a:font script="Mlym" typeface="Kartika"/>
+        <a:font script="Laoo" typeface="DokChampa"/>
+        <a:font script="Sinh" typeface="Iskoola Pota"/>
+        <a:font script="Mong" typeface="Mongolian Baiti"/>
+        <a:font script="Viet" typeface="Times New Roman"/>
+        <a:font script="Uigh" typeface="Microsoft Uighur"/>
+        <a:font script="Geor" typeface="Sylfaen"/>
+        <a:font script="Armn" typeface="Arial"/>
+        <a:font script="Bugi" typeface="Leelawadee UI"/>
+        <a:font script="Bopo" typeface="Microsoft JhengHei"/>
+        <a:font script="Java" typeface="Javanese Text"/>
+        <a:font script="Lisu" typeface="Segoe UI"/>
+        <a:font script="Mymr" typeface="Myanmar Text"/>
+        <a:font script="Nkoo" typeface="Ebrima"/>
+        <a:font script="Olck" typeface="Nirmala UI"/>
+        <a:font script="Osma" typeface="Ebrima"/>
+        <a:font script="Phag" typeface="Phagspa"/>
+        <a:font script="Syrn" typeface="Estrangelo Edessa"/>
+        <a:font script="Syrj" typeface="Estrangelo Edessa"/>
+        <a:font script="Syre" typeface="Estrangelo Edessa"/>
+        <a:font script="Sora" typeface="Nirmala UI"/>
+        <a:font script="Tale" typeface="Microsoft Tai Le"/>
+        <a:font script="Talu" typeface="Microsoft New Tai Lue"/>
+        <a:font script="Tfng" typeface="Ebrima"/>
+      </a:majorFont>
+      <a:minorFont>
+        <a:latin typeface="Calibri" panose="020F0502020204030204"/>
+        <a:ea typeface=""/>
+        <a:cs typeface=""/>
+        <a:font script="Jpan" typeface="游ゴシック"/>
+        <a:font script="Hang" typeface="맑은 고딕"/>
+        <a:font script="Hans" typeface="等线"/>
+        <a:font script="Hant" typeface="新細明體"/>
+        <a:font script="Arab" typeface="Arial"/>
+        <a:font script="Hebr" typeface="Arial"/>
+        <a:font script="Thai" typeface="Cordia New"/>
+        <a:font script="Ethi" typeface="Nyala"/>
+        <a:font script="Beng" typeface="Vrinda"/>
+        <a:font script="Gujr" typeface="Shruti"/>
+        <a:font script="Khmr" typeface="DaunPenh"/>
+        <a:font script="Knda" typeface="Tunga"/>
+        <a:font script="Guru" typeface="Raavi"/>
+        <a:font script="Cans" typeface="Euphemia"/>
+        <a:font script="Cher" typeface="Plantagenet Cherokee"/>
+        <a:font script="Yiii" typeface="Microsoft Yi Baiti"/>
+        <a:font script="Tibt" typeface="Microsoft Himalaya"/>
+        <a:font script="Thaa" typeface="MV Boli"/>
+        <a:font script="Deva" typeface="Mangal"/>
+        <a:font script="Telu" typeface="Gautami"/>
+        <a:font script="Taml" typeface="Latha"/>
+        <a:font script="Syrc" typeface="Estrangelo Edessa"/>
+        <a:font script="Orya" typeface="Kalinga"/>
+        <a:font script="Mlym" typeface="Kartika"/>
+        <a:font script="Laoo" typeface="DokChampa"/>
+        <a:font script="Sinh" typeface="Iskoola Pota"/>
+        <a:font script="Mong" typeface="Mongolian Baiti"/>
+        <a:font script="Viet" typeface="Arial"/>
+        <a:font script="Uigh" typeface="Microsoft Uighur"/>
+        <a:font script="Geor" typeface="Sylfaen"/>
+        <a:font script="Armn" typeface="Arial"/>
+        <a:font script="Bugi" typeface="Leelawadee UI"/>
+        <a:font script="Bopo" typeface="Microsoft JhengHei"/>
+        <a:font script="Java" typeface="Javanese Text"/>
+        <a:font script="Lisu" typeface="Segoe UI"/>
+        <a:font script="Mymr" typeface="Myanmar Text"/>
+        <a:font script="Nkoo" typeface="Ebrima"/>
+        <a:font script="Olck" typeface="Nirmala UI"/>
+        <a:font script="Osma" typeface="Ebrima"/>
+        <a:font script="Phag" typeface="Phagspa"/>
+        <a:font script="Syrn" typeface="Estrangelo Edessa"/>
+        <a:font script="Syrj" typeface="Estrangelo Edessa"/>
+        <a:font script="Syre" typeface="Estrangelo Edessa"/>
+        <a:font script="Sora" typeface="Nirmala UI"/>
+        <a:font script="Tale" typeface="Microsoft Tai Le"/>
+        <a:font script="Talu" typeface="Microsoft New Tai Lue"/>
+        <a:font script="Tfng" typeface="Ebrima"/>
+      </a:minorFont>
+    </a:fontScheme>
+    <a:fmtScheme name="Office">
+      <a:fillStyleLst>
+        <a:solidFill>
+          <a:schemeClr val="phClr"/>
+        </a:solidFill>
+        <a:gradFill rotWithShape="1">
+          <a:gsLst>
+            <a:gs pos="0">
+              <a:schemeClr val="phClr">
+                <a:lumMod val="110000"/>
+                <a:satMod val="105000"/>
+                <a:tint val="67000"/>
+              </a:schemeClr>
+            </a:gs>
+            <a:gs pos="50000">
+              <a:schemeClr val="phClr">
+                <a:lumMod val="105000"/>
+                <a:satMod val="103000"/>
+                <a:tint val="73000"/>
+              </a:schemeClr>
+            </a:gs>
+            <a:gs pos="100000">
+              <a:schemeClr val="phClr">
+                <a:lumMod val="105000"/>
+                <a:satMod val="109000"/>
+                <a:tint val="81000"/>
+              </a:schemeClr>
+            </a:gs>
+          </a:gsLst>
+          <a:lin ang="5400000" scaled="0"/>
+        </a:gradFill>
+        <a:gradFill rotWithShape="1">
+          <a:gsLst>
+            <a:gs pos="0">
+              <a:schemeClr val="phClr">
+                <a:satMod val="103000"/>
+                <a:lumMod val="102000"/>
+                <a:tint val="94000"/>
+              </a:schemeClr>
+            </a:gs>
+            <a:gs pos="50000">
+              <a:schemeClr val="phClr">
+                <a:satMod val="110000"/>
+                <a:lumMod val="100000"/>
+                <a:shade val="100000"/>
+              </a:schemeClr>
+            </a:gs>
+            <a:gs pos="100000">
+              <a:schemeClr val="phClr">
+                <a:lumMod val="99000"/>
+                <a:satMod val="120000"/>
+                <a:shade val="78000"/>
+              </a:schemeClr>
+            </a:gs>
+          </a:gsLst>
+          <a:lin ang="5400000" scaled="0"/>
+        </a:gradFill>
+      </a:fillStyleLst>
+      <a:lnStyleLst>
+        <a:ln w="6350" cap="flat" cmpd="sng" algn="ctr">
+          <a:solidFill>
+            <a:schemeClr val="phClr"/>
+          </a:solidFill>
+          <a:prstDash val="solid"/>
+          <a:miter lim="800000"/>
+        </a:ln>
+        <a:ln w="12700" cap="flat" cmpd="sng" algn="ctr">
+          <a:solidFill>
+            <a:schemeClr val="phClr"/>
+          </a:solidFill>
+          <a:prstDash val="solid"/>
+          <a:miter lim="800000"/>
+        </a:ln>
+        <a:ln w="19050" cap="flat" cmpd="sng" algn="ctr">
+          <a:solidFill>
+            <a:schemeClr val="phClr"/>
+          </a:solidFill>
+          <a:prstDash val="solid"/>
+          <a:miter lim="800000"/>
+        </a:ln>
+      </a:lnStyleLst>
+      <a:effectStyleLst>
+        <a:effectStyle>
+          <a:effectLst/>
+        </a:effectStyle>
+        <a:effectStyle>
+          <a:effectLst/>
+        </a:effectStyle>
+        <a:effectStyle>
+          <a:effectLst>
+            <a:outerShdw blurRad="57150" dist="19050" dir="5400000" algn="ctr" rotWithShape="0">
+              <a:srgbClr val="000000">
+                <a:alpha val="63000"/>
+              </a:srgbClr>
+            </a:outerShdw>
+          </a:effectLst>
+        </a:effectStyle>
+      </a:effectStyleLst>
+      <a:bgFillStyleLst>
+        <a:solidFill>
+          <a:schemeClr val="phClr"/>
+        </a:solidFill>
+        <a:solidFill>
+          <a:schemeClr val="phClr">
+            <a:tint val="95000"/>
+            <a:satMod val="170000"/>
+          </a:schemeClr>
+        </a:solidFill>
+        <a:gradFill rotWithShape="1">
+          <a:gsLst>
+            <a:gs pos="0">
+              <a:schemeClr val="phClr">
+                <a:tint val="93000"/>
+                <a:satMod val="150000"/>
+                <a:shade val="98000"/>
+                <a:lumMod val="102000"/>
+              </a:schemeClr>
+            </a:gs>
+            <a:gs pos="50000">
+              <a:schemeClr val="phClr">
+                <a:tint val="98000"/>
+                <a:satMod val="130000"/>
+                <a:shade val="90000"/>
+                <a:lumMod val="103000"/>
+              </a:schemeClr>
+            </a:gs>
+            <a:gs pos="100000">
+              <a:schemeClr val="phClr">
+                <a:shade val="63000"/>
+                <a:satMod val="120000"/>
+              </a:schemeClr>
+            </a:gs>
+          </a:gsLst>
+          <a:lin ang="5400000" scaled="0"/>
+        </a:gradFill>
+      </a:bgFillStyleLst>
+    </a:fmtScheme>
+  </a:themeElements>
+  <a:objectDefaults/>
+  <a:extraClrSchemeLst/>
+  <a:extLst>
+    <a:ext uri="{05A4C25C-085E-4340-85A3-A5531E510DB2}">
+      <thm15:themeFamily xmlns:thm15="http://schemas.microsoft.com/office/thememl/2012/main" name="Office Theme" id="{62F939B6-93AF-4DB8-9C6B-D6C7DFDC589F}" vid="{4A3C46E8-61CC-4603-A589-7422A47A8E4A}"/>
+    </a:ext>
+  </a:extLst>
+</a:theme>
 </file>